--- a/Interim Report/interim lecture.pptx
+++ b/Interim Report/interim lecture.pptx
@@ -6,18 +6,15 @@
   </p:sldMasterIdLst>
   <p:sldIdLst>
     <p:sldId id="256" r:id="rId2"/>
-    <p:sldId id="258" r:id="rId3"/>
-    <p:sldId id="259" r:id="rId4"/>
-    <p:sldId id="260" r:id="rId5"/>
-    <p:sldId id="261" r:id="rId6"/>
-    <p:sldId id="262" r:id="rId7"/>
-    <p:sldId id="263" r:id="rId8"/>
-    <p:sldId id="266" r:id="rId9"/>
-    <p:sldId id="264" r:id="rId10"/>
-    <p:sldId id="265" r:id="rId11"/>
-    <p:sldId id="267" r:id="rId12"/>
-    <p:sldId id="268" r:id="rId13"/>
-    <p:sldId id="269" r:id="rId14"/>
+    <p:sldId id="259" r:id="rId3"/>
+    <p:sldId id="258" r:id="rId4"/>
+    <p:sldId id="262" r:id="rId5"/>
+    <p:sldId id="263" r:id="rId6"/>
+    <p:sldId id="266" r:id="rId7"/>
+    <p:sldId id="264" r:id="rId8"/>
+    <p:sldId id="265" r:id="rId9"/>
+    <p:sldId id="267" r:id="rId10"/>
+    <p:sldId id="269" r:id="rId11"/>
   </p:sldIdLst>
   <p:sldSz cx="12192000" cy="6858000"/>
   <p:notesSz cx="6858000" cy="9144000"/>
@@ -273,7 +270,7 @@
           <a:p>
             <a:fld id="{40DBAC96-B35E-480C-B0EC-3B1EF137D111}" type="datetimeFigureOut">
               <a:rPr lang="en-GB" smtClean="0"/>
-              <a:t>25/01/2024</a:t>
+              <a:t>26/01/2024</a:t>
             </a:fld>
             <a:endParaRPr lang="en-GB"/>
           </a:p>
@@ -473,7 +470,7 @@
           <a:p>
             <a:fld id="{40DBAC96-B35E-480C-B0EC-3B1EF137D111}" type="datetimeFigureOut">
               <a:rPr lang="en-GB" smtClean="0"/>
-              <a:t>25/01/2024</a:t>
+              <a:t>26/01/2024</a:t>
             </a:fld>
             <a:endParaRPr lang="en-GB"/>
           </a:p>
@@ -683,7 +680,7 @@
           <a:p>
             <a:fld id="{40DBAC96-B35E-480C-B0EC-3B1EF137D111}" type="datetimeFigureOut">
               <a:rPr lang="en-GB" smtClean="0"/>
-              <a:t>25/01/2024</a:t>
+              <a:t>26/01/2024</a:t>
             </a:fld>
             <a:endParaRPr lang="en-GB"/>
           </a:p>
@@ -883,7 +880,7 @@
           <a:p>
             <a:fld id="{40DBAC96-B35E-480C-B0EC-3B1EF137D111}" type="datetimeFigureOut">
               <a:rPr lang="en-GB" smtClean="0"/>
-              <a:t>25/01/2024</a:t>
+              <a:t>26/01/2024</a:t>
             </a:fld>
             <a:endParaRPr lang="en-GB"/>
           </a:p>
@@ -1159,7 +1156,7 @@
           <a:p>
             <a:fld id="{40DBAC96-B35E-480C-B0EC-3B1EF137D111}" type="datetimeFigureOut">
               <a:rPr lang="en-GB" smtClean="0"/>
-              <a:t>25/01/2024</a:t>
+              <a:t>26/01/2024</a:t>
             </a:fld>
             <a:endParaRPr lang="en-GB"/>
           </a:p>
@@ -1427,7 +1424,7 @@
           <a:p>
             <a:fld id="{40DBAC96-B35E-480C-B0EC-3B1EF137D111}" type="datetimeFigureOut">
               <a:rPr lang="en-GB" smtClean="0"/>
-              <a:t>25/01/2024</a:t>
+              <a:t>26/01/2024</a:t>
             </a:fld>
             <a:endParaRPr lang="en-GB"/>
           </a:p>
@@ -1842,7 +1839,7 @@
           <a:p>
             <a:fld id="{40DBAC96-B35E-480C-B0EC-3B1EF137D111}" type="datetimeFigureOut">
               <a:rPr lang="en-GB" smtClean="0"/>
-              <a:t>25/01/2024</a:t>
+              <a:t>26/01/2024</a:t>
             </a:fld>
             <a:endParaRPr lang="en-GB"/>
           </a:p>
@@ -1984,7 +1981,7 @@
           <a:p>
             <a:fld id="{40DBAC96-B35E-480C-B0EC-3B1EF137D111}" type="datetimeFigureOut">
               <a:rPr lang="en-GB" smtClean="0"/>
-              <a:t>25/01/2024</a:t>
+              <a:t>26/01/2024</a:t>
             </a:fld>
             <a:endParaRPr lang="en-GB"/>
           </a:p>
@@ -2097,7 +2094,7 @@
           <a:p>
             <a:fld id="{40DBAC96-B35E-480C-B0EC-3B1EF137D111}" type="datetimeFigureOut">
               <a:rPr lang="en-GB" smtClean="0"/>
-              <a:t>25/01/2024</a:t>
+              <a:t>26/01/2024</a:t>
             </a:fld>
             <a:endParaRPr lang="en-GB"/>
           </a:p>
@@ -2410,7 +2407,7 @@
           <a:p>
             <a:fld id="{40DBAC96-B35E-480C-B0EC-3B1EF137D111}" type="datetimeFigureOut">
               <a:rPr lang="en-GB" smtClean="0"/>
-              <a:t>25/01/2024</a:t>
+              <a:t>26/01/2024</a:t>
             </a:fld>
             <a:endParaRPr lang="en-GB"/>
           </a:p>
@@ -2699,7 +2696,7 @@
           <a:p>
             <a:fld id="{40DBAC96-B35E-480C-B0EC-3B1EF137D111}" type="datetimeFigureOut">
               <a:rPr lang="en-GB" smtClean="0"/>
-              <a:t>25/01/2024</a:t>
+              <a:t>26/01/2024</a:t>
             </a:fld>
             <a:endParaRPr lang="en-GB"/>
           </a:p>
@@ -2942,7 +2939,7 @@
           <a:p>
             <a:fld id="{40DBAC96-B35E-480C-B0EC-3B1EF137D111}" type="datetimeFigureOut">
               <a:rPr lang="en-GB" smtClean="0"/>
-              <a:t>25/01/2024</a:t>
+              <a:t>26/01/2024</a:t>
             </a:fld>
             <a:endParaRPr lang="en-GB"/>
           </a:p>
@@ -3600,2463 +3597,6 @@
           <a:p>
             <a:r>
               <a:rPr lang="en-GB" sz="1400" dirty="0"/>
-              <a:t>1D EBM | Albedo Model</a:t>
-            </a:r>
-          </a:p>
-        </p:txBody>
-      </p:sp>
-      <p:pic>
-        <p:nvPicPr>
-          <p:cNvPr id="5" name="Picture 4">
-            <a:extLst>
-              <a:ext uri="{FF2B5EF4-FFF2-40B4-BE49-F238E27FC236}">
-                <a16:creationId xmlns:a16="http://schemas.microsoft.com/office/drawing/2014/main" id="{A5539593-521B-AEDF-7050-F0D3D41795CE}"/>
-              </a:ext>
-            </a:extLst>
-          </p:cNvPr>
-          <p:cNvPicPr>
-            <a:picLocks noChangeAspect="1"/>
-          </p:cNvPicPr>
-          <p:nvPr/>
-        </p:nvPicPr>
-        <p:blipFill>
-          <a:blip r:embed="rId2">
-            <a:extLst>
-              <a:ext uri="{28A0092B-C50C-407E-A947-70E740481C1C}">
-                <a14:useLocalDpi xmlns:a14="http://schemas.microsoft.com/office/drawing/2010/main" val="0"/>
-              </a:ext>
-            </a:extLst>
-          </a:blip>
-          <a:stretch>
-            <a:fillRect/>
-          </a:stretch>
-        </p:blipFill>
-        <p:spPr>
-          <a:xfrm>
-            <a:off x="10351586" y="-161803"/>
-            <a:ext cx="1685141" cy="993648"/>
-          </a:xfrm>
-          <a:prstGeom prst="rect">
-            <a:avLst/>
-          </a:prstGeom>
-        </p:spPr>
-      </p:pic>
-      <mc:AlternateContent xmlns:mc="http://schemas.openxmlformats.org/markup-compatibility/2006" xmlns:a14="http://schemas.microsoft.com/office/drawing/2010/main">
-        <mc:Choice Requires="a14">
-          <p:sp>
-            <p:nvSpPr>
-              <p:cNvPr id="2" name="Rectangle: Rounded Corners 1">
-                <a:extLst>
-                  <a:ext uri="{FF2B5EF4-FFF2-40B4-BE49-F238E27FC236}">
-                    <a16:creationId xmlns:a16="http://schemas.microsoft.com/office/drawing/2014/main" id="{005ADAC7-CF9A-F0E3-6E1A-75D2A81B73C5}"/>
-                  </a:ext>
-                </a:extLst>
-              </p:cNvPr>
-              <p:cNvSpPr/>
-              <p:nvPr/>
-            </p:nvSpPr>
-            <p:spPr>
-              <a:xfrm>
-                <a:off x="155272" y="881538"/>
-                <a:ext cx="5167264" cy="1740288"/>
-              </a:xfrm>
-              <a:prstGeom prst="roundRect">
-                <a:avLst>
-                  <a:gd name="adj" fmla="val 9253"/>
-                </a:avLst>
-              </a:prstGeom>
-              <a:noFill/>
-              <a:ln w="28575"/>
-            </p:spPr>
-            <p:style>
-              <a:lnRef idx="2">
-                <a:schemeClr val="accent1">
-                  <a:shade val="15000"/>
-                </a:schemeClr>
-              </a:lnRef>
-              <a:fillRef idx="1">
-                <a:schemeClr val="accent1"/>
-              </a:fillRef>
-              <a:effectRef idx="0">
-                <a:schemeClr val="accent1"/>
-              </a:effectRef>
-              <a:fontRef idx="minor">
-                <a:schemeClr val="lt1"/>
-              </a:fontRef>
-            </p:style>
-            <p:txBody>
-              <a:bodyPr rtlCol="0" anchor="t" anchorCtr="0"/>
-              <a:lstStyle/>
-              <a:p>
-                <a:r>
-                  <a:rPr lang="en-GB" b="0" dirty="0">
-                    <a:solidFill>
-                      <a:schemeClr val="tx1"/>
-                    </a:solidFill>
-                    <a:latin typeface="Cambria Math" panose="02040503050406030204" pitchFamily="18" charset="0"/>
-                  </a:rPr>
-                  <a:t>The albedo function models the reflectivity of the land/ocean, accounting for the higher reflectivity of snow</a:t>
-                </a:r>
-                <a:r>
-                  <a:rPr lang="en-GB" dirty="0">
-                    <a:solidFill>
-                      <a:schemeClr val="tx1"/>
-                    </a:solidFill>
-                    <a:latin typeface="Cambria Math" panose="02040503050406030204" pitchFamily="18" charset="0"/>
-                  </a:rPr>
-                  <a:t>/ice that occurs at freezing temperatures.</a:t>
-                </a:r>
-              </a:p>
-              <a:p>
-                <a:r>
-                  <a:rPr lang="en-GB" dirty="0">
-                    <a:solidFill>
-                      <a:schemeClr val="tx1"/>
-                    </a:solidFill>
-                    <a:latin typeface="Cambria Math" panose="02040503050406030204" pitchFamily="18" charset="0"/>
-                  </a:rPr>
-                  <a:t> </a:t>
-                </a:r>
-                <a:endParaRPr lang="en-GB" b="0" i="1" dirty="0">
-                  <a:solidFill>
-                    <a:schemeClr val="tx1"/>
-                  </a:solidFill>
-                  <a:latin typeface="Cambria Math" panose="02040503050406030204" pitchFamily="18" charset="0"/>
-                </a:endParaRPr>
-              </a:p>
-              <a:p>
-                <a:pPr/>
-                <a14:m>
-                  <m:oMathPara xmlns:m="http://schemas.openxmlformats.org/officeDocument/2006/math">
-                    <m:oMathParaPr>
-                      <m:jc m:val="centerGroup"/>
-                    </m:oMathParaPr>
-                    <m:oMath xmlns:m="http://schemas.openxmlformats.org/officeDocument/2006/math">
-                      <m:r>
-                        <a:rPr lang="en-GB" b="0" i="1" smtClean="0">
-                          <a:solidFill>
-                            <a:schemeClr val="tx1"/>
-                          </a:solidFill>
-                          <a:latin typeface="Cambria Math" panose="02040503050406030204" pitchFamily="18" charset="0"/>
-                        </a:rPr>
-                        <m:t>𝐴</m:t>
-                      </m:r>
-                      <m:d>
-                        <m:dPr>
-                          <m:ctrlPr>
-                            <a:rPr lang="en-GB" b="0" i="1" smtClean="0">
-                              <a:solidFill>
-                                <a:schemeClr val="tx1"/>
-                              </a:solidFill>
-                              <a:latin typeface="Cambria Math" panose="02040503050406030204" pitchFamily="18" charset="0"/>
-                            </a:rPr>
-                          </m:ctrlPr>
-                        </m:dPr>
-                        <m:e>
-                          <m:r>
-                            <a:rPr lang="en-GB" b="0" i="1" smtClean="0">
-                              <a:solidFill>
-                                <a:schemeClr val="tx1"/>
-                              </a:solidFill>
-                              <a:latin typeface="Cambria Math" panose="02040503050406030204" pitchFamily="18" charset="0"/>
-                            </a:rPr>
-                            <m:t>𝑇</m:t>
-                          </m:r>
-                        </m:e>
-                      </m:d>
-                      <m:r>
-                        <a:rPr lang="en-GB" b="0" i="1" smtClean="0">
-                          <a:solidFill>
-                            <a:schemeClr val="tx1"/>
-                          </a:solidFill>
-                          <a:latin typeface="Cambria Math" panose="02040503050406030204" pitchFamily="18" charset="0"/>
-                        </a:rPr>
-                        <m:t>=0.525−0.245 ⋅</m:t>
-                      </m:r>
-                      <m:r>
-                        <m:rPr>
-                          <m:sty m:val="p"/>
-                        </m:rPr>
-                        <a:rPr lang="en-GB" b="0" i="0" smtClean="0">
-                          <a:solidFill>
-                            <a:schemeClr val="tx1"/>
-                          </a:solidFill>
-                          <a:latin typeface="Cambria Math" panose="02040503050406030204" pitchFamily="18" charset="0"/>
-                        </a:rPr>
-                        <m:t>tanh</m:t>
-                      </m:r>
-                      <m:r>
-                        <a:rPr lang="en-GB" b="0" i="1" smtClean="0">
-                          <a:solidFill>
-                            <a:schemeClr val="tx1"/>
-                          </a:solidFill>
-                          <a:latin typeface="Cambria Math" panose="02040503050406030204" pitchFamily="18" charset="0"/>
-                        </a:rPr>
-                        <m:t>⁡(0.2 </m:t>
-                      </m:r>
-                      <m:r>
-                        <a:rPr lang="en-GB" b="0" i="1" smtClean="0">
-                          <a:solidFill>
-                            <a:schemeClr val="tx1"/>
-                          </a:solidFill>
-                          <a:latin typeface="Cambria Math" panose="02040503050406030204" pitchFamily="18" charset="0"/>
-                        </a:rPr>
-                        <m:t>𝑇</m:t>
-                      </m:r>
-                      <m:r>
-                        <a:rPr lang="en-GB" b="0" i="1" smtClean="0">
-                          <a:solidFill>
-                            <a:schemeClr val="tx1"/>
-                          </a:solidFill>
-                          <a:latin typeface="Cambria Math" panose="02040503050406030204" pitchFamily="18" charset="0"/>
-                        </a:rPr>
-                        <m:t> −53.6) </m:t>
-                      </m:r>
-                    </m:oMath>
-                  </m:oMathPara>
-                </a14:m>
-                <a:endParaRPr lang="en-GB" dirty="0">
-                  <a:solidFill>
-                    <a:schemeClr val="tx1"/>
-                  </a:solidFill>
-                </a:endParaRPr>
-              </a:p>
-              <a:p>
-                <a:endParaRPr lang="en-GB" dirty="0">
-                  <a:solidFill>
-                    <a:schemeClr val="tx1"/>
-                  </a:solidFill>
-                </a:endParaRPr>
-              </a:p>
-            </p:txBody>
-          </p:sp>
-        </mc:Choice>
-        <mc:Fallback xmlns="">
-          <p:sp>
-            <p:nvSpPr>
-              <p:cNvPr id="2" name="Rectangle: Rounded Corners 1">
-                <a:extLst>
-                  <a:ext uri="{FF2B5EF4-FFF2-40B4-BE49-F238E27FC236}">
-                    <a16:creationId xmlns:a16="http://schemas.microsoft.com/office/drawing/2014/main" id="{005ADAC7-CF9A-F0E3-6E1A-75D2A81B73C5}"/>
-                  </a:ext>
-                </a:extLst>
-              </p:cNvPr>
-              <p:cNvSpPr>
-                <a:spLocks noRot="1" noChangeAspect="1" noMove="1" noResize="1" noEditPoints="1" noAdjustHandles="1" noChangeArrowheads="1" noChangeShapeType="1" noTextEdit="1"/>
-              </p:cNvSpPr>
-              <p:nvPr/>
-            </p:nvSpPr>
-            <p:spPr>
-              <a:xfrm>
-                <a:off x="155272" y="881538"/>
-                <a:ext cx="5167264" cy="1740288"/>
-              </a:xfrm>
-              <a:prstGeom prst="roundRect">
-                <a:avLst>
-                  <a:gd name="adj" fmla="val 9253"/>
-                </a:avLst>
-              </a:prstGeom>
-              <a:blipFill>
-                <a:blip r:embed="rId3"/>
-                <a:stretch>
-                  <a:fillRect/>
-                </a:stretch>
-              </a:blipFill>
-              <a:ln w="28575"/>
-            </p:spPr>
-            <p:txBody>
-              <a:bodyPr/>
-              <a:lstStyle/>
-              <a:p>
-                <a:r>
-                  <a:rPr lang="en-GB">
-                    <a:noFill/>
-                  </a:rPr>
-                  <a:t> </a:t>
-                </a:r>
-              </a:p>
-            </p:txBody>
-          </p:sp>
-        </mc:Fallback>
-      </mc:AlternateContent>
-      <p:sp>
-        <p:nvSpPr>
-          <p:cNvPr id="6" name="Rectangle: Rounded Corners 5">
-            <a:extLst>
-              <a:ext uri="{FF2B5EF4-FFF2-40B4-BE49-F238E27FC236}">
-                <a16:creationId xmlns:a16="http://schemas.microsoft.com/office/drawing/2014/main" id="{749C0B6E-F3DE-88B3-FBCB-B5CB5E4E47F6}"/>
-              </a:ext>
-            </a:extLst>
-          </p:cNvPr>
-          <p:cNvSpPr/>
-          <p:nvPr/>
-        </p:nvSpPr>
-        <p:spPr>
-          <a:xfrm>
-            <a:off x="6418050" y="1007680"/>
-            <a:ext cx="4589256" cy="901146"/>
-          </a:xfrm>
-          <a:prstGeom prst="roundRect">
-            <a:avLst>
-              <a:gd name="adj" fmla="val 9253"/>
-            </a:avLst>
-          </a:prstGeom>
-          <a:noFill/>
-          <a:ln w="28575"/>
-        </p:spPr>
-        <p:style>
-          <a:lnRef idx="2">
-            <a:schemeClr val="accent1">
-              <a:shade val="15000"/>
-            </a:schemeClr>
-          </a:lnRef>
-          <a:fillRef idx="1">
-            <a:schemeClr val="accent1"/>
-          </a:fillRef>
-          <a:effectRef idx="0">
-            <a:schemeClr val="accent1"/>
-          </a:effectRef>
-          <a:fontRef idx="minor">
-            <a:schemeClr val="lt1"/>
-          </a:fontRef>
-        </p:style>
-        <p:txBody>
-          <a:bodyPr rtlCol="0" anchor="t" anchorCtr="0"/>
-          <a:lstStyle/>
-          <a:p>
-            <a:r>
-              <a:rPr lang="en-GB" sz="2000" dirty="0">
-                <a:solidFill>
-                  <a:schemeClr val="tx1"/>
-                </a:solidFill>
-              </a:rPr>
-              <a:t>A(Ice) = 0.7 (</a:t>
-            </a:r>
-            <a:r>
-              <a:rPr lang="en-GB" sz="2000" i="1" dirty="0">
-                <a:solidFill>
-                  <a:schemeClr val="tx1"/>
-                </a:solidFill>
-              </a:rPr>
-              <a:t>high reflectance</a:t>
-            </a:r>
-            <a:r>
-              <a:rPr lang="en-GB" sz="2000" dirty="0">
-                <a:solidFill>
-                  <a:schemeClr val="tx1"/>
-                </a:solidFill>
-              </a:rPr>
-              <a:t>) </a:t>
-            </a:r>
-          </a:p>
-          <a:p>
-            <a:r>
-              <a:rPr lang="en-GB" sz="2000" dirty="0">
-                <a:solidFill>
-                  <a:schemeClr val="tx1"/>
-                </a:solidFill>
-              </a:rPr>
-              <a:t>A(land/ocean) = 0.3 (</a:t>
-            </a:r>
-            <a:r>
-              <a:rPr lang="en-GB" sz="2000" i="1" dirty="0">
-                <a:solidFill>
-                  <a:schemeClr val="tx1"/>
-                </a:solidFill>
-              </a:rPr>
-              <a:t>low reflectance</a:t>
-            </a:r>
-            <a:r>
-              <a:rPr lang="en-GB" sz="2000" dirty="0">
-                <a:solidFill>
-                  <a:schemeClr val="tx1"/>
-                </a:solidFill>
-              </a:rPr>
-              <a:t>)</a:t>
-            </a:r>
-          </a:p>
-        </p:txBody>
-      </p:sp>
-      <p:sp>
-        <p:nvSpPr>
-          <p:cNvPr id="9" name="Rectangle: Rounded Corners 8">
-            <a:extLst>
-              <a:ext uri="{FF2B5EF4-FFF2-40B4-BE49-F238E27FC236}">
-                <a16:creationId xmlns:a16="http://schemas.microsoft.com/office/drawing/2014/main" id="{1E5D7448-FEA0-BFEA-9DBE-6B20B8AA772A}"/>
-              </a:ext>
-            </a:extLst>
-          </p:cNvPr>
-          <p:cNvSpPr/>
-          <p:nvPr/>
-        </p:nvSpPr>
-        <p:spPr>
-          <a:xfrm>
-            <a:off x="388185" y="2955380"/>
-            <a:ext cx="4373596" cy="1080610"/>
-          </a:xfrm>
-          <a:prstGeom prst="roundRect">
-            <a:avLst>
-              <a:gd name="adj" fmla="val 9253"/>
-            </a:avLst>
-          </a:prstGeom>
-          <a:noFill/>
-          <a:ln w="28575">
-            <a:solidFill>
-              <a:schemeClr val="accent4"/>
-            </a:solidFill>
-          </a:ln>
-        </p:spPr>
-        <p:style>
-          <a:lnRef idx="2">
-            <a:schemeClr val="accent1">
-              <a:shade val="15000"/>
-            </a:schemeClr>
-          </a:lnRef>
-          <a:fillRef idx="1">
-            <a:schemeClr val="accent1"/>
-          </a:fillRef>
-          <a:effectRef idx="0">
-            <a:schemeClr val="accent1"/>
-          </a:effectRef>
-          <a:fontRef idx="minor">
-            <a:schemeClr val="lt1"/>
-          </a:fontRef>
-        </p:style>
-        <p:txBody>
-          <a:bodyPr rtlCol="0" anchor="t" anchorCtr="0"/>
-          <a:lstStyle/>
-          <a:p>
-            <a:r>
-              <a:rPr lang="en-GB" i="1" u="sng" dirty="0">
-                <a:solidFill>
-                  <a:schemeClr val="tx1"/>
-                </a:solidFill>
-              </a:rPr>
-              <a:t>Future Work</a:t>
-            </a:r>
-            <a:r>
-              <a:rPr lang="en-GB" dirty="0">
-                <a:solidFill>
-                  <a:schemeClr val="tx1"/>
-                </a:solidFill>
-              </a:rPr>
-              <a:t>: Possible work could be done to include the effect that atmospheric cloud cover has on the albedo of a latitude band</a:t>
-            </a:r>
-            <a:endParaRPr lang="en-GB" u="sng" dirty="0">
-              <a:solidFill>
-                <a:schemeClr val="tx1"/>
-              </a:solidFill>
-            </a:endParaRPr>
-          </a:p>
-        </p:txBody>
-      </p:sp>
-      <p:pic>
-        <p:nvPicPr>
-          <p:cNvPr id="8194" name="Picture 2">
-            <a:extLst>
-              <a:ext uri="{FF2B5EF4-FFF2-40B4-BE49-F238E27FC236}">
-                <a16:creationId xmlns:a16="http://schemas.microsoft.com/office/drawing/2014/main" id="{4A6EA775-509D-AC75-E3B7-BB1C15B9147F}"/>
-              </a:ext>
-            </a:extLst>
-          </p:cNvPr>
-          <p:cNvPicPr>
-            <a:picLocks noChangeAspect="1" noChangeArrowheads="1"/>
-          </p:cNvPicPr>
-          <p:nvPr/>
-        </p:nvPicPr>
-        <p:blipFill>
-          <a:blip r:embed="rId4">
-            <a:extLst>
-              <a:ext uri="{28A0092B-C50C-407E-A947-70E740481C1C}">
-                <a14:useLocalDpi xmlns:a14="http://schemas.microsoft.com/office/drawing/2010/main" val="0"/>
-              </a:ext>
-            </a:extLst>
-          </a:blip>
-          <a:srcRect/>
-          <a:stretch>
-            <a:fillRect/>
-          </a:stretch>
-        </p:blipFill>
-        <p:spPr bwMode="auto">
-          <a:xfrm>
-            <a:off x="2738904" y="4236175"/>
-            <a:ext cx="1981200" cy="1981200"/>
-          </a:xfrm>
-          <a:prstGeom prst="rect">
-            <a:avLst/>
-          </a:prstGeom>
-          <a:noFill/>
-          <a:extLst>
-            <a:ext uri="{909E8E84-426E-40DD-AFC4-6F175D3DCCD1}">
-              <a14:hiddenFill xmlns:a14="http://schemas.microsoft.com/office/drawing/2010/main">
-                <a:solidFill>
-                  <a:srgbClr val="FFFFFF"/>
-                </a:solidFill>
-              </a14:hiddenFill>
-            </a:ext>
-          </a:extLst>
-        </p:spPr>
-      </p:pic>
-      <p:pic>
-        <p:nvPicPr>
-          <p:cNvPr id="8196" name="Picture 4">
-            <a:extLst>
-              <a:ext uri="{FF2B5EF4-FFF2-40B4-BE49-F238E27FC236}">
-                <a16:creationId xmlns:a16="http://schemas.microsoft.com/office/drawing/2014/main" id="{3215B3B2-CF37-B2EC-5B55-5DD859F7612D}"/>
-              </a:ext>
-            </a:extLst>
-          </p:cNvPr>
-          <p:cNvPicPr>
-            <a:picLocks noChangeAspect="1" noChangeArrowheads="1"/>
-          </p:cNvPicPr>
-          <p:nvPr/>
-        </p:nvPicPr>
-        <p:blipFill>
-          <a:blip r:embed="rId5">
-            <a:extLst>
-              <a:ext uri="{28A0092B-C50C-407E-A947-70E740481C1C}">
-                <a14:useLocalDpi xmlns:a14="http://schemas.microsoft.com/office/drawing/2010/main" val="0"/>
-              </a:ext>
-            </a:extLst>
-          </a:blip>
-          <a:srcRect/>
-          <a:stretch>
-            <a:fillRect/>
-          </a:stretch>
-        </p:blipFill>
-        <p:spPr bwMode="auto">
-          <a:xfrm>
-            <a:off x="485955" y="4236175"/>
-            <a:ext cx="1981200" cy="1981200"/>
-          </a:xfrm>
-          <a:prstGeom prst="rect">
-            <a:avLst/>
-          </a:prstGeom>
-          <a:noFill/>
-          <a:extLst>
-            <a:ext uri="{909E8E84-426E-40DD-AFC4-6F175D3DCCD1}">
-              <a14:hiddenFill xmlns:a14="http://schemas.microsoft.com/office/drawing/2010/main">
-                <a:solidFill>
-                  <a:srgbClr val="FFFFFF"/>
-                </a:solidFill>
-              </a14:hiddenFill>
-            </a:ext>
-          </a:extLst>
-        </p:spPr>
-      </p:pic>
-      <p:pic>
-        <p:nvPicPr>
-          <p:cNvPr id="8" name="Picture 7" descr="A graph of a temperature&#10;&#10;Description automatically generated">
-            <a:extLst>
-              <a:ext uri="{FF2B5EF4-FFF2-40B4-BE49-F238E27FC236}">
-                <a16:creationId xmlns:a16="http://schemas.microsoft.com/office/drawing/2014/main" id="{D6770B0C-36D4-9ABE-4792-488CDC858F3E}"/>
-              </a:ext>
-            </a:extLst>
-          </p:cNvPr>
-          <p:cNvPicPr>
-            <a:picLocks noChangeAspect="1"/>
-          </p:cNvPicPr>
-          <p:nvPr/>
-        </p:nvPicPr>
-        <p:blipFill>
-          <a:blip r:embed="rId6">
-            <a:extLst>
-              <a:ext uri="{28A0092B-C50C-407E-A947-70E740481C1C}">
-                <a14:useLocalDpi xmlns:a14="http://schemas.microsoft.com/office/drawing/2010/main" val="0"/>
-              </a:ext>
-            </a:extLst>
-          </a:blip>
-          <a:stretch>
-            <a:fillRect/>
-          </a:stretch>
-        </p:blipFill>
-        <p:spPr>
-          <a:xfrm>
-            <a:off x="5471068" y="2462644"/>
-            <a:ext cx="6333064" cy="4066312"/>
-          </a:xfrm>
-          <a:prstGeom prst="rect">
-            <a:avLst/>
-          </a:prstGeom>
-        </p:spPr>
-      </p:pic>
-    </p:spTree>
-    <p:extLst>
-      <p:ext uri="{BB962C8B-B14F-4D97-AF65-F5344CB8AC3E}">
-        <p14:creationId xmlns:p14="http://schemas.microsoft.com/office/powerpoint/2010/main" val="2091116622"/>
-      </p:ext>
-    </p:extLst>
-  </p:cSld>
-  <p:clrMapOvr>
-    <a:masterClrMapping/>
-  </p:clrMapOvr>
-</p:sld>
-</file>
-
-<file path=ppt/slides/slide11.xml><?xml version="1.0" encoding="utf-8"?>
-<p:sld xmlns:a="http://schemas.openxmlformats.org/drawingml/2006/main" xmlns:r="http://schemas.openxmlformats.org/officeDocument/2006/relationships" xmlns:p="http://schemas.openxmlformats.org/presentationml/2006/main">
-  <p:cSld>
-    <p:spTree>
-      <p:nvGrpSpPr>
-        <p:cNvPr id="1" name=""/>
-        <p:cNvGrpSpPr/>
-        <p:nvPr/>
-      </p:nvGrpSpPr>
-      <p:grpSpPr>
-        <a:xfrm>
-          <a:off x="0" y="0"/>
-          <a:ext cx="0" cy="0"/>
-          <a:chOff x="0" y="0"/>
-          <a:chExt cx="0" cy="0"/>
-        </a:xfrm>
-      </p:grpSpPr>
-      <p:sp>
-        <p:nvSpPr>
-          <p:cNvPr id="4" name="Rectangle 3">
-            <a:extLst>
-              <a:ext uri="{FF2B5EF4-FFF2-40B4-BE49-F238E27FC236}">
-                <a16:creationId xmlns:a16="http://schemas.microsoft.com/office/drawing/2014/main" id="{1ACD40DC-AFBF-76FF-5E79-F5180794D887}"/>
-              </a:ext>
-            </a:extLst>
-          </p:cNvPr>
-          <p:cNvSpPr/>
-          <p:nvPr/>
-        </p:nvSpPr>
-        <p:spPr>
-          <a:xfrm>
-            <a:off x="0" y="0"/>
-            <a:ext cx="12192000" cy="670045"/>
-          </a:xfrm>
-          <a:prstGeom prst="rect">
-            <a:avLst/>
-          </a:prstGeom>
-          <a:solidFill>
-            <a:srgbClr val="702566"/>
-          </a:solidFill>
-        </p:spPr>
-        <p:style>
-          <a:lnRef idx="2">
-            <a:schemeClr val="accent1">
-              <a:shade val="15000"/>
-            </a:schemeClr>
-          </a:lnRef>
-          <a:fillRef idx="1">
-            <a:schemeClr val="accent1"/>
-          </a:fillRef>
-          <a:effectRef idx="0">
-            <a:schemeClr val="accent1"/>
-          </a:effectRef>
-          <a:fontRef idx="minor">
-            <a:schemeClr val="lt1"/>
-          </a:fontRef>
-        </p:style>
-        <p:txBody>
-          <a:bodyPr rtlCol="0" anchor="ctr"/>
-          <a:lstStyle/>
-          <a:p>
-            <a:r>
-              <a:rPr lang="en-GB" sz="1400" dirty="0"/>
-              <a:t>1D EBM | Infrared Cooling Model</a:t>
-            </a:r>
-          </a:p>
-        </p:txBody>
-      </p:sp>
-      <p:pic>
-        <p:nvPicPr>
-          <p:cNvPr id="5" name="Picture 4">
-            <a:extLst>
-              <a:ext uri="{FF2B5EF4-FFF2-40B4-BE49-F238E27FC236}">
-                <a16:creationId xmlns:a16="http://schemas.microsoft.com/office/drawing/2014/main" id="{A5539593-521B-AEDF-7050-F0D3D41795CE}"/>
-              </a:ext>
-            </a:extLst>
-          </p:cNvPr>
-          <p:cNvPicPr>
-            <a:picLocks noChangeAspect="1"/>
-          </p:cNvPicPr>
-          <p:nvPr/>
-        </p:nvPicPr>
-        <p:blipFill>
-          <a:blip r:embed="rId2">
-            <a:extLst>
-              <a:ext uri="{28A0092B-C50C-407E-A947-70E740481C1C}">
-                <a14:useLocalDpi xmlns:a14="http://schemas.microsoft.com/office/drawing/2010/main" val="0"/>
-              </a:ext>
-            </a:extLst>
-          </a:blip>
-          <a:stretch>
-            <a:fillRect/>
-          </a:stretch>
-        </p:blipFill>
-        <p:spPr>
-          <a:xfrm>
-            <a:off x="10351586" y="-161803"/>
-            <a:ext cx="1685141" cy="993648"/>
-          </a:xfrm>
-          <a:prstGeom prst="rect">
-            <a:avLst/>
-          </a:prstGeom>
-        </p:spPr>
-      </p:pic>
-      <p:sp>
-        <p:nvSpPr>
-          <p:cNvPr id="7" name="Rectangle: Rounded Corners 6">
-            <a:extLst>
-              <a:ext uri="{FF2B5EF4-FFF2-40B4-BE49-F238E27FC236}">
-                <a16:creationId xmlns:a16="http://schemas.microsoft.com/office/drawing/2014/main" id="{E0187FE5-348C-30A7-75C8-A65BC548F0E7}"/>
-              </a:ext>
-            </a:extLst>
-          </p:cNvPr>
-          <p:cNvSpPr/>
-          <p:nvPr/>
-        </p:nvSpPr>
-        <p:spPr>
-          <a:xfrm>
-            <a:off x="276042" y="831845"/>
-            <a:ext cx="5167264" cy="990394"/>
-          </a:xfrm>
-          <a:prstGeom prst="roundRect">
-            <a:avLst>
-              <a:gd name="adj" fmla="val 9253"/>
-            </a:avLst>
-          </a:prstGeom>
-          <a:noFill/>
-          <a:ln w="28575"/>
-        </p:spPr>
-        <p:style>
-          <a:lnRef idx="2">
-            <a:schemeClr val="accent1">
-              <a:shade val="15000"/>
-            </a:schemeClr>
-          </a:lnRef>
-          <a:fillRef idx="1">
-            <a:schemeClr val="accent1"/>
-          </a:fillRef>
-          <a:effectRef idx="0">
-            <a:schemeClr val="accent1"/>
-          </a:effectRef>
-          <a:fontRef idx="minor">
-            <a:schemeClr val="lt1"/>
-          </a:fontRef>
-        </p:style>
-        <p:txBody>
-          <a:bodyPr rtlCol="0" anchor="t" anchorCtr="0"/>
-          <a:lstStyle/>
-          <a:p>
-            <a:r>
-              <a:rPr lang="en-GB" dirty="0">
-                <a:solidFill>
-                  <a:schemeClr val="tx1"/>
-                </a:solidFill>
-              </a:rPr>
-              <a:t>The IR Cooling model describes the amount of (IR) radiation, emitted by Earth’s surface, that escapes into outer-space. </a:t>
-            </a:r>
-          </a:p>
-          <a:p>
-            <a:endParaRPr lang="en-GB" dirty="0">
-              <a:solidFill>
-                <a:schemeClr val="tx1"/>
-              </a:solidFill>
-            </a:endParaRPr>
-          </a:p>
-        </p:txBody>
-      </p:sp>
-      <mc:AlternateContent xmlns:mc="http://schemas.openxmlformats.org/markup-compatibility/2006" xmlns:a14="http://schemas.microsoft.com/office/drawing/2010/main">
-        <mc:Choice Requires="a14">
-          <p:sp>
-            <p:nvSpPr>
-              <p:cNvPr id="8" name="Rectangle: Rounded Corners 7">
-                <a:extLst>
-                  <a:ext uri="{FF2B5EF4-FFF2-40B4-BE49-F238E27FC236}">
-                    <a16:creationId xmlns:a16="http://schemas.microsoft.com/office/drawing/2014/main" id="{465AB7C1-D387-6B62-188A-2A513A684577}"/>
-                  </a:ext>
-                </a:extLst>
-              </p:cNvPr>
-              <p:cNvSpPr/>
-              <p:nvPr/>
-            </p:nvSpPr>
-            <p:spPr>
-              <a:xfrm>
-                <a:off x="276042" y="2012311"/>
-                <a:ext cx="5167264" cy="3001701"/>
-              </a:xfrm>
-              <a:prstGeom prst="roundRect">
-                <a:avLst>
-                  <a:gd name="adj" fmla="val 9253"/>
-                </a:avLst>
-              </a:prstGeom>
-              <a:noFill/>
-              <a:ln w="28575"/>
-            </p:spPr>
-            <p:style>
-              <a:lnRef idx="2">
-                <a:schemeClr val="accent1">
-                  <a:shade val="15000"/>
-                </a:schemeClr>
-              </a:lnRef>
-              <a:fillRef idx="1">
-                <a:schemeClr val="accent1"/>
-              </a:fillRef>
-              <a:effectRef idx="0">
-                <a:schemeClr val="accent1"/>
-              </a:effectRef>
-              <a:fontRef idx="minor">
-                <a:schemeClr val="lt1"/>
-              </a:fontRef>
-            </p:style>
-            <p:txBody>
-              <a:bodyPr rtlCol="0" anchor="t" anchorCtr="0"/>
-              <a:lstStyle/>
-              <a:p>
-                <a:r>
-                  <a:rPr lang="en-GB" dirty="0">
-                    <a:solidFill>
-                      <a:schemeClr val="tx1"/>
-                    </a:solidFill>
-                  </a:rPr>
-                  <a:t>Given a latitude band at some temperature (</a:t>
-                </a:r>
-                <a:r>
-                  <a:rPr lang="en-GB" i="1" dirty="0">
-                    <a:solidFill>
-                      <a:schemeClr val="tx1"/>
-                    </a:solidFill>
-                  </a:rPr>
-                  <a:t>T)</a:t>
-                </a:r>
-                <a:r>
-                  <a:rPr lang="en-GB" dirty="0">
-                    <a:solidFill>
-                      <a:schemeClr val="tx1"/>
-                    </a:solidFill>
-                  </a:rPr>
-                  <a:t>, it’s surface will emit as a black-body according to the Steffan-Boltzman law.</a:t>
-                </a:r>
-              </a:p>
-              <a:p>
-                <a:endParaRPr lang="en-GB" dirty="0">
-                  <a:solidFill>
-                    <a:schemeClr val="tx1"/>
-                  </a:solidFill>
-                </a:endParaRPr>
-              </a:p>
-              <a:p>
-                <a:pPr algn="ctr"/>
-                <a:r>
-                  <a:rPr lang="en-GB" dirty="0">
-                    <a:solidFill>
-                      <a:schemeClr val="tx1"/>
-                    </a:solidFill>
-                  </a:rPr>
-                  <a:t>  </a:t>
-                </a:r>
-                <a14:m>
-                  <m:oMath xmlns:m="http://schemas.openxmlformats.org/officeDocument/2006/math">
-                    <m:r>
-                      <a:rPr lang="en-GB" b="0" i="1" smtClean="0">
-                        <a:solidFill>
-                          <a:schemeClr val="tx1"/>
-                        </a:solidFill>
-                        <a:latin typeface="Cambria Math" panose="02040503050406030204" pitchFamily="18" charset="0"/>
-                      </a:rPr>
-                      <m:t>𝐹</m:t>
-                    </m:r>
-                    <m:r>
-                      <a:rPr lang="en-GB" b="0" i="1" smtClean="0">
-                        <a:solidFill>
-                          <a:schemeClr val="tx1"/>
-                        </a:solidFill>
-                        <a:latin typeface="Cambria Math" panose="02040503050406030204" pitchFamily="18" charset="0"/>
-                      </a:rPr>
-                      <m:t>=</m:t>
-                    </m:r>
-                    <m:r>
-                      <a:rPr lang="en-GB" b="0" i="1" smtClean="0">
-                        <a:solidFill>
-                          <a:schemeClr val="tx1"/>
-                        </a:solidFill>
-                        <a:latin typeface="Cambria Math" panose="02040503050406030204" pitchFamily="18" charset="0"/>
-                      </a:rPr>
-                      <m:t>𝜎</m:t>
-                    </m:r>
-                    <m:sSup>
-                      <m:sSupPr>
-                        <m:ctrlPr>
-                          <a:rPr lang="en-GB" b="0" i="1" smtClean="0">
-                            <a:solidFill>
-                              <a:schemeClr val="tx1"/>
-                            </a:solidFill>
-                            <a:latin typeface="Cambria Math" panose="02040503050406030204" pitchFamily="18" charset="0"/>
-                          </a:rPr>
-                        </m:ctrlPr>
-                      </m:sSupPr>
-                      <m:e>
-                        <m:r>
-                          <a:rPr lang="en-GB" b="0" i="1" smtClean="0">
-                            <a:solidFill>
-                              <a:schemeClr val="tx1"/>
-                            </a:solidFill>
-                            <a:latin typeface="Cambria Math" panose="02040503050406030204" pitchFamily="18" charset="0"/>
-                          </a:rPr>
-                          <m:t>𝑇</m:t>
-                        </m:r>
-                      </m:e>
-                      <m:sup>
-                        <m:r>
-                          <a:rPr lang="en-GB" b="0" i="1" smtClean="0">
-                            <a:solidFill>
-                              <a:schemeClr val="tx1"/>
-                            </a:solidFill>
-                            <a:latin typeface="Cambria Math" panose="02040503050406030204" pitchFamily="18" charset="0"/>
-                          </a:rPr>
-                          <m:t>4</m:t>
-                        </m:r>
-                      </m:sup>
-                    </m:sSup>
-                  </m:oMath>
-                </a14:m>
-                <a:endParaRPr lang="en-GB" dirty="0">
-                  <a:solidFill>
-                    <a:schemeClr val="tx1"/>
-                  </a:solidFill>
-                </a:endParaRPr>
-              </a:p>
-              <a:p>
-                <a:pPr algn="ctr"/>
-                <a:endParaRPr lang="en-GB" dirty="0">
-                  <a:solidFill>
-                    <a:schemeClr val="tx1"/>
-                  </a:solidFill>
-                </a:endParaRPr>
-              </a:p>
-              <a:p>
-                <a:r>
-                  <a:rPr lang="en-GB" dirty="0">
-                    <a:solidFill>
-                      <a:schemeClr val="tx1"/>
-                    </a:solidFill>
-                  </a:rPr>
-                  <a:t>This emitted radiation can either pass straight into outer-space, or it can get absorbed by the greenhouse gases (predominantly CO2) present within our atmosphere.</a:t>
-                </a:r>
-              </a:p>
-              <a:p>
-                <a:pPr algn="ctr"/>
-                <a:endParaRPr lang="en-GB" dirty="0">
-                  <a:solidFill>
-                    <a:schemeClr val="tx1"/>
-                  </a:solidFill>
-                </a:endParaRPr>
-              </a:p>
-              <a:p>
-                <a:pPr algn="ctr"/>
-                <a:endParaRPr lang="en-GB" dirty="0">
-                  <a:solidFill>
-                    <a:schemeClr val="tx1"/>
-                  </a:solidFill>
-                </a:endParaRPr>
-              </a:p>
-              <a:p>
-                <a:endParaRPr lang="en-GB" dirty="0">
-                  <a:solidFill>
-                    <a:schemeClr val="tx1"/>
-                  </a:solidFill>
-                </a:endParaRPr>
-              </a:p>
-            </p:txBody>
-          </p:sp>
-        </mc:Choice>
-        <mc:Fallback xmlns="">
-          <p:sp>
-            <p:nvSpPr>
-              <p:cNvPr id="8" name="Rectangle: Rounded Corners 7">
-                <a:extLst>
-                  <a:ext uri="{FF2B5EF4-FFF2-40B4-BE49-F238E27FC236}">
-                    <a16:creationId xmlns:a16="http://schemas.microsoft.com/office/drawing/2014/main" id="{465AB7C1-D387-6B62-188A-2A513A684577}"/>
-                  </a:ext>
-                </a:extLst>
-              </p:cNvPr>
-              <p:cNvSpPr>
-                <a:spLocks noRot="1" noChangeAspect="1" noMove="1" noResize="1" noEditPoints="1" noAdjustHandles="1" noChangeArrowheads="1" noChangeShapeType="1" noTextEdit="1"/>
-              </p:cNvSpPr>
-              <p:nvPr/>
-            </p:nvSpPr>
-            <p:spPr>
-              <a:xfrm>
-                <a:off x="276042" y="2012311"/>
-                <a:ext cx="5167264" cy="3001701"/>
-              </a:xfrm>
-              <a:prstGeom prst="roundRect">
-                <a:avLst>
-                  <a:gd name="adj" fmla="val 9253"/>
-                </a:avLst>
-              </a:prstGeom>
-              <a:blipFill>
-                <a:blip r:embed="rId3"/>
-                <a:stretch>
-                  <a:fillRect/>
-                </a:stretch>
-              </a:blipFill>
-              <a:ln w="28575"/>
-            </p:spPr>
-            <p:txBody>
-              <a:bodyPr/>
-              <a:lstStyle/>
-              <a:p>
-                <a:r>
-                  <a:rPr lang="en-GB">
-                    <a:noFill/>
-                  </a:rPr>
-                  <a:t> </a:t>
-                </a:r>
-              </a:p>
-            </p:txBody>
-          </p:sp>
-        </mc:Fallback>
-      </mc:AlternateContent>
-      <mc:AlternateContent xmlns:mc="http://schemas.openxmlformats.org/markup-compatibility/2006" xmlns:a14="http://schemas.microsoft.com/office/drawing/2010/main">
-        <mc:Choice Requires="a14">
-          <p:sp>
-            <p:nvSpPr>
-              <p:cNvPr id="10" name="Rectangle: Rounded Corners 9">
-                <a:extLst>
-                  <a:ext uri="{FF2B5EF4-FFF2-40B4-BE49-F238E27FC236}">
-                    <a16:creationId xmlns:a16="http://schemas.microsoft.com/office/drawing/2014/main" id="{A7D7C422-034C-E5B2-F78D-A6E997F0A02E}"/>
-                  </a:ext>
-                </a:extLst>
-              </p:cNvPr>
-              <p:cNvSpPr/>
-              <p:nvPr/>
-            </p:nvSpPr>
-            <p:spPr>
-              <a:xfrm>
-                <a:off x="276042" y="5204084"/>
-                <a:ext cx="5167264" cy="1290589"/>
-              </a:xfrm>
-              <a:prstGeom prst="roundRect">
-                <a:avLst>
-                  <a:gd name="adj" fmla="val 9253"/>
-                </a:avLst>
-              </a:prstGeom>
-              <a:noFill/>
-              <a:ln w="28575"/>
-            </p:spPr>
-            <p:style>
-              <a:lnRef idx="2">
-                <a:schemeClr val="accent1">
-                  <a:shade val="15000"/>
-                </a:schemeClr>
-              </a:lnRef>
-              <a:fillRef idx="1">
-                <a:schemeClr val="accent1"/>
-              </a:fillRef>
-              <a:effectRef idx="0">
-                <a:schemeClr val="accent1"/>
-              </a:effectRef>
-              <a:fontRef idx="minor">
-                <a:schemeClr val="lt1"/>
-              </a:fontRef>
-            </p:style>
-            <p:txBody>
-              <a:bodyPr rtlCol="0" anchor="ctr" anchorCtr="1"/>
-              <a:lstStyle/>
-              <a:p>
-                <a:pPr/>
-                <a14:m>
-                  <m:oMathPara xmlns:m="http://schemas.openxmlformats.org/officeDocument/2006/math">
-                    <m:oMathParaPr>
-                      <m:jc m:val="center"/>
-                    </m:oMathParaPr>
-                    <m:oMath xmlns:m="http://schemas.openxmlformats.org/officeDocument/2006/math">
-                      <m:r>
-                        <a:rPr lang="en-GB" b="0" i="1" smtClean="0">
-                          <a:solidFill>
-                            <a:schemeClr val="tx1"/>
-                          </a:solidFill>
-                          <a:latin typeface="Cambria Math" panose="02040503050406030204" pitchFamily="18" charset="0"/>
-                        </a:rPr>
-                        <m:t>𝐼𝑅</m:t>
-                      </m:r>
-                      <m:d>
-                        <m:dPr>
-                          <m:ctrlPr>
-                            <a:rPr lang="en-GB" b="0" i="1" smtClean="0">
-                              <a:solidFill>
-                                <a:schemeClr val="tx1"/>
-                              </a:solidFill>
-                              <a:latin typeface="Cambria Math" panose="02040503050406030204" pitchFamily="18" charset="0"/>
-                            </a:rPr>
-                          </m:ctrlPr>
-                        </m:dPr>
-                        <m:e>
-                          <m:r>
-                            <a:rPr lang="en-GB" b="0" i="1" smtClean="0">
-                              <a:solidFill>
-                                <a:schemeClr val="tx1"/>
-                              </a:solidFill>
-                              <a:latin typeface="Cambria Math" panose="02040503050406030204" pitchFamily="18" charset="0"/>
-                            </a:rPr>
-                            <m:t>𝑇</m:t>
-                          </m:r>
-                          <m:r>
-                            <a:rPr lang="en-GB" b="0" i="1" smtClean="0">
-                              <a:solidFill>
-                                <a:schemeClr val="tx1"/>
-                              </a:solidFill>
-                              <a:latin typeface="Cambria Math" panose="02040503050406030204" pitchFamily="18" charset="0"/>
-                            </a:rPr>
-                            <m:t>, </m:t>
-                          </m:r>
-                          <m:r>
-                            <a:rPr lang="en-GB" b="0" i="1" smtClean="0">
-                              <a:solidFill>
-                                <a:schemeClr val="tx1"/>
-                              </a:solidFill>
-                              <a:latin typeface="Cambria Math" panose="02040503050406030204" pitchFamily="18" charset="0"/>
-                            </a:rPr>
-                            <m:t>𝑡</m:t>
-                          </m:r>
-                        </m:e>
-                      </m:d>
-                      <m:r>
-                        <a:rPr lang="en-GB" b="0" i="1" smtClean="0">
-                          <a:solidFill>
-                            <a:schemeClr val="tx1"/>
-                          </a:solidFill>
-                          <a:latin typeface="Cambria Math" panose="02040503050406030204" pitchFamily="18" charset="0"/>
-                        </a:rPr>
-                        <m:t>=</m:t>
-                      </m:r>
-                      <m:f>
-                        <m:fPr>
-                          <m:ctrlPr>
-                            <a:rPr lang="en-GB" b="0" i="1" smtClean="0">
-                              <a:solidFill>
-                                <a:schemeClr val="tx1"/>
-                              </a:solidFill>
-                              <a:latin typeface="Cambria Math" panose="02040503050406030204" pitchFamily="18" charset="0"/>
-                            </a:rPr>
-                          </m:ctrlPr>
-                        </m:fPr>
-                        <m:num>
-                          <m:r>
-                            <a:rPr lang="en-GB" b="0" i="1" smtClean="0">
-                              <a:solidFill>
-                                <a:schemeClr val="tx1"/>
-                              </a:solidFill>
-                              <a:latin typeface="Cambria Math" panose="02040503050406030204" pitchFamily="18" charset="0"/>
-                            </a:rPr>
-                            <m:t>𝜎</m:t>
-                          </m:r>
-                          <m:sSup>
-                            <m:sSupPr>
-                              <m:ctrlPr>
-                                <a:rPr lang="en-GB" b="0" i="1" smtClean="0">
-                                  <a:solidFill>
-                                    <a:schemeClr val="tx1"/>
-                                  </a:solidFill>
-                                  <a:latin typeface="Cambria Math" panose="02040503050406030204" pitchFamily="18" charset="0"/>
-                                </a:rPr>
-                              </m:ctrlPr>
-                            </m:sSupPr>
-                            <m:e>
-                              <m:r>
-                                <a:rPr lang="en-GB" b="0" i="1" smtClean="0">
-                                  <a:solidFill>
-                                    <a:schemeClr val="tx1"/>
-                                  </a:solidFill>
-                                  <a:latin typeface="Cambria Math" panose="02040503050406030204" pitchFamily="18" charset="0"/>
-                                </a:rPr>
-                                <m:t>𝑇</m:t>
-                              </m:r>
-                            </m:e>
-                            <m:sup>
-                              <m:r>
-                                <a:rPr lang="en-GB" b="0" i="1" smtClean="0">
-                                  <a:solidFill>
-                                    <a:schemeClr val="tx1"/>
-                                  </a:solidFill>
-                                  <a:latin typeface="Cambria Math" panose="02040503050406030204" pitchFamily="18" charset="0"/>
-                                </a:rPr>
-                                <m:t>4</m:t>
-                              </m:r>
-                            </m:sup>
-                          </m:sSup>
-                        </m:num>
-                        <m:den>
-                          <m:d>
-                            <m:dPr>
-                              <m:begChr m:val="["/>
-                              <m:endChr m:val="]"/>
-                              <m:ctrlPr>
-                                <a:rPr lang="en-GB" b="0" i="1" smtClean="0">
-                                  <a:solidFill>
-                                    <a:schemeClr val="tx1"/>
-                                  </a:solidFill>
-                                  <a:latin typeface="Cambria Math" panose="02040503050406030204" pitchFamily="18" charset="0"/>
-                                </a:rPr>
-                              </m:ctrlPr>
-                            </m:dPr>
-                            <m:e>
-                              <m:r>
-                                <a:rPr lang="en-GB" b="0" i="1" smtClean="0">
-                                  <a:solidFill>
-                                    <a:schemeClr val="tx1"/>
-                                  </a:solidFill>
-                                  <a:latin typeface="Cambria Math" panose="02040503050406030204" pitchFamily="18" charset="0"/>
-                                </a:rPr>
-                                <m:t>1+</m:t>
-                              </m:r>
-                              <m:r>
-                                <a:rPr lang="en-GB" b="0" i="1" smtClean="0">
-                                  <a:solidFill>
-                                    <a:schemeClr val="tx1"/>
-                                  </a:solidFill>
-                                  <a:latin typeface="Cambria Math" panose="02040503050406030204" pitchFamily="18" charset="0"/>
-                                </a:rPr>
-                                <m:t>𝛼</m:t>
-                              </m:r>
-                              <m:sSup>
-                                <m:sSupPr>
-                                  <m:ctrlPr>
-                                    <a:rPr lang="en-GB" b="0" i="1" smtClean="0">
-                                      <a:solidFill>
-                                        <a:schemeClr val="tx1"/>
-                                      </a:solidFill>
-                                      <a:latin typeface="Cambria Math" panose="02040503050406030204" pitchFamily="18" charset="0"/>
-                                    </a:rPr>
-                                  </m:ctrlPr>
-                                </m:sSupPr>
-                                <m:e>
-                                  <m:d>
-                                    <m:dPr>
-                                      <m:ctrlPr>
-                                        <a:rPr lang="en-GB" b="0" i="1" smtClean="0">
-                                          <a:solidFill>
-                                            <a:schemeClr val="tx1"/>
-                                          </a:solidFill>
-                                          <a:latin typeface="Cambria Math" panose="02040503050406030204" pitchFamily="18" charset="0"/>
-                                        </a:rPr>
-                                      </m:ctrlPr>
-                                    </m:dPr>
-                                    <m:e>
-                                      <m:f>
-                                        <m:fPr>
-                                          <m:ctrlPr>
-                                            <a:rPr lang="en-GB" b="0" i="1" smtClean="0">
-                                              <a:solidFill>
-                                                <a:schemeClr val="tx1"/>
-                                              </a:solidFill>
-                                              <a:latin typeface="Cambria Math" panose="02040503050406030204" pitchFamily="18" charset="0"/>
-                                            </a:rPr>
-                                          </m:ctrlPr>
-                                        </m:fPr>
-                                        <m:num>
-                                          <m:sSub>
-                                            <m:sSubPr>
-                                              <m:ctrlPr>
-                                                <a:rPr lang="en-GB" b="0" i="1" smtClean="0">
-                                                  <a:solidFill>
-                                                    <a:schemeClr val="tx1"/>
-                                                  </a:solidFill>
-                                                  <a:latin typeface="Cambria Math" panose="02040503050406030204" pitchFamily="18" charset="0"/>
-                                                </a:rPr>
-                                              </m:ctrlPr>
-                                            </m:sSubPr>
-                                            <m:e>
-                                              <m:r>
-                                                <a:rPr lang="en-GB" b="0" i="1" smtClean="0">
-                                                  <a:solidFill>
-                                                    <a:schemeClr val="tx1"/>
-                                                  </a:solidFill>
-                                                  <a:latin typeface="Cambria Math" panose="02040503050406030204" pitchFamily="18" charset="0"/>
-                                                </a:rPr>
-                                                <m:t>𝑝</m:t>
-                                              </m:r>
-                                            </m:e>
-                                            <m:sub>
-                                              <m:r>
-                                                <a:rPr lang="en-GB" b="0" i="1" smtClean="0">
-                                                  <a:solidFill>
-                                                    <a:schemeClr val="tx1"/>
-                                                  </a:solidFill>
-                                                  <a:latin typeface="Cambria Math" panose="02040503050406030204" pitchFamily="18" charset="0"/>
-                                                </a:rPr>
-                                                <m:t>𝑐𝑜</m:t>
-                                              </m:r>
-                                              <m:r>
-                                                <a:rPr lang="en-GB" b="0" i="1" smtClean="0">
-                                                  <a:solidFill>
-                                                    <a:schemeClr val="tx1"/>
-                                                  </a:solidFill>
-                                                  <a:latin typeface="Cambria Math" panose="02040503050406030204" pitchFamily="18" charset="0"/>
-                                                </a:rPr>
-                                                <m:t>2</m:t>
-                                              </m:r>
-                                            </m:sub>
-                                          </m:sSub>
-                                          <m:d>
-                                            <m:dPr>
-                                              <m:ctrlPr>
-                                                <a:rPr lang="en-GB" b="0" i="1" smtClean="0">
-                                                  <a:solidFill>
-                                                    <a:schemeClr val="tx1"/>
-                                                  </a:solidFill>
-                                                  <a:latin typeface="Cambria Math" panose="02040503050406030204" pitchFamily="18" charset="0"/>
-                                                </a:rPr>
-                                              </m:ctrlPr>
-                                            </m:dPr>
-                                            <m:e>
-                                              <m:r>
-                                                <a:rPr lang="en-GB" b="0" i="1" smtClean="0">
-                                                  <a:solidFill>
-                                                    <a:schemeClr val="tx1"/>
-                                                  </a:solidFill>
-                                                  <a:latin typeface="Cambria Math" panose="02040503050406030204" pitchFamily="18" charset="0"/>
-                                                </a:rPr>
-                                                <m:t>𝑡</m:t>
-                                              </m:r>
-                                            </m:e>
-                                          </m:d>
-                                        </m:num>
-                                        <m:den>
-                                          <m:r>
-                                            <a:rPr lang="en-GB" b="0" i="1" smtClean="0">
-                                              <a:solidFill>
-                                                <a:schemeClr val="tx1"/>
-                                              </a:solidFill>
-                                              <a:latin typeface="Cambria Math" panose="02040503050406030204" pitchFamily="18" charset="0"/>
-                                            </a:rPr>
-                                            <m:t>421</m:t>
-                                          </m:r>
-                                        </m:den>
-                                      </m:f>
-                                    </m:e>
-                                  </m:d>
-                                </m:e>
-                                <m:sup>
-                                  <m:r>
-                                    <a:rPr lang="en-GB" b="0" i="1" smtClean="0">
-                                      <a:solidFill>
-                                        <a:schemeClr val="tx1"/>
-                                      </a:solidFill>
-                                      <a:latin typeface="Cambria Math" panose="02040503050406030204" pitchFamily="18" charset="0"/>
-                                    </a:rPr>
-                                    <m:t>𝛽</m:t>
-                                  </m:r>
-                                </m:sup>
-                              </m:sSup>
-                              <m:sSup>
-                                <m:sSupPr>
-                                  <m:ctrlPr>
-                                    <a:rPr lang="en-GB" b="0" i="1" smtClean="0">
-                                      <a:solidFill>
-                                        <a:schemeClr val="tx1"/>
-                                      </a:solidFill>
-                                      <a:latin typeface="Cambria Math" panose="02040503050406030204" pitchFamily="18" charset="0"/>
-                                    </a:rPr>
-                                  </m:ctrlPr>
-                                </m:sSupPr>
-                                <m:e>
-                                  <m:d>
-                                    <m:dPr>
-                                      <m:ctrlPr>
-                                        <a:rPr lang="en-GB" b="0" i="1" smtClean="0">
-                                          <a:solidFill>
-                                            <a:schemeClr val="tx1"/>
-                                          </a:solidFill>
-                                          <a:latin typeface="Cambria Math" panose="02040503050406030204" pitchFamily="18" charset="0"/>
-                                        </a:rPr>
-                                      </m:ctrlPr>
-                                    </m:dPr>
-                                    <m:e>
-                                      <m:f>
-                                        <m:fPr>
-                                          <m:ctrlPr>
-                                            <a:rPr lang="en-GB" b="0" i="1" smtClean="0">
-                                              <a:solidFill>
-                                                <a:schemeClr val="tx1"/>
-                                              </a:solidFill>
-                                              <a:latin typeface="Cambria Math" panose="02040503050406030204" pitchFamily="18" charset="0"/>
-                                            </a:rPr>
-                                          </m:ctrlPr>
-                                        </m:fPr>
-                                        <m:num>
-                                          <m:r>
-                                            <a:rPr lang="en-GB" b="0" i="1" smtClean="0">
-                                              <a:solidFill>
-                                                <a:schemeClr val="tx1"/>
-                                              </a:solidFill>
-                                              <a:latin typeface="Cambria Math" panose="02040503050406030204" pitchFamily="18" charset="0"/>
-                                            </a:rPr>
-                                            <m:t>𝑇</m:t>
-                                          </m:r>
-                                        </m:num>
-                                        <m:den>
-                                          <m:r>
-                                            <a:rPr lang="en-GB" b="0" i="1" smtClean="0">
-                                              <a:solidFill>
-                                                <a:schemeClr val="tx1"/>
-                                              </a:solidFill>
-                                              <a:latin typeface="Cambria Math" panose="02040503050406030204" pitchFamily="18" charset="0"/>
-                                            </a:rPr>
-                                            <m:t>273</m:t>
-                                          </m:r>
-                                        </m:den>
-                                      </m:f>
-                                    </m:e>
-                                  </m:d>
-                                </m:e>
-                                <m:sup>
-                                  <m:r>
-                                    <a:rPr lang="en-GB" b="0" i="1" smtClean="0">
-                                      <a:solidFill>
-                                        <a:schemeClr val="tx1"/>
-                                      </a:solidFill>
-                                      <a:latin typeface="Cambria Math" panose="02040503050406030204" pitchFamily="18" charset="0"/>
-                                    </a:rPr>
-                                    <m:t>3</m:t>
-                                  </m:r>
-                                </m:sup>
-                              </m:sSup>
-                            </m:e>
-                          </m:d>
-                        </m:den>
-                      </m:f>
-                    </m:oMath>
-                  </m:oMathPara>
-                </a14:m>
-                <a:endParaRPr lang="en-GB" dirty="0">
-                  <a:solidFill>
-                    <a:schemeClr val="tx1"/>
-                  </a:solidFill>
-                </a:endParaRPr>
-              </a:p>
-            </p:txBody>
-          </p:sp>
-        </mc:Choice>
-        <mc:Fallback xmlns="">
-          <p:sp>
-            <p:nvSpPr>
-              <p:cNvPr id="10" name="Rectangle: Rounded Corners 9">
-                <a:extLst>
-                  <a:ext uri="{FF2B5EF4-FFF2-40B4-BE49-F238E27FC236}">
-                    <a16:creationId xmlns:a16="http://schemas.microsoft.com/office/drawing/2014/main" id="{A7D7C422-034C-E5B2-F78D-A6E997F0A02E}"/>
-                  </a:ext>
-                </a:extLst>
-              </p:cNvPr>
-              <p:cNvSpPr>
-                <a:spLocks noRot="1" noChangeAspect="1" noMove="1" noResize="1" noEditPoints="1" noAdjustHandles="1" noChangeArrowheads="1" noChangeShapeType="1" noTextEdit="1"/>
-              </p:cNvSpPr>
-              <p:nvPr/>
-            </p:nvSpPr>
-            <p:spPr>
-              <a:xfrm>
-                <a:off x="276042" y="5204084"/>
-                <a:ext cx="5167264" cy="1290589"/>
-              </a:xfrm>
-              <a:prstGeom prst="roundRect">
-                <a:avLst>
-                  <a:gd name="adj" fmla="val 9253"/>
-                </a:avLst>
-              </a:prstGeom>
-              <a:blipFill>
-                <a:blip r:embed="rId4"/>
-                <a:stretch>
-                  <a:fillRect/>
-                </a:stretch>
-              </a:blipFill>
-              <a:ln w="28575"/>
-            </p:spPr>
-            <p:txBody>
-              <a:bodyPr/>
-              <a:lstStyle/>
-              <a:p>
-                <a:r>
-                  <a:rPr lang="en-GB">
-                    <a:noFill/>
-                  </a:rPr>
-                  <a:t> </a:t>
-                </a:r>
-              </a:p>
-            </p:txBody>
-          </p:sp>
-        </mc:Fallback>
-      </mc:AlternateContent>
-      <mc:AlternateContent xmlns:mc="http://schemas.openxmlformats.org/markup-compatibility/2006" xmlns:a14="http://schemas.microsoft.com/office/drawing/2010/main">
-        <mc:Choice Requires="a14">
-          <p:sp>
-            <p:nvSpPr>
-              <p:cNvPr id="11" name="Rectangle: Rounded Corners 10">
-                <a:extLst>
-                  <a:ext uri="{FF2B5EF4-FFF2-40B4-BE49-F238E27FC236}">
-                    <a16:creationId xmlns:a16="http://schemas.microsoft.com/office/drawing/2014/main" id="{15B90F7F-CDF2-864C-7D36-22F5EF7D5E76}"/>
-                  </a:ext>
-                </a:extLst>
-              </p:cNvPr>
-              <p:cNvSpPr/>
-              <p:nvPr/>
-            </p:nvSpPr>
-            <p:spPr>
-              <a:xfrm>
-                <a:off x="6072955" y="831845"/>
-                <a:ext cx="5460562" cy="1904795"/>
-              </a:xfrm>
-              <a:prstGeom prst="roundRect">
-                <a:avLst>
-                  <a:gd name="adj" fmla="val 9253"/>
-                </a:avLst>
-              </a:prstGeom>
-              <a:noFill/>
-              <a:ln w="28575"/>
-            </p:spPr>
-            <p:style>
-              <a:lnRef idx="2">
-                <a:schemeClr val="accent1">
-                  <a:shade val="15000"/>
-                </a:schemeClr>
-              </a:lnRef>
-              <a:fillRef idx="1">
-                <a:schemeClr val="accent1"/>
-              </a:fillRef>
-              <a:effectRef idx="0">
-                <a:schemeClr val="accent1"/>
-              </a:effectRef>
-              <a:fontRef idx="minor">
-                <a:schemeClr val="lt1"/>
-              </a:fontRef>
-            </p:style>
-            <p:txBody>
-              <a:bodyPr rtlCol="0" anchor="t" anchorCtr="0"/>
-              <a:lstStyle/>
-              <a:p>
-                <a:r>
-                  <a:rPr lang="en-GB" dirty="0">
-                    <a:solidFill>
-                      <a:schemeClr val="tx1"/>
-                    </a:solidFill>
-                  </a:rPr>
-                  <a:t>The 1D EBM model was optimised, via gradient descent methods, to best fit to the historic climate temperature record; yielding cooling model parameters of:</a:t>
-                </a:r>
-              </a:p>
-              <a:p>
-                <a:endParaRPr lang="en-GB" dirty="0">
-                  <a:solidFill>
-                    <a:schemeClr val="tx1"/>
-                  </a:solidFill>
-                </a:endParaRPr>
-              </a:p>
-              <a:p>
-                <a:pPr algn="ctr"/>
-                <a14:m>
-                  <m:oMathPara xmlns:m="http://schemas.openxmlformats.org/officeDocument/2006/math">
-                    <m:oMathParaPr>
-                      <m:jc m:val="centerGroup"/>
-                    </m:oMathParaPr>
-                    <m:oMath xmlns:m="http://schemas.openxmlformats.org/officeDocument/2006/math">
-                      <m:r>
-                        <a:rPr lang="en-GB" b="0" i="1" smtClean="0">
-                          <a:solidFill>
-                            <a:schemeClr val="tx1"/>
-                          </a:solidFill>
-                          <a:latin typeface="Cambria Math" panose="02040503050406030204" pitchFamily="18" charset="0"/>
-                        </a:rPr>
-                        <m:t>𝛼</m:t>
-                      </m:r>
-                      <m:r>
-                        <a:rPr lang="en-GB" b="0" i="1" smtClean="0">
-                          <a:solidFill>
-                            <a:schemeClr val="tx1"/>
-                          </a:solidFill>
-                          <a:latin typeface="Cambria Math" panose="02040503050406030204" pitchFamily="18" charset="0"/>
-                        </a:rPr>
-                        <m:t>≡0.68</m:t>
-                      </m:r>
-                    </m:oMath>
-                  </m:oMathPara>
-                </a14:m>
-                <a:endParaRPr lang="en-GB" b="0" dirty="0">
-                  <a:solidFill>
-                    <a:schemeClr val="tx1"/>
-                  </a:solidFill>
-                </a:endParaRPr>
-              </a:p>
-              <a:p>
-                <a:pPr algn="ctr"/>
-                <a14:m>
-                  <m:oMathPara xmlns:m="http://schemas.openxmlformats.org/officeDocument/2006/math">
-                    <m:oMathParaPr>
-                      <m:jc m:val="centerGroup"/>
-                    </m:oMathParaPr>
-                    <m:oMath xmlns:m="http://schemas.openxmlformats.org/officeDocument/2006/math">
-                      <m:r>
-                        <a:rPr lang="en-GB" b="0" i="1" smtClean="0">
-                          <a:solidFill>
-                            <a:schemeClr val="tx1"/>
-                          </a:solidFill>
-                          <a:latin typeface="Cambria Math" panose="02040503050406030204" pitchFamily="18" charset="0"/>
-                        </a:rPr>
-                        <m:t>𝛽</m:t>
-                      </m:r>
-                      <m:r>
-                        <a:rPr lang="en-GB" b="0" i="1" smtClean="0">
-                          <a:solidFill>
-                            <a:schemeClr val="tx1"/>
-                          </a:solidFill>
-                          <a:latin typeface="Cambria Math" panose="02040503050406030204" pitchFamily="18" charset="0"/>
-                        </a:rPr>
-                        <m:t>≡0.05</m:t>
-                      </m:r>
-                    </m:oMath>
-                  </m:oMathPara>
-                </a14:m>
-                <a:endParaRPr lang="en-GB" dirty="0">
-                  <a:solidFill>
-                    <a:schemeClr val="tx1"/>
-                  </a:solidFill>
-                </a:endParaRPr>
-              </a:p>
-            </p:txBody>
-          </p:sp>
-        </mc:Choice>
-        <mc:Fallback xmlns="">
-          <p:sp>
-            <p:nvSpPr>
-              <p:cNvPr id="11" name="Rectangle: Rounded Corners 10">
-                <a:extLst>
-                  <a:ext uri="{FF2B5EF4-FFF2-40B4-BE49-F238E27FC236}">
-                    <a16:creationId xmlns:a16="http://schemas.microsoft.com/office/drawing/2014/main" id="{15B90F7F-CDF2-864C-7D36-22F5EF7D5E76}"/>
-                  </a:ext>
-                </a:extLst>
-              </p:cNvPr>
-              <p:cNvSpPr>
-                <a:spLocks noRot="1" noChangeAspect="1" noMove="1" noResize="1" noEditPoints="1" noAdjustHandles="1" noChangeArrowheads="1" noChangeShapeType="1" noTextEdit="1"/>
-              </p:cNvSpPr>
-              <p:nvPr/>
-            </p:nvSpPr>
-            <p:spPr>
-              <a:xfrm>
-                <a:off x="6072955" y="831845"/>
-                <a:ext cx="5460562" cy="1904795"/>
-              </a:xfrm>
-              <a:prstGeom prst="roundRect">
-                <a:avLst>
-                  <a:gd name="adj" fmla="val 9253"/>
-                </a:avLst>
-              </a:prstGeom>
-              <a:blipFill>
-                <a:blip r:embed="rId5"/>
-                <a:stretch>
-                  <a:fillRect r="-222"/>
-                </a:stretch>
-              </a:blipFill>
-              <a:ln w="28575"/>
-            </p:spPr>
-            <p:txBody>
-              <a:bodyPr/>
-              <a:lstStyle/>
-              <a:p>
-                <a:r>
-                  <a:rPr lang="en-GB">
-                    <a:noFill/>
-                  </a:rPr>
-                  <a:t> </a:t>
-                </a:r>
-              </a:p>
-            </p:txBody>
-          </p:sp>
-        </mc:Fallback>
-      </mc:AlternateContent>
-      <p:pic>
-        <p:nvPicPr>
-          <p:cNvPr id="10242" name="Picture 2" descr="289 &#10;288 &#10;287 &#10;286 &#10;285 &#10;284 &#10;283 &#10;1960 &#10;Optimised Model &#10;Historic Record &#10;19 70 &#10;1980 &#10;1990 &#10;2000 &#10;2010 &#10;2020 ">
-            <a:extLst>
-              <a:ext uri="{FF2B5EF4-FFF2-40B4-BE49-F238E27FC236}">
-                <a16:creationId xmlns:a16="http://schemas.microsoft.com/office/drawing/2014/main" id="{D77534B8-4B53-4E60-864C-C1C4601B6D01}"/>
-              </a:ext>
-            </a:extLst>
-          </p:cNvPr>
-          <p:cNvPicPr>
-            <a:picLocks noChangeAspect="1" noChangeArrowheads="1"/>
-          </p:cNvPicPr>
-          <p:nvPr/>
-        </p:nvPicPr>
-        <p:blipFill rotWithShape="1">
-          <a:blip r:embed="rId6">
-            <a:extLst>
-              <a:ext uri="{28A0092B-C50C-407E-A947-70E740481C1C}">
-                <a14:useLocalDpi xmlns:a14="http://schemas.microsoft.com/office/drawing/2010/main" val="0"/>
-              </a:ext>
-            </a:extLst>
-          </a:blip>
-          <a:srcRect l="7646" t="11280" r="9126" b="6415"/>
-          <a:stretch/>
-        </p:blipFill>
-        <p:spPr bwMode="auto">
-          <a:xfrm>
-            <a:off x="5779658" y="2906952"/>
-            <a:ext cx="5753859" cy="3807284"/>
-          </a:xfrm>
-          <a:prstGeom prst="rect">
-            <a:avLst/>
-          </a:prstGeom>
-          <a:noFill/>
-          <a:extLst>
-            <a:ext uri="{909E8E84-426E-40DD-AFC4-6F175D3DCCD1}">
-              <a14:hiddenFill xmlns:a14="http://schemas.microsoft.com/office/drawing/2010/main">
-                <a:solidFill>
-                  <a:srgbClr val="FFFFFF"/>
-                </a:solidFill>
-              </a14:hiddenFill>
-            </a:ext>
-          </a:extLst>
-        </p:spPr>
-      </p:pic>
-    </p:spTree>
-    <p:extLst>
-      <p:ext uri="{BB962C8B-B14F-4D97-AF65-F5344CB8AC3E}">
-        <p14:creationId xmlns:p14="http://schemas.microsoft.com/office/powerpoint/2010/main" val="1633218006"/>
-      </p:ext>
-    </p:extLst>
-  </p:cSld>
-  <p:clrMapOvr>
-    <a:masterClrMapping/>
-  </p:clrMapOvr>
-</p:sld>
-</file>
-
-<file path=ppt/slides/slide12.xml><?xml version="1.0" encoding="utf-8"?>
-<p:sld xmlns:a="http://schemas.openxmlformats.org/drawingml/2006/main" xmlns:r="http://schemas.openxmlformats.org/officeDocument/2006/relationships" xmlns:p="http://schemas.openxmlformats.org/presentationml/2006/main">
-  <p:cSld>
-    <p:spTree>
-      <p:nvGrpSpPr>
-        <p:cNvPr id="1" name=""/>
-        <p:cNvGrpSpPr/>
-        <p:nvPr/>
-      </p:nvGrpSpPr>
-      <p:grpSpPr>
-        <a:xfrm>
-          <a:off x="0" y="0"/>
-          <a:ext cx="0" cy="0"/>
-          <a:chOff x="0" y="0"/>
-          <a:chExt cx="0" cy="0"/>
-        </a:xfrm>
-      </p:grpSpPr>
-      <p:sp>
-        <p:nvSpPr>
-          <p:cNvPr id="4" name="Rectangle 3">
-            <a:extLst>
-              <a:ext uri="{FF2B5EF4-FFF2-40B4-BE49-F238E27FC236}">
-                <a16:creationId xmlns:a16="http://schemas.microsoft.com/office/drawing/2014/main" id="{1ACD40DC-AFBF-76FF-5E79-F5180794D887}"/>
-              </a:ext>
-            </a:extLst>
-          </p:cNvPr>
-          <p:cNvSpPr/>
-          <p:nvPr/>
-        </p:nvSpPr>
-        <p:spPr>
-          <a:xfrm>
-            <a:off x="0" y="0"/>
-            <a:ext cx="12192000" cy="670045"/>
-          </a:xfrm>
-          <a:prstGeom prst="rect">
-            <a:avLst/>
-          </a:prstGeom>
-          <a:solidFill>
-            <a:srgbClr val="702566"/>
-          </a:solidFill>
-        </p:spPr>
-        <p:style>
-          <a:lnRef idx="2">
-            <a:schemeClr val="accent1">
-              <a:shade val="15000"/>
-            </a:schemeClr>
-          </a:lnRef>
-          <a:fillRef idx="1">
-            <a:schemeClr val="accent1"/>
-          </a:fillRef>
-          <a:effectRef idx="0">
-            <a:schemeClr val="accent1"/>
-          </a:effectRef>
-          <a:fontRef idx="minor">
-            <a:schemeClr val="lt1"/>
-          </a:fontRef>
-        </p:style>
-        <p:txBody>
-          <a:bodyPr rtlCol="0" anchor="ctr"/>
-          <a:lstStyle/>
-          <a:p>
-            <a:r>
-              <a:rPr lang="en-GB" sz="1400" dirty="0"/>
-              <a:t>1D EBM | Antarctica</a:t>
-            </a:r>
-          </a:p>
-        </p:txBody>
-      </p:sp>
-      <p:pic>
-        <p:nvPicPr>
-          <p:cNvPr id="5" name="Picture 4">
-            <a:extLst>
-              <a:ext uri="{FF2B5EF4-FFF2-40B4-BE49-F238E27FC236}">
-                <a16:creationId xmlns:a16="http://schemas.microsoft.com/office/drawing/2014/main" id="{A5539593-521B-AEDF-7050-F0D3D41795CE}"/>
-              </a:ext>
-            </a:extLst>
-          </p:cNvPr>
-          <p:cNvPicPr>
-            <a:picLocks noChangeAspect="1"/>
-          </p:cNvPicPr>
-          <p:nvPr/>
-        </p:nvPicPr>
-        <p:blipFill>
-          <a:blip r:embed="rId2">
-            <a:extLst>
-              <a:ext uri="{28A0092B-C50C-407E-A947-70E740481C1C}">
-                <a14:useLocalDpi xmlns:a14="http://schemas.microsoft.com/office/drawing/2010/main" val="0"/>
-              </a:ext>
-            </a:extLst>
-          </a:blip>
-          <a:stretch>
-            <a:fillRect/>
-          </a:stretch>
-        </p:blipFill>
-        <p:spPr>
-          <a:xfrm>
-            <a:off x="10351586" y="-161803"/>
-            <a:ext cx="1685141" cy="993648"/>
-          </a:xfrm>
-          <a:prstGeom prst="rect">
-            <a:avLst/>
-          </a:prstGeom>
-        </p:spPr>
-      </p:pic>
-      <p:sp>
-        <p:nvSpPr>
-          <p:cNvPr id="2" name="Rectangle: Rounded Corners 1">
-            <a:extLst>
-              <a:ext uri="{FF2B5EF4-FFF2-40B4-BE49-F238E27FC236}">
-                <a16:creationId xmlns:a16="http://schemas.microsoft.com/office/drawing/2014/main" id="{D86390C5-9AC3-8173-DBE2-40C42ECFA98E}"/>
-              </a:ext>
-            </a:extLst>
-          </p:cNvPr>
-          <p:cNvSpPr/>
-          <p:nvPr/>
-        </p:nvSpPr>
-        <p:spPr>
-          <a:xfrm>
-            <a:off x="155273" y="805968"/>
-            <a:ext cx="5819958" cy="993648"/>
-          </a:xfrm>
-          <a:prstGeom prst="roundRect">
-            <a:avLst>
-              <a:gd name="adj" fmla="val 9253"/>
-            </a:avLst>
-          </a:prstGeom>
-          <a:noFill/>
-          <a:ln w="28575"/>
-        </p:spPr>
-        <p:style>
-          <a:lnRef idx="2">
-            <a:schemeClr val="accent1">
-              <a:shade val="15000"/>
-            </a:schemeClr>
-          </a:lnRef>
-          <a:fillRef idx="1">
-            <a:schemeClr val="accent1"/>
-          </a:fillRef>
-          <a:effectRef idx="0">
-            <a:schemeClr val="accent1"/>
-          </a:effectRef>
-          <a:fontRef idx="minor">
-            <a:schemeClr val="lt1"/>
-          </a:fontRef>
-        </p:style>
-        <p:txBody>
-          <a:bodyPr rtlCol="0" anchor="t" anchorCtr="0"/>
-          <a:lstStyle/>
-          <a:p>
-            <a:r>
-              <a:rPr lang="en-GB" dirty="0">
-                <a:solidFill>
-                  <a:schemeClr val="tx1"/>
-                </a:solidFill>
-              </a:rPr>
-              <a:t>Antarctica is a continent that is covered in snow &amp; ice all year round, and has an altitude of 2500m relative to sea level.</a:t>
-            </a:r>
-          </a:p>
-        </p:txBody>
-      </p:sp>
-      <p:pic>
-        <p:nvPicPr>
-          <p:cNvPr id="11268" name="Picture 4">
-            <a:extLst>
-              <a:ext uri="{FF2B5EF4-FFF2-40B4-BE49-F238E27FC236}">
-                <a16:creationId xmlns:a16="http://schemas.microsoft.com/office/drawing/2014/main" id="{917AF300-860B-8AAA-9A12-E524048C9C81}"/>
-              </a:ext>
-            </a:extLst>
-          </p:cNvPr>
-          <p:cNvPicPr>
-            <a:picLocks noChangeAspect="1" noChangeArrowheads="1"/>
-          </p:cNvPicPr>
-          <p:nvPr/>
-        </p:nvPicPr>
-        <p:blipFill rotWithShape="1">
-          <a:blip r:embed="rId3">
-            <a:extLst>
-              <a:ext uri="{28A0092B-C50C-407E-A947-70E740481C1C}">
-                <a14:useLocalDpi xmlns:a14="http://schemas.microsoft.com/office/drawing/2010/main" val="0"/>
-              </a:ext>
-            </a:extLst>
-          </a:blip>
-          <a:srcRect l="9699" t="11423" r="9934" b="3063"/>
-          <a:stretch/>
-        </p:blipFill>
-        <p:spPr bwMode="auto">
-          <a:xfrm>
-            <a:off x="6096000" y="1799616"/>
-            <a:ext cx="5686376" cy="3752399"/>
-          </a:xfrm>
-          <a:prstGeom prst="rect">
-            <a:avLst/>
-          </a:prstGeom>
-          <a:noFill/>
-          <a:extLst>
-            <a:ext uri="{909E8E84-426E-40DD-AFC4-6F175D3DCCD1}">
-              <a14:hiddenFill xmlns:a14="http://schemas.microsoft.com/office/drawing/2010/main">
-                <a:solidFill>
-                  <a:srgbClr val="FFFFFF"/>
-                </a:solidFill>
-              </a14:hiddenFill>
-            </a:ext>
-          </a:extLst>
-        </p:spPr>
-      </p:pic>
-      <p:sp>
-        <p:nvSpPr>
-          <p:cNvPr id="3" name="Rectangle: Rounded Corners 2">
-            <a:extLst>
-              <a:ext uri="{FF2B5EF4-FFF2-40B4-BE49-F238E27FC236}">
-                <a16:creationId xmlns:a16="http://schemas.microsoft.com/office/drawing/2014/main" id="{2AA925EA-E12E-690B-A6A5-BF58BDCD618B}"/>
-              </a:ext>
-            </a:extLst>
-          </p:cNvPr>
-          <p:cNvSpPr/>
-          <p:nvPr/>
-        </p:nvSpPr>
-        <p:spPr>
-          <a:xfrm>
-            <a:off x="155272" y="2159193"/>
-            <a:ext cx="5819958" cy="1322084"/>
-          </a:xfrm>
-          <a:prstGeom prst="roundRect">
-            <a:avLst>
-              <a:gd name="adj" fmla="val 9253"/>
-            </a:avLst>
-          </a:prstGeom>
-          <a:noFill/>
-          <a:ln w="28575"/>
-        </p:spPr>
-        <p:style>
-          <a:lnRef idx="2">
-            <a:schemeClr val="accent1">
-              <a:shade val="15000"/>
-            </a:schemeClr>
-          </a:lnRef>
-          <a:fillRef idx="1">
-            <a:schemeClr val="accent1"/>
-          </a:fillRef>
-          <a:effectRef idx="0">
-            <a:schemeClr val="accent1"/>
-          </a:effectRef>
-          <a:fontRef idx="minor">
-            <a:schemeClr val="lt1"/>
-          </a:fontRef>
-        </p:style>
-        <p:txBody>
-          <a:bodyPr rtlCol="0" anchor="t" anchorCtr="0"/>
-          <a:lstStyle/>
-          <a:p>
-            <a:r>
-              <a:rPr lang="en-GB" dirty="0">
-                <a:solidFill>
-                  <a:schemeClr val="tx1"/>
-                </a:solidFill>
-              </a:rPr>
-              <a:t>We find that the temperature of the continent oscillates within the range (250K, 270K); due to the albedo model, we find that we have a variable amount of snow/ice cover throughout the year, over this region.</a:t>
-            </a:r>
-          </a:p>
-        </p:txBody>
-      </p:sp>
-      <mc:AlternateContent xmlns:mc="http://schemas.openxmlformats.org/markup-compatibility/2006">
-        <mc:Choice xmlns:a14="http://schemas.microsoft.com/office/drawing/2010/main" Requires="a14">
-          <p:sp>
-            <p:nvSpPr>
-              <p:cNvPr id="6" name="Rectangle: Rounded Corners 5">
-                <a:extLst>
-                  <a:ext uri="{FF2B5EF4-FFF2-40B4-BE49-F238E27FC236}">
-                    <a16:creationId xmlns:a16="http://schemas.microsoft.com/office/drawing/2014/main" id="{F33B8129-A778-1AF5-AD77-FC111645D7BD}"/>
-                  </a:ext>
-                </a:extLst>
-              </p:cNvPr>
-              <p:cNvSpPr/>
-              <p:nvPr/>
-            </p:nvSpPr>
-            <p:spPr>
-              <a:xfrm>
-                <a:off x="155272" y="3840854"/>
-                <a:ext cx="5819958" cy="2679450"/>
-              </a:xfrm>
-              <a:prstGeom prst="roundRect">
-                <a:avLst>
-                  <a:gd name="adj" fmla="val 9253"/>
-                </a:avLst>
-              </a:prstGeom>
-              <a:noFill/>
-              <a:ln w="28575"/>
-            </p:spPr>
-            <p:style>
-              <a:lnRef idx="2">
-                <a:schemeClr val="accent1">
-                  <a:shade val="15000"/>
-                </a:schemeClr>
-              </a:lnRef>
-              <a:fillRef idx="1">
-                <a:schemeClr val="accent1"/>
-              </a:fillRef>
-              <a:effectRef idx="0">
-                <a:schemeClr val="accent1"/>
-              </a:effectRef>
-              <a:fontRef idx="minor">
-                <a:schemeClr val="lt1"/>
-              </a:fontRef>
-            </p:style>
-            <p:txBody>
-              <a:bodyPr rtlCol="0" anchor="t" anchorCtr="0"/>
-              <a:lstStyle/>
-              <a:p>
-                <a:r>
-                  <a:rPr lang="en-GB" dirty="0">
-                    <a:solidFill>
-                      <a:schemeClr val="tx1"/>
-                    </a:solidFill>
-                  </a:rPr>
-                  <a:t>We apply a correction to the sea-level temperature for the Antarctic latitude bands, as to obtain the realised temperature at the surface of the land-mass; this correction was achieved via the atmospheric lapse rate:</a:t>
-                </a:r>
-              </a:p>
-              <a:p>
-                <a:endParaRPr lang="en-GB" dirty="0">
-                  <a:solidFill>
-                    <a:schemeClr val="tx1"/>
-                  </a:solidFill>
-                </a:endParaRPr>
-              </a:p>
-              <a:p>
-                <a:pPr/>
-                <a14:m>
-                  <m:oMathPara xmlns:m="http://schemas.openxmlformats.org/officeDocument/2006/math">
-                    <m:oMathParaPr>
-                      <m:jc m:val="centerGroup"/>
-                    </m:oMathParaPr>
-                    <m:oMath xmlns:m="http://schemas.openxmlformats.org/officeDocument/2006/math">
-                      <m:r>
-                        <a:rPr lang="en-GB" b="0" i="1" smtClean="0">
-                          <a:solidFill>
-                            <a:schemeClr val="tx1"/>
-                          </a:solidFill>
-                          <a:latin typeface="Cambria Math" panose="02040503050406030204" pitchFamily="18" charset="0"/>
-                        </a:rPr>
-                        <m:t>𝑇</m:t>
-                      </m:r>
-                      <m:d>
-                        <m:dPr>
-                          <m:ctrlPr>
-                            <a:rPr lang="en-GB" b="0" i="1" smtClean="0">
-                              <a:solidFill>
-                                <a:schemeClr val="tx1"/>
-                              </a:solidFill>
-                              <a:latin typeface="Cambria Math" panose="02040503050406030204" pitchFamily="18" charset="0"/>
-                            </a:rPr>
-                          </m:ctrlPr>
-                        </m:dPr>
-                        <m:e>
-                          <m:sSub>
-                            <m:sSubPr>
-                              <m:ctrlPr>
-                                <a:rPr lang="en-GB" b="0" i="1" smtClean="0">
-                                  <a:solidFill>
-                                    <a:schemeClr val="tx1"/>
-                                  </a:solidFill>
-                                  <a:latin typeface="Cambria Math" panose="02040503050406030204" pitchFamily="18" charset="0"/>
-                                </a:rPr>
-                              </m:ctrlPr>
-                            </m:sSubPr>
-                            <m:e>
-                              <m:r>
-                                <a:rPr lang="en-GB" b="0" i="1" smtClean="0">
-                                  <a:solidFill>
-                                    <a:schemeClr val="tx1"/>
-                                  </a:solidFill>
-                                  <a:latin typeface="Cambria Math" panose="02040503050406030204" pitchFamily="18" charset="0"/>
-                                </a:rPr>
-                                <m:t>𝑦</m:t>
-                              </m:r>
-                            </m:e>
-                            <m:sub>
-                              <m:r>
-                                <a:rPr lang="en-GB" b="0" i="1" smtClean="0">
-                                  <a:solidFill>
-                                    <a:schemeClr val="tx1"/>
-                                  </a:solidFill>
-                                  <a:latin typeface="Cambria Math" panose="02040503050406030204" pitchFamily="18" charset="0"/>
-                                </a:rPr>
-                                <m:t>𝑆𝐿</m:t>
-                              </m:r>
-                            </m:sub>
-                          </m:sSub>
-                          <m:r>
-                            <a:rPr lang="en-GB" b="0" i="1" smtClean="0">
-                              <a:solidFill>
-                                <a:schemeClr val="tx1"/>
-                              </a:solidFill>
-                              <a:latin typeface="Cambria Math" panose="02040503050406030204" pitchFamily="18" charset="0"/>
-                            </a:rPr>
-                            <m:t>+</m:t>
-                          </m:r>
-                          <m:r>
-                            <m:rPr>
-                              <m:sty m:val="p"/>
-                            </m:rPr>
-                            <a:rPr lang="en-GB" b="0" i="0" smtClean="0">
-                              <a:solidFill>
-                                <a:schemeClr val="tx1"/>
-                              </a:solidFill>
-                              <a:latin typeface="Cambria Math" panose="02040503050406030204" pitchFamily="18" charset="0"/>
-                            </a:rPr>
-                            <m:t>Δ</m:t>
-                          </m:r>
-                          <m:r>
-                            <a:rPr lang="en-GB" b="0" i="1" smtClean="0">
-                              <a:solidFill>
-                                <a:schemeClr val="tx1"/>
-                              </a:solidFill>
-                              <a:latin typeface="Cambria Math" panose="02040503050406030204" pitchFamily="18" charset="0"/>
-                            </a:rPr>
-                            <m:t>𝑦</m:t>
-                          </m:r>
-                        </m:e>
-                      </m:d>
-                      <m:r>
-                        <a:rPr lang="en-GB" b="0" i="1" smtClean="0">
-                          <a:solidFill>
-                            <a:schemeClr val="tx1"/>
-                          </a:solidFill>
-                          <a:latin typeface="Cambria Math" panose="02040503050406030204" pitchFamily="18" charset="0"/>
-                        </a:rPr>
-                        <m:t>=</m:t>
-                      </m:r>
-                      <m:r>
-                        <a:rPr lang="en-GB" b="0" i="1" smtClean="0">
-                          <a:solidFill>
-                            <a:schemeClr val="tx1"/>
-                          </a:solidFill>
-                          <a:latin typeface="Cambria Math" panose="02040503050406030204" pitchFamily="18" charset="0"/>
-                        </a:rPr>
-                        <m:t>𝑇</m:t>
-                      </m:r>
-                      <m:d>
-                        <m:dPr>
-                          <m:ctrlPr>
-                            <a:rPr lang="en-GB" b="0" i="1" smtClean="0">
-                              <a:solidFill>
-                                <a:schemeClr val="tx1"/>
-                              </a:solidFill>
-                              <a:latin typeface="Cambria Math" panose="02040503050406030204" pitchFamily="18" charset="0"/>
-                            </a:rPr>
-                          </m:ctrlPr>
-                        </m:dPr>
-                        <m:e>
-                          <m:sSub>
-                            <m:sSubPr>
-                              <m:ctrlPr>
-                                <a:rPr lang="en-GB" b="0" i="1" smtClean="0">
-                                  <a:solidFill>
-                                    <a:schemeClr val="tx1"/>
-                                  </a:solidFill>
-                                  <a:latin typeface="Cambria Math" panose="02040503050406030204" pitchFamily="18" charset="0"/>
-                                </a:rPr>
-                              </m:ctrlPr>
-                            </m:sSubPr>
-                            <m:e>
-                              <m:r>
-                                <a:rPr lang="en-GB" b="0" i="1" smtClean="0">
-                                  <a:solidFill>
-                                    <a:schemeClr val="tx1"/>
-                                  </a:solidFill>
-                                  <a:latin typeface="Cambria Math" panose="02040503050406030204" pitchFamily="18" charset="0"/>
-                                </a:rPr>
-                                <m:t>𝑦</m:t>
-                              </m:r>
-                            </m:e>
-                            <m:sub>
-                              <m:r>
-                                <a:rPr lang="en-GB" b="0" i="1" smtClean="0">
-                                  <a:solidFill>
-                                    <a:schemeClr val="tx1"/>
-                                  </a:solidFill>
-                                  <a:latin typeface="Cambria Math" panose="02040503050406030204" pitchFamily="18" charset="0"/>
-                                </a:rPr>
-                                <m:t>𝑆𝐿</m:t>
-                              </m:r>
-                            </m:sub>
-                          </m:sSub>
-                        </m:e>
-                      </m:d>
-                      <m:r>
-                        <a:rPr lang="en-GB" b="0" i="1" smtClean="0">
-                          <a:solidFill>
-                            <a:schemeClr val="tx1"/>
-                          </a:solidFill>
-                          <a:latin typeface="Cambria Math" panose="02040503050406030204" pitchFamily="18" charset="0"/>
-                        </a:rPr>
-                        <m:t>−</m:t>
-                      </m:r>
-                      <m:d>
-                        <m:dPr>
-                          <m:ctrlPr>
-                            <a:rPr lang="en-GB" b="0" i="1" smtClean="0">
-                              <a:solidFill>
-                                <a:schemeClr val="tx1"/>
-                              </a:solidFill>
-                              <a:latin typeface="Cambria Math" panose="02040503050406030204" pitchFamily="18" charset="0"/>
-                            </a:rPr>
-                          </m:ctrlPr>
-                        </m:dPr>
-                        <m:e>
-                          <m:r>
-                            <a:rPr lang="en-GB" b="0" i="1" smtClean="0">
-                              <a:solidFill>
-                                <a:schemeClr val="tx1"/>
-                              </a:solidFill>
-                              <a:latin typeface="Cambria Math" panose="02040503050406030204" pitchFamily="18" charset="0"/>
-                            </a:rPr>
-                            <m:t>6.5×</m:t>
-                          </m:r>
-                          <m:sSup>
-                            <m:sSupPr>
-                              <m:ctrlPr>
-                                <a:rPr lang="en-GB" b="0" i="1" smtClean="0">
-                                  <a:solidFill>
-                                    <a:schemeClr val="tx1"/>
-                                  </a:solidFill>
-                                  <a:latin typeface="Cambria Math" panose="02040503050406030204" pitchFamily="18" charset="0"/>
-                                </a:rPr>
-                              </m:ctrlPr>
-                            </m:sSupPr>
-                            <m:e>
-                              <m:r>
-                                <a:rPr lang="en-GB" b="0" i="1" smtClean="0">
-                                  <a:solidFill>
-                                    <a:schemeClr val="tx1"/>
-                                  </a:solidFill>
-                                  <a:latin typeface="Cambria Math" panose="02040503050406030204" pitchFamily="18" charset="0"/>
-                                </a:rPr>
-                                <m:t>10</m:t>
-                              </m:r>
-                            </m:e>
-                            <m:sup>
-                              <m:r>
-                                <a:rPr lang="en-GB" b="0" i="1" smtClean="0">
-                                  <a:solidFill>
-                                    <a:schemeClr val="tx1"/>
-                                  </a:solidFill>
-                                  <a:latin typeface="Cambria Math" panose="02040503050406030204" pitchFamily="18" charset="0"/>
-                                </a:rPr>
-                                <m:t>−3</m:t>
-                              </m:r>
-                            </m:sup>
-                          </m:sSup>
-                        </m:e>
-                      </m:d>
-                      <m:r>
-                        <a:rPr lang="en-GB" b="0" i="1" smtClean="0">
-                          <a:solidFill>
-                            <a:schemeClr val="tx1"/>
-                          </a:solidFill>
-                          <a:latin typeface="Cambria Math" panose="02040503050406030204" pitchFamily="18" charset="0"/>
-                        </a:rPr>
-                        <m:t>⋅</m:t>
-                      </m:r>
-                      <m:r>
-                        <m:rPr>
-                          <m:sty m:val="p"/>
-                        </m:rPr>
-                        <a:rPr lang="en-GB" b="0" i="0" smtClean="0">
-                          <a:solidFill>
-                            <a:schemeClr val="tx1"/>
-                          </a:solidFill>
-                          <a:latin typeface="Cambria Math" panose="02040503050406030204" pitchFamily="18" charset="0"/>
-                        </a:rPr>
-                        <m:t>Δ</m:t>
-                      </m:r>
-                      <m:r>
-                        <a:rPr lang="en-GB" b="0" i="1" smtClean="0">
-                          <a:solidFill>
-                            <a:schemeClr val="tx1"/>
-                          </a:solidFill>
-                          <a:latin typeface="Cambria Math" panose="02040503050406030204" pitchFamily="18" charset="0"/>
-                        </a:rPr>
-                        <m:t>𝑦</m:t>
-                      </m:r>
-                    </m:oMath>
-                  </m:oMathPara>
-                </a14:m>
-                <a:endParaRPr lang="en-GB" b="0" dirty="0">
-                  <a:solidFill>
-                    <a:schemeClr val="tx1"/>
-                  </a:solidFill>
-                </a:endParaRPr>
-              </a:p>
-              <a:p>
-                <a:endParaRPr lang="en-GB" dirty="0">
-                  <a:solidFill>
-                    <a:schemeClr val="tx1"/>
-                  </a:solidFill>
-                </a:endParaRPr>
-              </a:p>
-              <a:p>
-                <a:r>
-                  <a:rPr lang="en-GB" dirty="0">
-                    <a:solidFill>
-                      <a:schemeClr val="tx1"/>
-                    </a:solidFill>
-                  </a:rPr>
-                  <a:t>Now giving us an Antarctica that is snow/ice covered all year round.</a:t>
-                </a:r>
-              </a:p>
-            </p:txBody>
-          </p:sp>
-        </mc:Choice>
-        <mc:Fallback>
-          <p:sp>
-            <p:nvSpPr>
-              <p:cNvPr id="6" name="Rectangle: Rounded Corners 5">
-                <a:extLst>
-                  <a:ext uri="{FF2B5EF4-FFF2-40B4-BE49-F238E27FC236}">
-                    <a16:creationId xmlns:a16="http://schemas.microsoft.com/office/drawing/2014/main" id="{F33B8129-A778-1AF5-AD77-FC111645D7BD}"/>
-                  </a:ext>
-                </a:extLst>
-              </p:cNvPr>
-              <p:cNvSpPr>
-                <a:spLocks noRot="1" noChangeAspect="1" noMove="1" noResize="1" noEditPoints="1" noAdjustHandles="1" noChangeArrowheads="1" noChangeShapeType="1" noTextEdit="1"/>
-              </p:cNvSpPr>
-              <p:nvPr/>
-            </p:nvSpPr>
-            <p:spPr>
-              <a:xfrm>
-                <a:off x="155272" y="3840854"/>
-                <a:ext cx="5819958" cy="2679450"/>
-              </a:xfrm>
-              <a:prstGeom prst="roundRect">
-                <a:avLst>
-                  <a:gd name="adj" fmla="val 9253"/>
-                </a:avLst>
-              </a:prstGeom>
-              <a:blipFill>
-                <a:blip r:embed="rId4"/>
-                <a:stretch>
-                  <a:fillRect b="-1124"/>
-                </a:stretch>
-              </a:blipFill>
-              <a:ln w="28575"/>
-            </p:spPr>
-            <p:txBody>
-              <a:bodyPr/>
-              <a:lstStyle/>
-              <a:p>
-                <a:r>
-                  <a:rPr lang="en-GB">
-                    <a:noFill/>
-                  </a:rPr>
-                  <a:t> </a:t>
-                </a:r>
-              </a:p>
-            </p:txBody>
-          </p:sp>
-        </mc:Fallback>
-      </mc:AlternateContent>
-    </p:spTree>
-    <p:extLst>
-      <p:ext uri="{BB962C8B-B14F-4D97-AF65-F5344CB8AC3E}">
-        <p14:creationId xmlns:p14="http://schemas.microsoft.com/office/powerpoint/2010/main" val="886322860"/>
-      </p:ext>
-    </p:extLst>
-  </p:cSld>
-  <p:clrMapOvr>
-    <a:masterClrMapping/>
-  </p:clrMapOvr>
-</p:sld>
-</file>
-
-<file path=ppt/slides/slide13.xml><?xml version="1.0" encoding="utf-8"?>
-<p:sld xmlns:a="http://schemas.openxmlformats.org/drawingml/2006/main" xmlns:r="http://schemas.openxmlformats.org/officeDocument/2006/relationships" xmlns:p="http://schemas.openxmlformats.org/presentationml/2006/main">
-  <p:cSld>
-    <p:spTree>
-      <p:nvGrpSpPr>
-        <p:cNvPr id="1" name=""/>
-        <p:cNvGrpSpPr/>
-        <p:nvPr/>
-      </p:nvGrpSpPr>
-      <p:grpSpPr>
-        <a:xfrm>
-          <a:off x="0" y="0"/>
-          <a:ext cx="0" cy="0"/>
-          <a:chOff x="0" y="0"/>
-          <a:chExt cx="0" cy="0"/>
-        </a:xfrm>
-      </p:grpSpPr>
-      <p:sp>
-        <p:nvSpPr>
-          <p:cNvPr id="4" name="Rectangle 3">
-            <a:extLst>
-              <a:ext uri="{FF2B5EF4-FFF2-40B4-BE49-F238E27FC236}">
-                <a16:creationId xmlns:a16="http://schemas.microsoft.com/office/drawing/2014/main" id="{1ACD40DC-AFBF-76FF-5E79-F5180794D887}"/>
-              </a:ext>
-            </a:extLst>
-          </p:cNvPr>
-          <p:cNvSpPr/>
-          <p:nvPr/>
-        </p:nvSpPr>
-        <p:spPr>
-          <a:xfrm>
-            <a:off x="0" y="0"/>
-            <a:ext cx="12192000" cy="670045"/>
-          </a:xfrm>
-          <a:prstGeom prst="rect">
-            <a:avLst/>
-          </a:prstGeom>
-          <a:solidFill>
-            <a:srgbClr val="702566"/>
-          </a:solidFill>
-        </p:spPr>
-        <p:style>
-          <a:lnRef idx="2">
-            <a:schemeClr val="accent1">
-              <a:shade val="15000"/>
-            </a:schemeClr>
-          </a:lnRef>
-          <a:fillRef idx="1">
-            <a:schemeClr val="accent1"/>
-          </a:fillRef>
-          <a:effectRef idx="0">
-            <a:schemeClr val="accent1"/>
-          </a:effectRef>
-          <a:fontRef idx="minor">
-            <a:schemeClr val="lt1"/>
-          </a:fontRef>
-        </p:style>
-        <p:txBody>
-          <a:bodyPr rtlCol="0" anchor="ctr"/>
-          <a:lstStyle/>
-          <a:p>
-            <a:r>
-              <a:rPr lang="en-GB" sz="1400" dirty="0"/>
               <a:t>1D EBM | Next Steps</a:t>
             </a:r>
           </a:p>
@@ -6253,354 +3793,6 @@
 </file>
 
 <file path=ppt/slides/slide2.xml><?xml version="1.0" encoding="utf-8"?>
-<p:sld xmlns:a="http://schemas.openxmlformats.org/drawingml/2006/main" xmlns:r="http://schemas.openxmlformats.org/officeDocument/2006/relationships" xmlns:p="http://schemas.openxmlformats.org/presentationml/2006/main">
-  <p:cSld>
-    <p:spTree>
-      <p:nvGrpSpPr>
-        <p:cNvPr id="1" name=""/>
-        <p:cNvGrpSpPr/>
-        <p:nvPr/>
-      </p:nvGrpSpPr>
-      <p:grpSpPr>
-        <a:xfrm>
-          <a:off x="0" y="0"/>
-          <a:ext cx="0" cy="0"/>
-          <a:chOff x="0" y="0"/>
-          <a:chExt cx="0" cy="0"/>
-        </a:xfrm>
-      </p:grpSpPr>
-      <p:sp>
-        <p:nvSpPr>
-          <p:cNvPr id="4" name="Rectangle 3">
-            <a:extLst>
-              <a:ext uri="{FF2B5EF4-FFF2-40B4-BE49-F238E27FC236}">
-                <a16:creationId xmlns:a16="http://schemas.microsoft.com/office/drawing/2014/main" id="{1ACD40DC-AFBF-76FF-5E79-F5180794D887}"/>
-              </a:ext>
-            </a:extLst>
-          </p:cNvPr>
-          <p:cNvSpPr/>
-          <p:nvPr/>
-        </p:nvSpPr>
-        <p:spPr>
-          <a:xfrm>
-            <a:off x="0" y="0"/>
-            <a:ext cx="12192000" cy="670045"/>
-          </a:xfrm>
-          <a:prstGeom prst="rect">
-            <a:avLst/>
-          </a:prstGeom>
-          <a:solidFill>
-            <a:srgbClr val="702566"/>
-          </a:solidFill>
-        </p:spPr>
-        <p:style>
-          <a:lnRef idx="2">
-            <a:schemeClr val="accent1">
-              <a:shade val="15000"/>
-            </a:schemeClr>
-          </a:lnRef>
-          <a:fillRef idx="1">
-            <a:schemeClr val="accent1"/>
-          </a:fillRef>
-          <a:effectRef idx="0">
-            <a:schemeClr val="accent1"/>
-          </a:effectRef>
-          <a:fontRef idx="minor">
-            <a:schemeClr val="lt1"/>
-          </a:fontRef>
-        </p:style>
-        <p:txBody>
-          <a:bodyPr rtlCol="0" anchor="ctr"/>
-          <a:lstStyle/>
-          <a:p>
-            <a:r>
-              <a:rPr lang="en-GB" sz="1400" dirty="0"/>
-              <a:t>  Radiation Cycle &amp; Greenhouse Gases</a:t>
-            </a:r>
-          </a:p>
-        </p:txBody>
-      </p:sp>
-      <p:pic>
-        <p:nvPicPr>
-          <p:cNvPr id="5" name="Picture 4">
-            <a:extLst>
-              <a:ext uri="{FF2B5EF4-FFF2-40B4-BE49-F238E27FC236}">
-                <a16:creationId xmlns:a16="http://schemas.microsoft.com/office/drawing/2014/main" id="{A5539593-521B-AEDF-7050-F0D3D41795CE}"/>
-              </a:ext>
-            </a:extLst>
-          </p:cNvPr>
-          <p:cNvPicPr>
-            <a:picLocks noChangeAspect="1"/>
-          </p:cNvPicPr>
-          <p:nvPr/>
-        </p:nvPicPr>
-        <p:blipFill>
-          <a:blip r:embed="rId2">
-            <a:extLst>
-              <a:ext uri="{28A0092B-C50C-407E-A947-70E740481C1C}">
-                <a14:useLocalDpi xmlns:a14="http://schemas.microsoft.com/office/drawing/2010/main" val="0"/>
-              </a:ext>
-            </a:extLst>
-          </a:blip>
-          <a:stretch>
-            <a:fillRect/>
-          </a:stretch>
-        </p:blipFill>
-        <p:spPr>
-          <a:xfrm>
-            <a:off x="10351586" y="-161803"/>
-            <a:ext cx="1685141" cy="993648"/>
-          </a:xfrm>
-          <a:prstGeom prst="rect">
-            <a:avLst/>
-          </a:prstGeom>
-        </p:spPr>
-      </p:pic>
-      <p:pic>
-        <p:nvPicPr>
-          <p:cNvPr id="7" name="Picture 2" descr="Get your Gummy Greenhouse Gases! | NASA Space Place – NASA Science for Kids">
-            <a:extLst>
-              <a:ext uri="{FF2B5EF4-FFF2-40B4-BE49-F238E27FC236}">
-                <a16:creationId xmlns:a16="http://schemas.microsoft.com/office/drawing/2014/main" id="{7DC463DF-D3B0-D366-31C0-0187A9352625}"/>
-              </a:ext>
-            </a:extLst>
-          </p:cNvPr>
-          <p:cNvPicPr>
-            <a:picLocks noChangeAspect="1" noChangeArrowheads="1"/>
-          </p:cNvPicPr>
-          <p:nvPr/>
-        </p:nvPicPr>
-        <p:blipFill>
-          <a:blip r:embed="rId3">
-            <a:extLst>
-              <a:ext uri="{28A0092B-C50C-407E-A947-70E740481C1C}">
-                <a14:useLocalDpi xmlns:a14="http://schemas.microsoft.com/office/drawing/2010/main" val="0"/>
-              </a:ext>
-            </a:extLst>
-          </a:blip>
-          <a:srcRect/>
-          <a:stretch>
-            <a:fillRect/>
-          </a:stretch>
-        </p:blipFill>
-        <p:spPr bwMode="auto">
-          <a:xfrm>
-            <a:off x="6743311" y="746549"/>
-            <a:ext cx="5293416" cy="3623793"/>
-          </a:xfrm>
-          <a:prstGeom prst="rect">
-            <a:avLst/>
-          </a:prstGeom>
-          <a:noFill/>
-          <a:extLst>
-            <a:ext uri="{909E8E84-426E-40DD-AFC4-6F175D3DCCD1}">
-              <a14:hiddenFill xmlns:a14="http://schemas.microsoft.com/office/drawing/2010/main">
-                <a:solidFill>
-                  <a:srgbClr val="FFFFFF"/>
-                </a:solidFill>
-              </a14:hiddenFill>
-            </a:ext>
-          </a:extLst>
-        </p:spPr>
-      </p:pic>
-      <p:sp>
-        <p:nvSpPr>
-          <p:cNvPr id="8" name="Rectangle: Rounded Corners 7">
-            <a:extLst>
-              <a:ext uri="{FF2B5EF4-FFF2-40B4-BE49-F238E27FC236}">
-                <a16:creationId xmlns:a16="http://schemas.microsoft.com/office/drawing/2014/main" id="{4CD38C71-DD51-950E-C6C3-AA774A491E17}"/>
-              </a:ext>
-            </a:extLst>
-          </p:cNvPr>
-          <p:cNvSpPr/>
-          <p:nvPr/>
-        </p:nvSpPr>
-        <p:spPr>
-          <a:xfrm>
-            <a:off x="6662469" y="4594599"/>
-            <a:ext cx="5374257" cy="1940944"/>
-          </a:xfrm>
-          <a:prstGeom prst="roundRect">
-            <a:avLst>
-              <a:gd name="adj" fmla="val 9253"/>
-            </a:avLst>
-          </a:prstGeom>
-          <a:noFill/>
-          <a:ln w="28575"/>
-        </p:spPr>
-        <p:style>
-          <a:lnRef idx="2">
-            <a:schemeClr val="accent1">
-              <a:shade val="15000"/>
-            </a:schemeClr>
-          </a:lnRef>
-          <a:fillRef idx="1">
-            <a:schemeClr val="accent1"/>
-          </a:fillRef>
-          <a:effectRef idx="0">
-            <a:schemeClr val="accent1"/>
-          </a:effectRef>
-          <a:fontRef idx="minor">
-            <a:schemeClr val="lt1"/>
-          </a:fontRef>
-        </p:style>
-        <p:txBody>
-          <a:bodyPr rtlCol="0" anchor="ctr" anchorCtr="1"/>
-          <a:lstStyle/>
-          <a:p>
-            <a:r>
-              <a:rPr lang="en-GB" dirty="0">
-                <a:solidFill>
-                  <a:schemeClr val="tx1"/>
-                </a:solidFill>
-              </a:rPr>
-              <a:t>Greenhouse gases (GHG) are strong absorbers of Infrared radiation; they prevent the energy emitted by Earth’s surface from escaping into outer-space; causing the planet’s temperature to rise. Carbon Dioxide (CO2) is the most prominent GHG in our atmosphere today.</a:t>
-            </a:r>
-          </a:p>
-        </p:txBody>
-      </p:sp>
-      <p:sp>
-        <p:nvSpPr>
-          <p:cNvPr id="3" name="Rectangle: Rounded Corners 2">
-            <a:extLst>
-              <a:ext uri="{FF2B5EF4-FFF2-40B4-BE49-F238E27FC236}">
-                <a16:creationId xmlns:a16="http://schemas.microsoft.com/office/drawing/2014/main" id="{0C6CA364-CFFE-54D8-6380-7C71AC2974EF}"/>
-              </a:ext>
-            </a:extLst>
-          </p:cNvPr>
-          <p:cNvSpPr/>
-          <p:nvPr/>
-        </p:nvSpPr>
-        <p:spPr>
-          <a:xfrm>
-            <a:off x="364367" y="4633684"/>
-            <a:ext cx="5731633" cy="1940944"/>
-          </a:xfrm>
-          <a:prstGeom prst="roundRect">
-            <a:avLst>
-              <a:gd name="adj" fmla="val 9253"/>
-            </a:avLst>
-          </a:prstGeom>
-          <a:noFill/>
-          <a:ln w="28575"/>
-        </p:spPr>
-        <p:style>
-          <a:lnRef idx="2">
-            <a:schemeClr val="accent1">
-              <a:shade val="15000"/>
-            </a:schemeClr>
-          </a:lnRef>
-          <a:fillRef idx="1">
-            <a:schemeClr val="accent1"/>
-          </a:fillRef>
-          <a:effectRef idx="0">
-            <a:schemeClr val="accent1"/>
-          </a:effectRef>
-          <a:fontRef idx="minor">
-            <a:schemeClr val="lt1"/>
-          </a:fontRef>
-        </p:style>
-        <p:txBody>
-          <a:bodyPr rtlCol="0" anchor="ctr" anchorCtr="1"/>
-          <a:lstStyle/>
-          <a:p>
-            <a:r>
-              <a:rPr lang="en-GB" dirty="0">
-                <a:solidFill>
-                  <a:schemeClr val="tx1"/>
-                </a:solidFill>
-              </a:rPr>
-              <a:t>The Sun emits radiation that is absorbed by Earth’s surface; this gets re-emitted (IR regime) towards outer-space/atmosphere.</a:t>
-            </a:r>
-          </a:p>
-          <a:p>
-            <a:endParaRPr lang="en-GB" dirty="0">
-              <a:solidFill>
-                <a:schemeClr val="tx1"/>
-              </a:solidFill>
-            </a:endParaRPr>
-          </a:p>
-          <a:p>
-            <a:r>
-              <a:rPr lang="en-GB" dirty="0">
-                <a:solidFill>
-                  <a:schemeClr val="tx1"/>
-                </a:solidFill>
-              </a:rPr>
-              <a:t>Greenhouse gases absorb a fraction of this re-emitted energy, trapping it inside of the climate system.</a:t>
-            </a:r>
-          </a:p>
-        </p:txBody>
-      </p:sp>
-      <p:pic>
-        <p:nvPicPr>
-          <p:cNvPr id="6" name="Picture 2" descr="8.1 Earth's Heat Budget – Introduction to Oceanography">
-            <a:extLst>
-              <a:ext uri="{FF2B5EF4-FFF2-40B4-BE49-F238E27FC236}">
-                <a16:creationId xmlns:a16="http://schemas.microsoft.com/office/drawing/2014/main" id="{0556A2DC-0E61-0504-5D66-F53811D0B352}"/>
-              </a:ext>
-            </a:extLst>
-          </p:cNvPr>
-          <p:cNvPicPr>
-            <a:picLocks noChangeAspect="1" noChangeArrowheads="1"/>
-          </p:cNvPicPr>
-          <p:nvPr/>
-        </p:nvPicPr>
-        <p:blipFill>
-          <a:blip r:embed="rId4">
-            <a:extLst>
-              <a:ext uri="{28A0092B-C50C-407E-A947-70E740481C1C}">
-                <a14:useLocalDpi xmlns:a14="http://schemas.microsoft.com/office/drawing/2010/main" val="0"/>
-              </a:ext>
-            </a:extLst>
-          </a:blip>
-          <a:srcRect/>
-          <a:stretch>
-            <a:fillRect/>
-          </a:stretch>
-        </p:blipFill>
-        <p:spPr bwMode="auto">
-          <a:xfrm>
-            <a:off x="364367" y="746549"/>
-            <a:ext cx="5731633" cy="3662878"/>
-          </a:xfrm>
-          <a:prstGeom prst="rect">
-            <a:avLst/>
-          </a:prstGeom>
-          <a:noFill/>
-          <a:ln>
-            <a:solidFill>
-              <a:schemeClr val="tx1">
-                <a:lumMod val="75000"/>
-                <a:lumOff val="25000"/>
-              </a:schemeClr>
-            </a:solidFill>
-          </a:ln>
-          <a:extLst>
-            <a:ext uri="{909E8E84-426E-40DD-AFC4-6F175D3DCCD1}">
-              <a14:hiddenFill xmlns:a14="http://schemas.microsoft.com/office/drawing/2010/main">
-                <a:solidFill>
-                  <a:srgbClr val="FFFFFF"/>
-                </a:solidFill>
-              </a14:hiddenFill>
-            </a:ext>
-          </a:extLst>
-        </p:spPr>
-      </p:pic>
-    </p:spTree>
-    <p:extLst>
-      <p:ext uri="{BB962C8B-B14F-4D97-AF65-F5344CB8AC3E}">
-        <p14:creationId xmlns:p14="http://schemas.microsoft.com/office/powerpoint/2010/main" val="2067891649"/>
-      </p:ext>
-    </p:extLst>
-  </p:cSld>
-  <p:clrMapOvr>
-    <a:masterClrMapping/>
-  </p:clrMapOvr>
-</p:sld>
-</file>
-
-<file path=ppt/slides/slide3.xml><?xml version="1.0" encoding="utf-8"?>
 <p:sld xmlns:a="http://schemas.openxmlformats.org/drawingml/2006/main" xmlns:r="http://schemas.openxmlformats.org/officeDocument/2006/relationships" xmlns:p="http://schemas.openxmlformats.org/presentationml/2006/main">
   <p:cSld>
     <p:spTree>
@@ -6945,7 +4137,7 @@
 </p:sld>
 </file>
 
-<file path=ppt/slides/slide4.xml><?xml version="1.0" encoding="utf-8"?>
+<file path=ppt/slides/slide3.xml><?xml version="1.0" encoding="utf-8"?>
 <p:sld xmlns:a="http://schemas.openxmlformats.org/drawingml/2006/main" xmlns:r="http://schemas.openxmlformats.org/officeDocument/2006/relationships" xmlns:p="http://schemas.openxmlformats.org/presentationml/2006/main">
   <p:cSld>
     <p:spTree>
@@ -7008,7 +4200,7 @@
           <a:p>
             <a:r>
               <a:rPr lang="en-GB" sz="1400" dirty="0"/>
-              <a:t>Effects of A Warming Climate</a:t>
+              <a:t>  Radiation Cycle &amp; Greenhouse Gases</a:t>
             </a:r>
           </a:p>
         </p:txBody>
@@ -7049,12 +4241,59 @@
           </a:prstGeom>
         </p:spPr>
       </p:pic>
+      <p:pic>
+        <p:nvPicPr>
+          <p:cNvPr id="7" name="Picture 2" descr="Get your Gummy Greenhouse Gases! | NASA Space Place – NASA Science for Kids">
+            <a:extLst>
+              <a:ext uri="{FF2B5EF4-FFF2-40B4-BE49-F238E27FC236}">
+                <a16:creationId xmlns:a16="http://schemas.microsoft.com/office/drawing/2014/main" id="{7DC463DF-D3B0-D366-31C0-0187A9352625}"/>
+              </a:ext>
+            </a:extLst>
+          </p:cNvPr>
+          <p:cNvPicPr>
+            <a:picLocks noChangeAspect="1" noChangeArrowheads="1"/>
+          </p:cNvPicPr>
+          <p:nvPr/>
+        </p:nvPicPr>
+        <p:blipFill>
+          <a:blip r:embed="rId3">
+            <a:extLst>
+              <a:ext uri="{28A0092B-C50C-407E-A947-70E740481C1C}">
+                <a14:useLocalDpi xmlns:a14="http://schemas.microsoft.com/office/drawing/2010/main" val="0"/>
+              </a:ext>
+            </a:extLst>
+          </a:blip>
+          <a:srcRect/>
+          <a:stretch>
+            <a:fillRect/>
+          </a:stretch>
+        </p:blipFill>
+        <p:spPr bwMode="auto">
+          <a:xfrm>
+            <a:off x="6743311" y="746549"/>
+            <a:ext cx="5293416" cy="3623793"/>
+          </a:xfrm>
+          <a:prstGeom prst="rect">
+            <a:avLst/>
+          </a:prstGeom>
+          <a:noFill/>
+          <a:extLst>
+            <a:ext uri="{909E8E84-426E-40DD-AFC4-6F175D3DCCD1}">
+              <a14:hiddenFill xmlns:a14="http://schemas.microsoft.com/office/drawing/2010/main">
+                <a:solidFill>
+                  <a:srgbClr val="FFFFFF"/>
+                </a:solidFill>
+              </a14:hiddenFill>
+            </a:ext>
+          </a:extLst>
+        </p:spPr>
+      </p:pic>
       <p:sp>
         <p:nvSpPr>
-          <p:cNvPr id="6" name="Rectangle: Rounded Corners 5">
+          <p:cNvPr id="8" name="Rectangle: Rounded Corners 7">
             <a:extLst>
               <a:ext uri="{FF2B5EF4-FFF2-40B4-BE49-F238E27FC236}">
-                <a16:creationId xmlns:a16="http://schemas.microsoft.com/office/drawing/2014/main" id="{EC39FB4A-52C6-087B-8C8A-0EE8E556E217}"/>
+                <a16:creationId xmlns:a16="http://schemas.microsoft.com/office/drawing/2014/main" id="{4CD38C71-DD51-950E-C6C3-AA774A491E17}"/>
               </a:ext>
             </a:extLst>
           </p:cNvPr>
@@ -7063,8 +4302,8 @@
         </p:nvSpPr>
         <p:spPr>
           <a:xfrm>
-            <a:off x="6314121" y="831845"/>
-            <a:ext cx="5242877" cy="2307234"/>
+            <a:off x="6662469" y="4594599"/>
+            <a:ext cx="5374257" cy="1940944"/>
           </a:xfrm>
           <a:prstGeom prst="roundRect">
             <a:avLst>
@@ -7094,76 +4333,23 @@
           <a:bodyPr rtlCol="0" anchor="ctr" anchorCtr="1"/>
           <a:lstStyle/>
           <a:p>
-            <a:pPr>
-              <a:lnSpc>
-                <a:spcPct val="150000"/>
-              </a:lnSpc>
-            </a:pPr>
-            <a:r>
-              <a:rPr lang="en-GB" b="1" dirty="0">
-                <a:solidFill>
-                  <a:schemeClr val="tx1"/>
-                </a:solidFill>
-              </a:rPr>
-              <a:t>A warming climate can lead to:</a:t>
-            </a:r>
-          </a:p>
-          <a:p>
-            <a:pPr marL="285750" indent="-285750">
-              <a:lnSpc>
-                <a:spcPct val="150000"/>
-              </a:lnSpc>
-              <a:buFont typeface="Arial" panose="020B0604020202020204" pitchFamily="34" charset="0"/>
-              <a:buChar char="•"/>
-            </a:pPr>
             <a:r>
               <a:rPr lang="en-GB" dirty="0">
                 <a:solidFill>
                   <a:schemeClr val="tx1"/>
                 </a:solidFill>
               </a:rPr>
-              <a:t>More frequent and severe weather events</a:t>
-            </a:r>
-          </a:p>
-          <a:p>
-            <a:pPr marL="285750" indent="-285750">
-              <a:buFont typeface="Arial" panose="020B0604020202020204" pitchFamily="34" charset="0"/>
-              <a:buChar char="•"/>
-            </a:pPr>
-            <a:r>
-              <a:rPr lang="en-GB" dirty="0">
-                <a:solidFill>
-                  <a:schemeClr val="tx1"/>
-                </a:solidFill>
-              </a:rPr>
-              <a:t>Melting of the ice sheets, causing a rise in sea levels, risking lower altitude land-masses</a:t>
-            </a:r>
-          </a:p>
-          <a:p>
-            <a:pPr marL="285750" indent="-285750">
-              <a:lnSpc>
-                <a:spcPct val="150000"/>
-              </a:lnSpc>
-              <a:buFont typeface="Arial" panose="020B0604020202020204" pitchFamily="34" charset="0"/>
-              <a:buChar char="•"/>
-            </a:pPr>
-            <a:r>
-              <a:rPr lang="en-GB" dirty="0">
-                <a:solidFill>
-                  <a:schemeClr val="tx1"/>
-                </a:solidFill>
-              </a:rPr>
-              <a:t>Extinction of plant &amp; animal species</a:t>
+              <a:t>Greenhouse gases (GHG) are strong absorbers of Infrared radiation; they prevent the energy emitted by Earth’s surface from escaping into outer-space; causing the planet’s temperature to rise. Carbon Dioxide (CO2) is the most prominent GHG in our atmosphere today.</a:t>
             </a:r>
           </a:p>
         </p:txBody>
       </p:sp>
       <p:sp>
         <p:nvSpPr>
-          <p:cNvPr id="9" name="Rectangle: Rounded Corners 8">
+          <p:cNvPr id="3" name="Rectangle: Rounded Corners 2">
             <a:extLst>
               <a:ext uri="{FF2B5EF4-FFF2-40B4-BE49-F238E27FC236}">
-                <a16:creationId xmlns:a16="http://schemas.microsoft.com/office/drawing/2014/main" id="{90A7795C-2075-2347-7A88-B7195DD8845F}"/>
+                <a16:creationId xmlns:a16="http://schemas.microsoft.com/office/drawing/2014/main" id="{0C6CA364-CFFE-54D8-6380-7C71AC2974EF}"/>
               </a:ext>
             </a:extLst>
           </p:cNvPr>
@@ -7172,8 +4358,8 @@
         </p:nvSpPr>
         <p:spPr>
           <a:xfrm>
-            <a:off x="839837" y="3475636"/>
-            <a:ext cx="4594527" cy="3136058"/>
+            <a:off x="364367" y="4633684"/>
+            <a:ext cx="5731633" cy="1940944"/>
           </a:xfrm>
           <a:prstGeom prst="roundRect">
             <a:avLst>
@@ -7204,12 +4390,12 @@
           <a:lstStyle/>
           <a:p>
             <a:r>
-              <a:rPr lang="en-GB" b="1" dirty="0">
+              <a:rPr lang="en-GB" dirty="0">
                 <a:solidFill>
                   <a:schemeClr val="tx1"/>
                 </a:solidFill>
               </a:rPr>
-              <a:t>The demand for energy will only continue to increase:</a:t>
+              <a:t>The Sun emits radiation that is absorbed by Earth’s surface; this gets re-emitted (IR regime) towards outer-space/atmosphere.</a:t>
             </a:r>
           </a:p>
           <a:p>
@@ -7220,88 +4406,23 @@
             </a:endParaRPr>
           </a:p>
           <a:p>
-            <a:pPr marL="285750" indent="-285750">
-              <a:buFont typeface="Arial" panose="020B0604020202020204" pitchFamily="34" charset="0"/>
-              <a:buChar char="•"/>
-            </a:pPr>
             <a:r>
               <a:rPr lang="en-GB" dirty="0">
                 <a:solidFill>
                   <a:schemeClr val="tx1"/>
                 </a:solidFill>
               </a:rPr>
-              <a:t>Developing countries catching up</a:t>
+              <a:t>Greenhouse gases absorb a fraction of this re-emitted energy, trapping it inside of the climate system.</a:t>
             </a:r>
-          </a:p>
-          <a:p>
-            <a:pPr marL="285750" indent="-285750">
-              <a:buFont typeface="Arial" panose="020B0604020202020204" pitchFamily="34" charset="0"/>
-              <a:buChar char="•"/>
-            </a:pPr>
-            <a:r>
-              <a:rPr lang="en-GB" dirty="0">
-                <a:solidFill>
-                  <a:schemeClr val="tx1"/>
-                </a:solidFill>
-              </a:rPr>
-              <a:t>Current technologies (internet infrastructure, phones/computes)</a:t>
-            </a:r>
-          </a:p>
-          <a:p>
-            <a:pPr marL="285750" indent="-285750">
-              <a:buFont typeface="Arial" panose="020B0604020202020204" pitchFamily="34" charset="0"/>
-              <a:buChar char="•"/>
-            </a:pPr>
-            <a:r>
-              <a:rPr lang="en-GB" dirty="0">
-                <a:solidFill>
-                  <a:schemeClr val="tx1"/>
-                </a:solidFill>
-              </a:rPr>
-              <a:t>Cutting-edge technology (neural networks, electric vehicles)</a:t>
-            </a:r>
-          </a:p>
-          <a:p>
-            <a:pPr marL="285750" indent="-285750">
-              <a:buFont typeface="Arial" panose="020B0604020202020204" pitchFamily="34" charset="0"/>
-              <a:buChar char="•"/>
-            </a:pPr>
-            <a:endParaRPr lang="en-GB" dirty="0">
-              <a:solidFill>
-                <a:schemeClr val="tx1"/>
-              </a:solidFill>
-            </a:endParaRPr>
-          </a:p>
-          <a:p>
-            <a:pPr marL="285750" indent="-285750">
-              <a:buFont typeface="Arial" panose="020B0604020202020204" pitchFamily="34" charset="0"/>
-              <a:buChar char="•"/>
-            </a:pPr>
-            <a:endParaRPr lang="en-GB" dirty="0">
-              <a:solidFill>
-                <a:schemeClr val="tx1"/>
-              </a:solidFill>
-            </a:endParaRPr>
-          </a:p>
-          <a:p>
-            <a:pPr marL="285750" indent="-285750">
-              <a:buFont typeface="Arial" panose="020B0604020202020204" pitchFamily="34" charset="0"/>
-              <a:buChar char="•"/>
-            </a:pPr>
-            <a:endParaRPr lang="en-GB" dirty="0">
-              <a:solidFill>
-                <a:schemeClr val="tx1"/>
-              </a:solidFill>
-            </a:endParaRPr>
           </a:p>
         </p:txBody>
       </p:sp>
       <p:pic>
         <p:nvPicPr>
-          <p:cNvPr id="3074" name="Picture 2" descr="Environmental Outbreak Started : Extreme Weather Events- Fewer but..  Stronger !!!">
+          <p:cNvPr id="6" name="Picture 2" descr="8.1 Earth's Heat Budget – Introduction to Oceanography">
             <a:extLst>
               <a:ext uri="{FF2B5EF4-FFF2-40B4-BE49-F238E27FC236}">
-                <a16:creationId xmlns:a16="http://schemas.microsoft.com/office/drawing/2014/main" id="{A7149003-02B9-7F07-9D2E-8010D4BDE48C}"/>
+                <a16:creationId xmlns:a16="http://schemas.microsoft.com/office/drawing/2014/main" id="{0556A2DC-0E61-0504-5D66-F53811D0B352}"/>
               </a:ext>
             </a:extLst>
           </p:cNvPr>
@@ -7311,7 +4432,7 @@
           <p:nvPr/>
         </p:nvPicPr>
         <p:blipFill>
-          <a:blip r:embed="rId3">
+          <a:blip r:embed="rId4">
             <a:extLst>
               <a:ext uri="{28A0092B-C50C-407E-A947-70E740481C1C}">
                 <a14:useLocalDpi xmlns:a14="http://schemas.microsoft.com/office/drawing/2010/main" val="0"/>
@@ -7325,107 +4446,21 @@
         </p:blipFill>
         <p:spPr bwMode="auto">
           <a:xfrm>
-            <a:off x="1021287" y="1005156"/>
-            <a:ext cx="3652113" cy="2145434"/>
+            <a:off x="364367" y="746549"/>
+            <a:ext cx="5731633" cy="3662878"/>
           </a:xfrm>
           <a:prstGeom prst="rect">
             <a:avLst/>
           </a:prstGeom>
           <a:noFill/>
-          <a:extLst>
-            <a:ext uri="{909E8E84-426E-40DD-AFC4-6F175D3DCCD1}">
-              <a14:hiddenFill xmlns:a14="http://schemas.microsoft.com/office/drawing/2010/main">
-                <a:solidFill>
-                  <a:srgbClr val="FFFFFF"/>
-                </a:solidFill>
-              </a14:hiddenFill>
-            </a:ext>
-          </a:extLst>
-        </p:spPr>
-      </p:pic>
-      <p:pic>
-        <p:nvPicPr>
-          <p:cNvPr id="3076" name="Picture 4" descr="Cutting Edge Technology Defined With The Pros &amp; Cons | Blog - BairesDev">
-            <a:extLst>
-              <a:ext uri="{FF2B5EF4-FFF2-40B4-BE49-F238E27FC236}">
-                <a16:creationId xmlns:a16="http://schemas.microsoft.com/office/drawing/2014/main" id="{22D16B94-61C5-B27C-4A29-20096FBDE7D6}"/>
-              </a:ext>
-            </a:extLst>
-          </p:cNvPr>
-          <p:cNvPicPr>
-            <a:picLocks noChangeAspect="1" noChangeArrowheads="1"/>
-          </p:cNvPicPr>
-          <p:nvPr/>
-        </p:nvPicPr>
-        <p:blipFill>
-          <a:blip r:embed="rId4">
-            <a:extLst>
-              <a:ext uri="{28A0092B-C50C-407E-A947-70E740481C1C}">
-                <a14:useLocalDpi xmlns:a14="http://schemas.microsoft.com/office/drawing/2010/main" val="0"/>
-              </a:ext>
-            </a:extLst>
-          </a:blip>
-          <a:srcRect/>
-          <a:stretch>
-            <a:fillRect/>
-          </a:stretch>
-        </p:blipFill>
-        <p:spPr bwMode="auto">
-          <a:xfrm>
-            <a:off x="8935559" y="3475636"/>
-            <a:ext cx="3081757" cy="1981054"/>
-          </a:xfrm>
-          <a:prstGeom prst="rect">
-            <a:avLst/>
-          </a:prstGeom>
-          <a:noFill/>
-          <a:extLst>
-            <a:ext uri="{909E8E84-426E-40DD-AFC4-6F175D3DCCD1}">
-              <a14:hiddenFill xmlns:a14="http://schemas.microsoft.com/office/drawing/2010/main">
-                <a:solidFill>
-                  <a:srgbClr val="FFFFFF"/>
-                </a:solidFill>
-              </a14:hiddenFill>
-            </a:ext>
-          </a:extLst>
-        </p:spPr>
-      </p:pic>
-      <p:pic>
-        <p:nvPicPr>
-          <p:cNvPr id="3080" name="Picture 8" descr="Artificial Intelligence in Forecasting Construction Costs: A Study of Developing  Countries">
-            <a:extLst>
-              <a:ext uri="{FF2B5EF4-FFF2-40B4-BE49-F238E27FC236}">
-                <a16:creationId xmlns:a16="http://schemas.microsoft.com/office/drawing/2014/main" id="{6D6075F2-ADE2-0790-0A78-48019FDD616E}"/>
-              </a:ext>
-            </a:extLst>
-          </p:cNvPr>
-          <p:cNvPicPr>
-            <a:picLocks noChangeAspect="1" noChangeArrowheads="1"/>
-          </p:cNvPicPr>
-          <p:nvPr/>
-        </p:nvPicPr>
-        <p:blipFill>
-          <a:blip r:embed="rId5">
-            <a:extLst>
-              <a:ext uri="{28A0092B-C50C-407E-A947-70E740481C1C}">
-                <a14:useLocalDpi xmlns:a14="http://schemas.microsoft.com/office/drawing/2010/main" val="0"/>
-              </a:ext>
-            </a:extLst>
-          </a:blip>
-          <a:srcRect/>
-          <a:stretch>
-            <a:fillRect/>
-          </a:stretch>
-        </p:blipFill>
-        <p:spPr bwMode="auto">
-          <a:xfrm>
-            <a:off x="5557881" y="4152900"/>
-            <a:ext cx="3273572" cy="2057400"/>
-          </a:xfrm>
-          <a:prstGeom prst="rect">
-            <a:avLst/>
-          </a:prstGeom>
-          <a:noFill/>
+          <a:ln>
+            <a:solidFill>
+              <a:schemeClr val="tx1">
+                <a:lumMod val="75000"/>
+                <a:lumOff val="25000"/>
+              </a:schemeClr>
+            </a:solidFill>
+          </a:ln>
           <a:extLst>
             <a:ext uri="{909E8E84-426E-40DD-AFC4-6F175D3DCCD1}">
               <a14:hiddenFill xmlns:a14="http://schemas.microsoft.com/office/drawing/2010/main">
@@ -7440,7 +4475,7 @@
     </p:spTree>
     <p:extLst>
       <p:ext uri="{BB962C8B-B14F-4D97-AF65-F5344CB8AC3E}">
-        <p14:creationId xmlns:p14="http://schemas.microsoft.com/office/powerpoint/2010/main" val="4096676249"/>
+        <p14:creationId xmlns:p14="http://schemas.microsoft.com/office/powerpoint/2010/main" val="2067891649"/>
       </p:ext>
     </p:extLst>
   </p:cSld>
@@ -7450,414 +4485,7 @@
 </p:sld>
 </file>
 
-<file path=ppt/slides/slide5.xml><?xml version="1.0" encoding="utf-8"?>
-<p:sld xmlns:a="http://schemas.openxmlformats.org/drawingml/2006/main" xmlns:r="http://schemas.openxmlformats.org/officeDocument/2006/relationships" xmlns:p="http://schemas.openxmlformats.org/presentationml/2006/main">
-  <p:cSld>
-    <p:spTree>
-      <p:nvGrpSpPr>
-        <p:cNvPr id="1" name=""/>
-        <p:cNvGrpSpPr/>
-        <p:nvPr/>
-      </p:nvGrpSpPr>
-      <p:grpSpPr>
-        <a:xfrm>
-          <a:off x="0" y="0"/>
-          <a:ext cx="0" cy="0"/>
-          <a:chOff x="0" y="0"/>
-          <a:chExt cx="0" cy="0"/>
-        </a:xfrm>
-      </p:grpSpPr>
-      <p:sp>
-        <p:nvSpPr>
-          <p:cNvPr id="4" name="Rectangle 3">
-            <a:extLst>
-              <a:ext uri="{FF2B5EF4-FFF2-40B4-BE49-F238E27FC236}">
-                <a16:creationId xmlns:a16="http://schemas.microsoft.com/office/drawing/2014/main" id="{1ACD40DC-AFBF-76FF-5E79-F5180794D887}"/>
-              </a:ext>
-            </a:extLst>
-          </p:cNvPr>
-          <p:cNvSpPr/>
-          <p:nvPr/>
-        </p:nvSpPr>
-        <p:spPr>
-          <a:xfrm>
-            <a:off x="0" y="0"/>
-            <a:ext cx="12192000" cy="670045"/>
-          </a:xfrm>
-          <a:prstGeom prst="rect">
-            <a:avLst/>
-          </a:prstGeom>
-          <a:solidFill>
-            <a:srgbClr val="702566"/>
-          </a:solidFill>
-        </p:spPr>
-        <p:style>
-          <a:lnRef idx="2">
-            <a:schemeClr val="accent1">
-              <a:shade val="15000"/>
-            </a:schemeClr>
-          </a:lnRef>
-          <a:fillRef idx="1">
-            <a:schemeClr val="accent1"/>
-          </a:fillRef>
-          <a:effectRef idx="0">
-            <a:schemeClr val="accent1"/>
-          </a:effectRef>
-          <a:fontRef idx="minor">
-            <a:schemeClr val="lt1"/>
-          </a:fontRef>
-        </p:style>
-        <p:txBody>
-          <a:bodyPr rtlCol="0" anchor="ctr"/>
-          <a:lstStyle/>
-          <a:p>
-            <a:r>
-              <a:rPr lang="en-GB" sz="1400" dirty="0"/>
-              <a:t>Contemporary Climate Research | Johns et al, Climate Dynamics, 2003</a:t>
-            </a:r>
-          </a:p>
-        </p:txBody>
-      </p:sp>
-      <p:pic>
-        <p:nvPicPr>
-          <p:cNvPr id="5" name="Picture 4">
-            <a:extLst>
-              <a:ext uri="{FF2B5EF4-FFF2-40B4-BE49-F238E27FC236}">
-                <a16:creationId xmlns:a16="http://schemas.microsoft.com/office/drawing/2014/main" id="{A5539593-521B-AEDF-7050-F0D3D41795CE}"/>
-              </a:ext>
-            </a:extLst>
-          </p:cNvPr>
-          <p:cNvPicPr>
-            <a:picLocks noChangeAspect="1"/>
-          </p:cNvPicPr>
-          <p:nvPr/>
-        </p:nvPicPr>
-        <p:blipFill>
-          <a:blip r:embed="rId2">
-            <a:extLst>
-              <a:ext uri="{28A0092B-C50C-407E-A947-70E740481C1C}">
-                <a14:useLocalDpi xmlns:a14="http://schemas.microsoft.com/office/drawing/2010/main" val="0"/>
-              </a:ext>
-            </a:extLst>
-          </a:blip>
-          <a:stretch>
-            <a:fillRect/>
-          </a:stretch>
-        </p:blipFill>
-        <p:spPr>
-          <a:xfrm>
-            <a:off x="10351586" y="-161803"/>
-            <a:ext cx="1685141" cy="993648"/>
-          </a:xfrm>
-          <a:prstGeom prst="rect">
-            <a:avLst/>
-          </a:prstGeom>
-        </p:spPr>
-      </p:pic>
-      <p:sp>
-        <p:nvSpPr>
-          <p:cNvPr id="2" name="Rectangle: Rounded Corners 1">
-            <a:extLst>
-              <a:ext uri="{FF2B5EF4-FFF2-40B4-BE49-F238E27FC236}">
-                <a16:creationId xmlns:a16="http://schemas.microsoft.com/office/drawing/2014/main" id="{3D3A918C-D4E9-1AB3-92EB-2DAB744AEBB6}"/>
-              </a:ext>
-            </a:extLst>
-          </p:cNvPr>
-          <p:cNvSpPr/>
-          <p:nvPr/>
-        </p:nvSpPr>
-        <p:spPr>
-          <a:xfrm>
-            <a:off x="814437" y="1917700"/>
-            <a:ext cx="4722763" cy="4476756"/>
-          </a:xfrm>
-          <a:prstGeom prst="roundRect">
-            <a:avLst>
-              <a:gd name="adj" fmla="val 9253"/>
-            </a:avLst>
-          </a:prstGeom>
-          <a:noFill/>
-          <a:ln w="28575">
-            <a:solidFill>
-              <a:srgbClr val="FF0000"/>
-            </a:solidFill>
-          </a:ln>
-        </p:spPr>
-        <p:style>
-          <a:lnRef idx="2">
-            <a:schemeClr val="accent1">
-              <a:shade val="15000"/>
-            </a:schemeClr>
-          </a:lnRef>
-          <a:fillRef idx="1">
-            <a:schemeClr val="accent1"/>
-          </a:fillRef>
-          <a:effectRef idx="0">
-            <a:schemeClr val="accent1"/>
-          </a:effectRef>
-          <a:fontRef idx="minor">
-            <a:schemeClr val="lt1"/>
-          </a:fontRef>
-        </p:style>
-        <p:txBody>
-          <a:bodyPr rtlCol="0" anchor="ctr" anchorCtr="1"/>
-          <a:lstStyle/>
-          <a:p>
-            <a:r>
-              <a:rPr lang="en-GB" dirty="0">
-                <a:solidFill>
-                  <a:schemeClr val="tx1"/>
-                </a:solidFill>
-              </a:rPr>
-              <a:t>If we continue to heavily rely on fossil fuels to meet our energy, we could experience:</a:t>
-            </a:r>
-          </a:p>
-          <a:p>
-            <a:endParaRPr lang="en-GB" dirty="0">
-              <a:solidFill>
-                <a:schemeClr val="tx1"/>
-              </a:solidFill>
-            </a:endParaRPr>
-          </a:p>
-          <a:p>
-            <a:pPr marL="285750" indent="-285750">
-              <a:buFont typeface="Arial" panose="020B0604020202020204" pitchFamily="34" charset="0"/>
-              <a:buChar char="•"/>
-            </a:pPr>
-            <a:r>
-              <a:rPr lang="en-GB" dirty="0">
-                <a:solidFill>
-                  <a:schemeClr val="tx1"/>
-                </a:solidFill>
-              </a:rPr>
-              <a:t>5.3x increase in global average land temperature, and 4.25x increase in average sea temperature, relative to 1880-1920 average, by the year 2100.</a:t>
-            </a:r>
-          </a:p>
-          <a:p>
-            <a:endParaRPr lang="en-GB" dirty="0">
-              <a:solidFill>
-                <a:schemeClr val="tx1"/>
-              </a:solidFill>
-            </a:endParaRPr>
-          </a:p>
-          <a:p>
-            <a:pPr marL="285750" indent="-285750">
-              <a:buFont typeface="Arial" panose="020B0604020202020204" pitchFamily="34" charset="0"/>
-              <a:buChar char="•"/>
-            </a:pPr>
-            <a:r>
-              <a:rPr lang="en-GB" dirty="0">
-                <a:solidFill>
-                  <a:schemeClr val="tx1"/>
-                </a:solidFill>
-              </a:rPr>
-              <a:t>34cm sea level rise, compared to 1900 levels.</a:t>
-            </a:r>
-          </a:p>
-        </p:txBody>
-      </p:sp>
-      <p:sp>
-        <p:nvSpPr>
-          <p:cNvPr id="3" name="Rectangle: Rounded Corners 2">
-            <a:extLst>
-              <a:ext uri="{FF2B5EF4-FFF2-40B4-BE49-F238E27FC236}">
-                <a16:creationId xmlns:a16="http://schemas.microsoft.com/office/drawing/2014/main" id="{5440A3E0-FBE5-7E59-9E91-7B498457AB23}"/>
-              </a:ext>
-            </a:extLst>
-          </p:cNvPr>
-          <p:cNvSpPr/>
-          <p:nvPr/>
-        </p:nvSpPr>
-        <p:spPr>
-          <a:xfrm>
-            <a:off x="6471393" y="1917700"/>
-            <a:ext cx="4722763" cy="4476756"/>
-          </a:xfrm>
-          <a:prstGeom prst="roundRect">
-            <a:avLst>
-              <a:gd name="adj" fmla="val 9253"/>
-            </a:avLst>
-          </a:prstGeom>
-          <a:noFill/>
-          <a:ln w="28575">
-            <a:solidFill>
-              <a:schemeClr val="accent6"/>
-            </a:solidFill>
-          </a:ln>
-        </p:spPr>
-        <p:style>
-          <a:lnRef idx="2">
-            <a:schemeClr val="accent1">
-              <a:shade val="15000"/>
-            </a:schemeClr>
-          </a:lnRef>
-          <a:fillRef idx="1">
-            <a:schemeClr val="accent1"/>
-          </a:fillRef>
-          <a:effectRef idx="0">
-            <a:schemeClr val="accent1"/>
-          </a:effectRef>
-          <a:fontRef idx="minor">
-            <a:schemeClr val="lt1"/>
-          </a:fontRef>
-        </p:style>
-        <p:txBody>
-          <a:bodyPr rtlCol="0" anchor="ctr" anchorCtr="1"/>
-          <a:lstStyle/>
-          <a:p>
-            <a:r>
-              <a:rPr lang="en-GB" dirty="0">
-                <a:solidFill>
-                  <a:schemeClr val="tx1"/>
-                </a:solidFill>
-              </a:rPr>
-              <a:t>A focus on energy efficient technology, and a reduction in fossil fuel usage (B1 SRES scenario) could experience a more </a:t>
-            </a:r>
-            <a:r>
-              <a:rPr lang="en-GB" b="1" dirty="0">
-                <a:solidFill>
-                  <a:schemeClr val="tx1"/>
-                </a:solidFill>
-              </a:rPr>
-              <a:t>optimistic</a:t>
-            </a:r>
-            <a:r>
-              <a:rPr lang="en-GB" dirty="0">
-                <a:solidFill>
-                  <a:schemeClr val="tx1"/>
-                </a:solidFill>
-              </a:rPr>
-              <a:t>:</a:t>
-            </a:r>
-          </a:p>
-          <a:p>
-            <a:endParaRPr lang="en-GB" dirty="0">
-              <a:solidFill>
-                <a:schemeClr val="tx1"/>
-              </a:solidFill>
-            </a:endParaRPr>
-          </a:p>
-          <a:p>
-            <a:pPr marL="285750" indent="-285750">
-              <a:buFont typeface="Arial" panose="020B0604020202020204" pitchFamily="34" charset="0"/>
-              <a:buChar char="•"/>
-            </a:pPr>
-            <a:r>
-              <a:rPr lang="en-GB" dirty="0">
-                <a:solidFill>
-                  <a:schemeClr val="tx1"/>
-                </a:solidFill>
-              </a:rPr>
-              <a:t>2.5x increase in global average land temperature, and 2.1x increase in average sea temperature, relative to 1880-1920 average, by the year 2100.</a:t>
-            </a:r>
-          </a:p>
-          <a:p>
-            <a:endParaRPr lang="en-GB" dirty="0">
-              <a:solidFill>
-                <a:schemeClr val="tx1"/>
-              </a:solidFill>
-            </a:endParaRPr>
-          </a:p>
-          <a:p>
-            <a:pPr marL="285750" indent="-285750">
-              <a:buFont typeface="Arial" panose="020B0604020202020204" pitchFamily="34" charset="0"/>
-              <a:buChar char="•"/>
-            </a:pPr>
-            <a:r>
-              <a:rPr lang="en-GB" dirty="0">
-                <a:solidFill>
-                  <a:schemeClr val="tx1"/>
-                </a:solidFill>
-              </a:rPr>
-              <a:t>21cm sea level rise, compared to 1900 levels.</a:t>
-            </a:r>
-          </a:p>
-        </p:txBody>
-      </p:sp>
-      <p:sp>
-        <p:nvSpPr>
-          <p:cNvPr id="7" name="TextBox 6">
-            <a:extLst>
-              <a:ext uri="{FF2B5EF4-FFF2-40B4-BE49-F238E27FC236}">
-                <a16:creationId xmlns:a16="http://schemas.microsoft.com/office/drawing/2014/main" id="{65B6F195-5370-3CC6-0EED-2E07ECC0D686}"/>
-              </a:ext>
-            </a:extLst>
-          </p:cNvPr>
-          <p:cNvSpPr txBox="1"/>
-          <p:nvPr/>
-        </p:nvSpPr>
-        <p:spPr>
-          <a:xfrm>
-            <a:off x="2006600" y="1141968"/>
-            <a:ext cx="2387600" cy="369332"/>
-          </a:xfrm>
-          <a:prstGeom prst="rect">
-            <a:avLst/>
-          </a:prstGeom>
-          <a:noFill/>
-        </p:spPr>
-        <p:txBody>
-          <a:bodyPr wrap="square" rtlCol="0">
-            <a:spAutoFit/>
-          </a:bodyPr>
-          <a:lstStyle/>
-          <a:p>
-            <a:r>
-              <a:rPr lang="en-GB" dirty="0"/>
-              <a:t>A1FI SRES Scenario</a:t>
-            </a:r>
-          </a:p>
-        </p:txBody>
-      </p:sp>
-      <p:sp>
-        <p:nvSpPr>
-          <p:cNvPr id="8" name="TextBox 7">
-            <a:extLst>
-              <a:ext uri="{FF2B5EF4-FFF2-40B4-BE49-F238E27FC236}">
-                <a16:creationId xmlns:a16="http://schemas.microsoft.com/office/drawing/2014/main" id="{22B6DDD1-9D92-AC17-2BE1-C57A0C3B5E82}"/>
-              </a:ext>
-            </a:extLst>
-          </p:cNvPr>
-          <p:cNvSpPr txBox="1"/>
-          <p:nvPr/>
-        </p:nvSpPr>
-        <p:spPr>
-          <a:xfrm>
-            <a:off x="7963986" y="1190106"/>
-            <a:ext cx="2387600" cy="369332"/>
-          </a:xfrm>
-          <a:prstGeom prst="rect">
-            <a:avLst/>
-          </a:prstGeom>
-          <a:noFill/>
-        </p:spPr>
-        <p:txBody>
-          <a:bodyPr wrap="square" rtlCol="0">
-            <a:spAutoFit/>
-          </a:bodyPr>
-          <a:lstStyle/>
-          <a:p>
-            <a:r>
-              <a:rPr lang="en-GB" dirty="0"/>
-              <a:t>B1 SRES Scenario</a:t>
-            </a:r>
-          </a:p>
-        </p:txBody>
-      </p:sp>
-    </p:spTree>
-    <p:extLst>
-      <p:ext uri="{BB962C8B-B14F-4D97-AF65-F5344CB8AC3E}">
-        <p14:creationId xmlns:p14="http://schemas.microsoft.com/office/powerpoint/2010/main" val="1163310581"/>
-      </p:ext>
-    </p:extLst>
-  </p:cSld>
-  <p:clrMapOvr>
-    <a:masterClrMapping/>
-  </p:clrMapOvr>
-</p:sld>
-</file>
-
-<file path=ppt/slides/slide6.xml><?xml version="1.0" encoding="utf-8"?>
+<file path=ppt/slides/slide4.xml><?xml version="1.0" encoding="utf-8"?>
 <p:sld xmlns:a="http://schemas.openxmlformats.org/drawingml/2006/main" xmlns:r="http://schemas.openxmlformats.org/officeDocument/2006/relationships" xmlns:p="http://schemas.openxmlformats.org/presentationml/2006/main">
   <p:cSld>
     <p:spTree>
@@ -8211,8 +4839,8 @@
           </p:sp>
         </mc:Fallback>
       </mc:AlternateContent>
-      <mc:AlternateContent xmlns:mc="http://schemas.openxmlformats.org/markup-compatibility/2006">
-        <mc:Choice xmlns:a14="http://schemas.microsoft.com/office/drawing/2010/main" Requires="a14">
+      <mc:AlternateContent xmlns:mc="http://schemas.openxmlformats.org/markup-compatibility/2006" xmlns:a14="http://schemas.microsoft.com/office/drawing/2010/main">
+        <mc:Choice Requires="a14">
           <p:sp>
             <p:nvSpPr>
               <p:cNvPr id="11" name="Rectangle: Rounded Corners 10">
@@ -8383,7 +5011,7 @@
             </p:txBody>
           </p:sp>
         </mc:Choice>
-        <mc:Fallback>
+        <mc:Fallback xmlns="">
           <p:sp>
             <p:nvSpPr>
               <p:cNvPr id="11" name="Rectangle: Rounded Corners 10">
@@ -8444,7 +5072,7 @@
 </p:sld>
 </file>
 
-<file path=ppt/slides/slide7.xml><?xml version="1.0" encoding="utf-8"?>
+<file path=ppt/slides/slide5.xml><?xml version="1.0" encoding="utf-8"?>
 <p:sld xmlns:a="http://schemas.openxmlformats.org/drawingml/2006/main" xmlns:r="http://schemas.openxmlformats.org/officeDocument/2006/relationships" xmlns:p="http://schemas.openxmlformats.org/presentationml/2006/main">
   <p:cSld>
     <p:spTree>
@@ -8548,443 +5176,6 @@
           </a:prstGeom>
         </p:spPr>
       </p:pic>
-      <mc:AlternateContent xmlns:mc="http://schemas.openxmlformats.org/markup-compatibility/2006" xmlns:a14="http://schemas.microsoft.com/office/drawing/2010/main">
-        <mc:Choice Requires="a14">
-          <p:sp>
-            <p:nvSpPr>
-              <p:cNvPr id="2" name="Rectangle: Rounded Corners 1">
-                <a:extLst>
-                  <a:ext uri="{FF2B5EF4-FFF2-40B4-BE49-F238E27FC236}">
-                    <a16:creationId xmlns:a16="http://schemas.microsoft.com/office/drawing/2014/main" id="{6AB5C9EC-3716-C3CE-0062-878C8DC31AC7}"/>
-                  </a:ext>
-                </a:extLst>
-              </p:cNvPr>
-              <p:cNvSpPr/>
-              <p:nvPr/>
-            </p:nvSpPr>
-            <p:spPr>
-              <a:xfrm>
-                <a:off x="192137" y="831845"/>
-                <a:ext cx="5167264" cy="2654427"/>
-              </a:xfrm>
-              <a:prstGeom prst="roundRect">
-                <a:avLst>
-                  <a:gd name="adj" fmla="val 9253"/>
-                </a:avLst>
-              </a:prstGeom>
-              <a:noFill/>
-              <a:ln w="28575"/>
-            </p:spPr>
-            <p:style>
-              <a:lnRef idx="2">
-                <a:schemeClr val="accent1">
-                  <a:shade val="15000"/>
-                </a:schemeClr>
-              </a:lnRef>
-              <a:fillRef idx="1">
-                <a:schemeClr val="accent1"/>
-              </a:fillRef>
-              <a:effectRef idx="0">
-                <a:schemeClr val="accent1"/>
-              </a:effectRef>
-              <a:fontRef idx="minor">
-                <a:schemeClr val="lt1"/>
-              </a:fontRef>
-            </p:style>
-            <p:txBody>
-              <a:bodyPr rtlCol="0" anchor="ctr" anchorCtr="1"/>
-              <a:lstStyle/>
-              <a:p>
-                <a:r>
-                  <a:rPr lang="en-GB" b="1" dirty="0">
-                    <a:solidFill>
-                      <a:schemeClr val="tx1"/>
-                    </a:solidFill>
-                  </a:rPr>
-                  <a:t>Zero-Dimensional Climate Model | </a:t>
-                </a:r>
-                <a:r>
-                  <a:rPr lang="en-GB" i="1" dirty="0">
-                    <a:solidFill>
-                      <a:schemeClr val="tx1"/>
-                    </a:solidFill>
-                  </a:rPr>
-                  <a:t>0D EBM</a:t>
-                </a:r>
-              </a:p>
-              <a:p>
-                <a:endParaRPr lang="en-GB" b="1" dirty="0">
-                  <a:solidFill>
-                    <a:schemeClr val="tx1"/>
-                  </a:solidFill>
-                </a:endParaRPr>
-              </a:p>
-              <a:p>
-                <a:r>
-                  <a:rPr lang="en-GB" dirty="0">
-                    <a:solidFill>
-                      <a:schemeClr val="tx1"/>
-                    </a:solidFill>
-                  </a:rPr>
-                  <a:t>Simulates the average global surface temperature of by considering the incoming solar radiation and the emitted (Infrared) radiation.</a:t>
-                </a:r>
-              </a:p>
-              <a:p>
-                <a:endParaRPr lang="en-GB" dirty="0">
-                  <a:solidFill>
-                    <a:schemeClr val="tx1"/>
-                  </a:solidFill>
-                </a:endParaRPr>
-              </a:p>
-              <a:p>
-                <a:pPr/>
-                <a14:m>
-                  <m:oMathPara xmlns:m="http://schemas.openxmlformats.org/officeDocument/2006/math">
-                    <m:oMathParaPr>
-                      <m:jc m:val="centerGroup"/>
-                    </m:oMathParaPr>
-                    <m:oMath xmlns:m="http://schemas.openxmlformats.org/officeDocument/2006/math">
-                      <m:r>
-                        <a:rPr lang="en-GB" b="0" i="1" smtClean="0">
-                          <a:solidFill>
-                            <a:schemeClr val="tx1"/>
-                          </a:solidFill>
-                          <a:latin typeface="Cambria Math" panose="02040503050406030204" pitchFamily="18" charset="0"/>
-                        </a:rPr>
-                        <m:t>𝐶</m:t>
-                      </m:r>
-                      <m:f>
-                        <m:fPr>
-                          <m:ctrlPr>
-                            <a:rPr lang="en-GB" b="0" i="1" smtClean="0">
-                              <a:solidFill>
-                                <a:schemeClr val="tx1"/>
-                              </a:solidFill>
-                              <a:latin typeface="Cambria Math" panose="02040503050406030204" pitchFamily="18" charset="0"/>
-                            </a:rPr>
-                          </m:ctrlPr>
-                        </m:fPr>
-                        <m:num>
-                          <m:r>
-                            <a:rPr lang="en-GB" b="0" i="1" smtClean="0">
-                              <a:solidFill>
-                                <a:schemeClr val="tx1"/>
-                              </a:solidFill>
-                              <a:latin typeface="Cambria Math" panose="02040503050406030204" pitchFamily="18" charset="0"/>
-                            </a:rPr>
-                            <m:t>𝑑𝑇</m:t>
-                          </m:r>
-                        </m:num>
-                        <m:den>
-                          <m:r>
-                            <a:rPr lang="en-GB" b="0" i="1" smtClean="0">
-                              <a:solidFill>
-                                <a:schemeClr val="tx1"/>
-                              </a:solidFill>
-                              <a:latin typeface="Cambria Math" panose="02040503050406030204" pitchFamily="18" charset="0"/>
-                            </a:rPr>
-                            <m:t>𝑑𝑡</m:t>
-                          </m:r>
-                        </m:den>
-                      </m:f>
-                      <m:r>
-                        <a:rPr lang="en-GB" b="0" i="1" smtClean="0">
-                          <a:solidFill>
-                            <a:schemeClr val="tx1"/>
-                          </a:solidFill>
-                          <a:latin typeface="Cambria Math" panose="02040503050406030204" pitchFamily="18" charset="0"/>
-                        </a:rPr>
-                        <m:t>=</m:t>
-                      </m:r>
-                      <m:f>
-                        <m:fPr>
-                          <m:ctrlPr>
-                            <a:rPr lang="en-GB" b="0" i="1" smtClean="0">
-                              <a:solidFill>
-                                <a:schemeClr val="tx1"/>
-                              </a:solidFill>
-                              <a:latin typeface="Cambria Math" panose="02040503050406030204" pitchFamily="18" charset="0"/>
-                            </a:rPr>
-                          </m:ctrlPr>
-                        </m:fPr>
-                        <m:num>
-                          <m:r>
-                            <a:rPr lang="en-GB" b="0" i="1" smtClean="0">
-                              <a:solidFill>
-                                <a:schemeClr val="tx1"/>
-                              </a:solidFill>
-                              <a:latin typeface="Cambria Math" panose="02040503050406030204" pitchFamily="18" charset="0"/>
-                            </a:rPr>
-                            <m:t>(1−</m:t>
-                          </m:r>
-                          <m:r>
-                            <a:rPr lang="en-GB" b="0" i="1" smtClean="0">
-                              <a:solidFill>
-                                <a:schemeClr val="tx1"/>
-                              </a:solidFill>
-                              <a:latin typeface="Cambria Math" panose="02040503050406030204" pitchFamily="18" charset="0"/>
-                            </a:rPr>
-                            <m:t>𝐴</m:t>
-                          </m:r>
-                          <m:r>
-                            <a:rPr lang="en-GB" b="0" i="1" smtClean="0">
-                              <a:solidFill>
-                                <a:schemeClr val="tx1"/>
-                              </a:solidFill>
-                              <a:latin typeface="Cambria Math" panose="02040503050406030204" pitchFamily="18" charset="0"/>
-                            </a:rPr>
-                            <m:t>)</m:t>
-                          </m:r>
-                        </m:num>
-                        <m:den>
-                          <m:r>
-                            <a:rPr lang="en-GB" b="0" i="1" smtClean="0">
-                              <a:solidFill>
-                                <a:schemeClr val="tx1"/>
-                              </a:solidFill>
-                              <a:latin typeface="Cambria Math" panose="02040503050406030204" pitchFamily="18" charset="0"/>
-                            </a:rPr>
-                            <m:t>4</m:t>
-                          </m:r>
-                        </m:den>
-                      </m:f>
-                      <m:r>
-                        <a:rPr lang="en-GB" b="0" i="1" smtClean="0">
-                          <a:solidFill>
-                            <a:schemeClr val="tx1"/>
-                          </a:solidFill>
-                          <a:latin typeface="Cambria Math" panose="02040503050406030204" pitchFamily="18" charset="0"/>
-                        </a:rPr>
-                        <m:t>𝑆</m:t>
-                      </m:r>
-                      <m:r>
-                        <a:rPr lang="en-GB" b="0" i="1" smtClean="0">
-                          <a:solidFill>
-                            <a:schemeClr val="tx1"/>
-                          </a:solidFill>
-                          <a:latin typeface="Cambria Math" panose="02040503050406030204" pitchFamily="18" charset="0"/>
-                        </a:rPr>
-                        <m:t> −</m:t>
-                      </m:r>
-                      <m:r>
-                        <a:rPr lang="en-GB" b="0" i="1" smtClean="0">
-                          <a:solidFill>
-                            <a:schemeClr val="tx1"/>
-                          </a:solidFill>
-                          <a:latin typeface="Cambria Math" panose="02040503050406030204" pitchFamily="18" charset="0"/>
-                        </a:rPr>
-                        <m:t>𝜖</m:t>
-                      </m:r>
-                      <m:r>
-                        <a:rPr lang="en-GB" b="0" i="1" smtClean="0">
-                          <a:solidFill>
-                            <a:schemeClr val="tx1"/>
-                          </a:solidFill>
-                          <a:latin typeface="Cambria Math" panose="02040503050406030204" pitchFamily="18" charset="0"/>
-                        </a:rPr>
-                        <m:t> </m:t>
-                      </m:r>
-                      <m:r>
-                        <a:rPr lang="en-GB" b="0" i="1" smtClean="0">
-                          <a:solidFill>
-                            <a:schemeClr val="tx1"/>
-                          </a:solidFill>
-                          <a:latin typeface="Cambria Math" panose="02040503050406030204" pitchFamily="18" charset="0"/>
-                        </a:rPr>
-                        <m:t>𝜎</m:t>
-                      </m:r>
-                      <m:r>
-                        <a:rPr lang="en-GB" b="0" i="1" smtClean="0">
-                          <a:solidFill>
-                            <a:schemeClr val="tx1"/>
-                          </a:solidFill>
-                          <a:latin typeface="Cambria Math" panose="02040503050406030204" pitchFamily="18" charset="0"/>
-                        </a:rPr>
-                        <m:t> </m:t>
-                      </m:r>
-                      <m:sSup>
-                        <m:sSupPr>
-                          <m:ctrlPr>
-                            <a:rPr lang="en-GB" b="0" i="1" smtClean="0">
-                              <a:solidFill>
-                                <a:schemeClr val="tx1"/>
-                              </a:solidFill>
-                              <a:latin typeface="Cambria Math" panose="02040503050406030204" pitchFamily="18" charset="0"/>
-                            </a:rPr>
-                          </m:ctrlPr>
-                        </m:sSupPr>
-                        <m:e>
-                          <m:r>
-                            <a:rPr lang="en-GB" b="0" i="1" smtClean="0">
-                              <a:solidFill>
-                                <a:schemeClr val="tx1"/>
-                              </a:solidFill>
-                              <a:latin typeface="Cambria Math" panose="02040503050406030204" pitchFamily="18" charset="0"/>
-                            </a:rPr>
-                            <m:t>𝑇</m:t>
-                          </m:r>
-                        </m:e>
-                        <m:sup>
-                          <m:r>
-                            <a:rPr lang="en-GB" b="0" i="1" smtClean="0">
-                              <a:solidFill>
-                                <a:schemeClr val="tx1"/>
-                              </a:solidFill>
-                              <a:latin typeface="Cambria Math" panose="02040503050406030204" pitchFamily="18" charset="0"/>
-                            </a:rPr>
-                            <m:t>4</m:t>
-                          </m:r>
-                        </m:sup>
-                      </m:sSup>
-                    </m:oMath>
-                  </m:oMathPara>
-                </a14:m>
-                <a:endParaRPr lang="en-GB" dirty="0">
-                  <a:solidFill>
-                    <a:schemeClr val="tx1"/>
-                  </a:solidFill>
-                </a:endParaRPr>
-              </a:p>
-            </p:txBody>
-          </p:sp>
-        </mc:Choice>
-        <mc:Fallback xmlns="">
-          <p:sp>
-            <p:nvSpPr>
-              <p:cNvPr id="2" name="Rectangle: Rounded Corners 1">
-                <a:extLst>
-                  <a:ext uri="{FF2B5EF4-FFF2-40B4-BE49-F238E27FC236}">
-                    <a16:creationId xmlns:a16="http://schemas.microsoft.com/office/drawing/2014/main" id="{6AB5C9EC-3716-C3CE-0062-878C8DC31AC7}"/>
-                  </a:ext>
-                </a:extLst>
-              </p:cNvPr>
-              <p:cNvSpPr>
-                <a:spLocks noRot="1" noChangeAspect="1" noMove="1" noResize="1" noEditPoints="1" noAdjustHandles="1" noChangeArrowheads="1" noChangeShapeType="1" noTextEdit="1"/>
-              </p:cNvSpPr>
-              <p:nvPr/>
-            </p:nvSpPr>
-            <p:spPr>
-              <a:xfrm>
-                <a:off x="192137" y="831845"/>
-                <a:ext cx="5167264" cy="2654427"/>
-              </a:xfrm>
-              <a:prstGeom prst="roundRect">
-                <a:avLst>
-                  <a:gd name="adj" fmla="val 9253"/>
-                </a:avLst>
-              </a:prstGeom>
-              <a:blipFill>
-                <a:blip r:embed="rId3"/>
-                <a:stretch>
-                  <a:fillRect/>
-                </a:stretch>
-              </a:blipFill>
-              <a:ln w="28575"/>
-            </p:spPr>
-            <p:txBody>
-              <a:bodyPr/>
-              <a:lstStyle/>
-              <a:p>
-                <a:r>
-                  <a:rPr lang="en-GB">
-                    <a:noFill/>
-                  </a:rPr>
-                  <a:t> </a:t>
-                </a:r>
-              </a:p>
-            </p:txBody>
-          </p:sp>
-        </mc:Fallback>
-      </mc:AlternateContent>
-      <p:sp>
-        <p:nvSpPr>
-          <p:cNvPr id="3" name="Rectangle: Rounded Corners 2">
-            <a:extLst>
-              <a:ext uri="{FF2B5EF4-FFF2-40B4-BE49-F238E27FC236}">
-                <a16:creationId xmlns:a16="http://schemas.microsoft.com/office/drawing/2014/main" id="{A13D9F4A-AF8A-CD6D-3FC6-0B4FB7E41E41}"/>
-              </a:ext>
-            </a:extLst>
-          </p:cNvPr>
-          <p:cNvSpPr/>
-          <p:nvPr/>
-        </p:nvSpPr>
-        <p:spPr>
-          <a:xfrm>
-            <a:off x="224706" y="3749546"/>
-            <a:ext cx="6137993" cy="2955928"/>
-          </a:xfrm>
-          <a:prstGeom prst="roundRect">
-            <a:avLst>
-              <a:gd name="adj" fmla="val 9253"/>
-            </a:avLst>
-          </a:prstGeom>
-          <a:noFill/>
-          <a:ln w="28575"/>
-        </p:spPr>
-        <p:style>
-          <a:lnRef idx="2">
-            <a:schemeClr val="accent1">
-              <a:shade val="15000"/>
-            </a:schemeClr>
-          </a:lnRef>
-          <a:fillRef idx="1">
-            <a:schemeClr val="accent1"/>
-          </a:fillRef>
-          <a:effectRef idx="0">
-            <a:schemeClr val="accent1"/>
-          </a:effectRef>
-          <a:fontRef idx="minor">
-            <a:schemeClr val="lt1"/>
-          </a:fontRef>
-        </p:style>
-        <p:txBody>
-          <a:bodyPr rtlCol="0" anchor="ctr" anchorCtr="1"/>
-          <a:lstStyle/>
-          <a:p>
-            <a:r>
-              <a:rPr lang="en-GB" b="1" dirty="0">
-                <a:solidFill>
-                  <a:schemeClr val="tx1"/>
-                </a:solidFill>
-              </a:rPr>
-              <a:t>Global Circulation Climate Models| </a:t>
-            </a:r>
-            <a:r>
-              <a:rPr lang="en-GB" i="1" dirty="0">
-                <a:solidFill>
-                  <a:schemeClr val="tx1"/>
-                </a:solidFill>
-              </a:rPr>
-              <a:t>GCMs</a:t>
-            </a:r>
-            <a:r>
-              <a:rPr lang="en-GB" dirty="0">
-                <a:solidFill>
-                  <a:schemeClr val="tx1"/>
-                </a:solidFill>
-              </a:rPr>
-              <a:t> </a:t>
-            </a:r>
-          </a:p>
-          <a:p>
-            <a:endParaRPr lang="en-GB" dirty="0">
-              <a:solidFill>
-                <a:schemeClr val="tx1"/>
-              </a:solidFill>
-            </a:endParaRPr>
-          </a:p>
-          <a:p>
-            <a:r>
-              <a:rPr lang="en-GB" dirty="0">
-                <a:solidFill>
-                  <a:schemeClr val="tx1"/>
-                </a:solidFill>
-              </a:rPr>
-              <a:t>These types of models are utilised in weather forecasting; they simulate the fluid dynamics of the atmosphere/oceans, allowing the most accurate predictions of temperature/humidity/precipitation.  </a:t>
-            </a:r>
-          </a:p>
-        </p:txBody>
-      </p:sp>
       <mc:AlternateContent xmlns:mc="http://schemas.openxmlformats.org/markup-compatibility/2006">
         <mc:Choice xmlns:a14="http://schemas.microsoft.com/office/drawing/2010/main" Requires="a14">
           <p:sp>
@@ -9001,7 +5192,7 @@
             </p:nvSpPr>
             <p:spPr>
               <a:xfrm>
-                <a:off x="5548663" y="831845"/>
+                <a:off x="2851968" y="831845"/>
                 <a:ext cx="6488064" cy="2654427"/>
               </a:xfrm>
               <a:prstGeom prst="roundRect">
@@ -9652,7 +5843,7 @@
             </p:nvSpPr>
             <p:spPr>
               <a:xfrm>
-                <a:off x="5548663" y="831845"/>
+                <a:off x="2851968" y="831845"/>
                 <a:ext cx="6488064" cy="2654427"/>
               </a:xfrm>
               <a:prstGeom prst="roundRect">
@@ -9661,7 +5852,7 @@
                 </a:avLst>
               </a:prstGeom>
               <a:blipFill>
-                <a:blip r:embed="rId4"/>
+                <a:blip r:embed="rId3"/>
                 <a:stretch>
                   <a:fillRect/>
                 </a:stretch>
@@ -9698,7 +5889,7 @@
           <p:nvPr/>
         </p:nvPicPr>
         <p:blipFill>
-          <a:blip r:embed="rId5">
+          <a:blip r:embed="rId4">
             <a:extLst>
               <a:ext uri="{28A0092B-C50C-407E-A947-70E740481C1C}">
                 <a14:useLocalDpi xmlns:a14="http://schemas.microsoft.com/office/drawing/2010/main" val="0"/>
@@ -9712,7 +5903,7 @@
         </p:blipFill>
         <p:spPr bwMode="auto">
           <a:xfrm>
-            <a:off x="6910038" y="3749546"/>
+            <a:off x="4301228" y="3695758"/>
             <a:ext cx="4048128" cy="2803528"/>
           </a:xfrm>
           <a:prstGeom prst="rect">
@@ -9743,7 +5934,7 @@
 </p:sld>
 </file>
 
-<file path=ppt/slides/slide8.xml><?xml version="1.0" encoding="utf-8"?>
+<file path=ppt/slides/slide6.xml><?xml version="1.0" encoding="utf-8"?>
 <p:sld xmlns:a="http://schemas.openxmlformats.org/drawingml/2006/main" xmlns:r="http://schemas.openxmlformats.org/officeDocument/2006/relationships" xmlns:p="http://schemas.openxmlformats.org/presentationml/2006/main">
   <p:cSld>
     <p:spTree>
@@ -9847,8 +6038,8 @@
           </a:prstGeom>
         </p:spPr>
       </p:pic>
-      <mc:AlternateContent xmlns:mc="http://schemas.openxmlformats.org/markup-compatibility/2006">
-        <mc:Choice xmlns:a14="http://schemas.microsoft.com/office/drawing/2010/main" Requires="a14">
+      <mc:AlternateContent xmlns:mc="http://schemas.openxmlformats.org/markup-compatibility/2006" xmlns:a14="http://schemas.microsoft.com/office/drawing/2010/main">
+        <mc:Choice Requires="a14">
           <p:sp>
             <p:nvSpPr>
               <p:cNvPr id="7" name="Rectangle: Rounded Corners 6">
@@ -10398,7 +6589,7 @@
             </p:txBody>
           </p:sp>
         </mc:Choice>
-        <mc:Fallback>
+        <mc:Fallback xmlns="">
           <p:sp>
             <p:nvSpPr>
               <p:cNvPr id="7" name="Rectangle: Rounded Corners 6">
@@ -11435,7 +7626,7 @@
 </p:sld>
 </file>
 
-<file path=ppt/slides/slide9.xml><?xml version="1.0" encoding="utf-8"?>
+<file path=ppt/slides/slide7.xml><?xml version="1.0" encoding="utf-8"?>
 <p:sld xmlns:a="http://schemas.openxmlformats.org/drawingml/2006/main" xmlns:r="http://schemas.openxmlformats.org/officeDocument/2006/relationships" xmlns:p="http://schemas.openxmlformats.org/presentationml/2006/main">
   <p:cSld>
     <p:spTree>
@@ -12992,6 +9183,1792 @@
 </p:sld>
 </file>
 
+<file path=ppt/slides/slide8.xml><?xml version="1.0" encoding="utf-8"?>
+<p:sld xmlns:a="http://schemas.openxmlformats.org/drawingml/2006/main" xmlns:r="http://schemas.openxmlformats.org/officeDocument/2006/relationships" xmlns:p="http://schemas.openxmlformats.org/presentationml/2006/main">
+  <p:cSld>
+    <p:spTree>
+      <p:nvGrpSpPr>
+        <p:cNvPr id="1" name=""/>
+        <p:cNvGrpSpPr/>
+        <p:nvPr/>
+      </p:nvGrpSpPr>
+      <p:grpSpPr>
+        <a:xfrm>
+          <a:off x="0" y="0"/>
+          <a:ext cx="0" cy="0"/>
+          <a:chOff x="0" y="0"/>
+          <a:chExt cx="0" cy="0"/>
+        </a:xfrm>
+      </p:grpSpPr>
+      <p:sp>
+        <p:nvSpPr>
+          <p:cNvPr id="4" name="Rectangle 3">
+            <a:extLst>
+              <a:ext uri="{FF2B5EF4-FFF2-40B4-BE49-F238E27FC236}">
+                <a16:creationId xmlns:a16="http://schemas.microsoft.com/office/drawing/2014/main" id="{1ACD40DC-AFBF-76FF-5E79-F5180794D887}"/>
+              </a:ext>
+            </a:extLst>
+          </p:cNvPr>
+          <p:cNvSpPr/>
+          <p:nvPr/>
+        </p:nvSpPr>
+        <p:spPr>
+          <a:xfrm>
+            <a:off x="0" y="0"/>
+            <a:ext cx="12192000" cy="670045"/>
+          </a:xfrm>
+          <a:prstGeom prst="rect">
+            <a:avLst/>
+          </a:prstGeom>
+          <a:solidFill>
+            <a:srgbClr val="702566"/>
+          </a:solidFill>
+        </p:spPr>
+        <p:style>
+          <a:lnRef idx="2">
+            <a:schemeClr val="accent1">
+              <a:shade val="15000"/>
+            </a:schemeClr>
+          </a:lnRef>
+          <a:fillRef idx="1">
+            <a:schemeClr val="accent1"/>
+          </a:fillRef>
+          <a:effectRef idx="0">
+            <a:schemeClr val="accent1"/>
+          </a:effectRef>
+          <a:fontRef idx="minor">
+            <a:schemeClr val="lt1"/>
+          </a:fontRef>
+        </p:style>
+        <p:txBody>
+          <a:bodyPr rtlCol="0" anchor="ctr"/>
+          <a:lstStyle/>
+          <a:p>
+            <a:r>
+              <a:rPr lang="en-GB" sz="1400" dirty="0"/>
+              <a:t>1D EBM | Albedo Model</a:t>
+            </a:r>
+          </a:p>
+        </p:txBody>
+      </p:sp>
+      <p:pic>
+        <p:nvPicPr>
+          <p:cNvPr id="5" name="Picture 4">
+            <a:extLst>
+              <a:ext uri="{FF2B5EF4-FFF2-40B4-BE49-F238E27FC236}">
+                <a16:creationId xmlns:a16="http://schemas.microsoft.com/office/drawing/2014/main" id="{A5539593-521B-AEDF-7050-F0D3D41795CE}"/>
+              </a:ext>
+            </a:extLst>
+          </p:cNvPr>
+          <p:cNvPicPr>
+            <a:picLocks noChangeAspect="1"/>
+          </p:cNvPicPr>
+          <p:nvPr/>
+        </p:nvPicPr>
+        <p:blipFill>
+          <a:blip r:embed="rId2">
+            <a:extLst>
+              <a:ext uri="{28A0092B-C50C-407E-A947-70E740481C1C}">
+                <a14:useLocalDpi xmlns:a14="http://schemas.microsoft.com/office/drawing/2010/main" val="0"/>
+              </a:ext>
+            </a:extLst>
+          </a:blip>
+          <a:stretch>
+            <a:fillRect/>
+          </a:stretch>
+        </p:blipFill>
+        <p:spPr>
+          <a:xfrm>
+            <a:off x="10351586" y="-161803"/>
+            <a:ext cx="1685141" cy="993648"/>
+          </a:xfrm>
+          <a:prstGeom prst="rect">
+            <a:avLst/>
+          </a:prstGeom>
+        </p:spPr>
+      </p:pic>
+      <mc:AlternateContent xmlns:mc="http://schemas.openxmlformats.org/markup-compatibility/2006" xmlns:a14="http://schemas.microsoft.com/office/drawing/2010/main">
+        <mc:Choice Requires="a14">
+          <p:sp>
+            <p:nvSpPr>
+              <p:cNvPr id="2" name="Rectangle: Rounded Corners 1">
+                <a:extLst>
+                  <a:ext uri="{FF2B5EF4-FFF2-40B4-BE49-F238E27FC236}">
+                    <a16:creationId xmlns:a16="http://schemas.microsoft.com/office/drawing/2014/main" id="{005ADAC7-CF9A-F0E3-6E1A-75D2A81B73C5}"/>
+                  </a:ext>
+                </a:extLst>
+              </p:cNvPr>
+              <p:cNvSpPr/>
+              <p:nvPr/>
+            </p:nvSpPr>
+            <p:spPr>
+              <a:xfrm>
+                <a:off x="155272" y="881538"/>
+                <a:ext cx="5167264" cy="1740288"/>
+              </a:xfrm>
+              <a:prstGeom prst="roundRect">
+                <a:avLst>
+                  <a:gd name="adj" fmla="val 9253"/>
+                </a:avLst>
+              </a:prstGeom>
+              <a:noFill/>
+              <a:ln w="28575"/>
+            </p:spPr>
+            <p:style>
+              <a:lnRef idx="2">
+                <a:schemeClr val="accent1">
+                  <a:shade val="15000"/>
+                </a:schemeClr>
+              </a:lnRef>
+              <a:fillRef idx="1">
+                <a:schemeClr val="accent1"/>
+              </a:fillRef>
+              <a:effectRef idx="0">
+                <a:schemeClr val="accent1"/>
+              </a:effectRef>
+              <a:fontRef idx="minor">
+                <a:schemeClr val="lt1"/>
+              </a:fontRef>
+            </p:style>
+            <p:txBody>
+              <a:bodyPr rtlCol="0" anchor="t" anchorCtr="0"/>
+              <a:lstStyle/>
+              <a:p>
+                <a:r>
+                  <a:rPr lang="en-GB" b="0" dirty="0">
+                    <a:solidFill>
+                      <a:schemeClr val="tx1"/>
+                    </a:solidFill>
+                    <a:latin typeface="Cambria Math" panose="02040503050406030204" pitchFamily="18" charset="0"/>
+                  </a:rPr>
+                  <a:t>The albedo function models the reflectivity of the land/ocean, accounting for the higher reflectivity of snow</a:t>
+                </a:r>
+                <a:r>
+                  <a:rPr lang="en-GB" dirty="0">
+                    <a:solidFill>
+                      <a:schemeClr val="tx1"/>
+                    </a:solidFill>
+                    <a:latin typeface="Cambria Math" panose="02040503050406030204" pitchFamily="18" charset="0"/>
+                  </a:rPr>
+                  <a:t>/ice that occurs at freezing temperatures.</a:t>
+                </a:r>
+              </a:p>
+              <a:p>
+                <a:r>
+                  <a:rPr lang="en-GB" dirty="0">
+                    <a:solidFill>
+                      <a:schemeClr val="tx1"/>
+                    </a:solidFill>
+                    <a:latin typeface="Cambria Math" panose="02040503050406030204" pitchFamily="18" charset="0"/>
+                  </a:rPr>
+                  <a:t> </a:t>
+                </a:r>
+                <a:endParaRPr lang="en-GB" b="0" i="1" dirty="0">
+                  <a:solidFill>
+                    <a:schemeClr val="tx1"/>
+                  </a:solidFill>
+                  <a:latin typeface="Cambria Math" panose="02040503050406030204" pitchFamily="18" charset="0"/>
+                </a:endParaRPr>
+              </a:p>
+              <a:p>
+                <a:pPr/>
+                <a14:m>
+                  <m:oMathPara xmlns:m="http://schemas.openxmlformats.org/officeDocument/2006/math">
+                    <m:oMathParaPr>
+                      <m:jc m:val="centerGroup"/>
+                    </m:oMathParaPr>
+                    <m:oMath xmlns:m="http://schemas.openxmlformats.org/officeDocument/2006/math">
+                      <m:r>
+                        <a:rPr lang="en-GB" b="0" i="1" smtClean="0">
+                          <a:solidFill>
+                            <a:schemeClr val="tx1"/>
+                          </a:solidFill>
+                          <a:latin typeface="Cambria Math" panose="02040503050406030204" pitchFamily="18" charset="0"/>
+                        </a:rPr>
+                        <m:t>𝐴</m:t>
+                      </m:r>
+                      <m:d>
+                        <m:dPr>
+                          <m:ctrlPr>
+                            <a:rPr lang="en-GB" b="0" i="1" smtClean="0">
+                              <a:solidFill>
+                                <a:schemeClr val="tx1"/>
+                              </a:solidFill>
+                              <a:latin typeface="Cambria Math" panose="02040503050406030204" pitchFamily="18" charset="0"/>
+                            </a:rPr>
+                          </m:ctrlPr>
+                        </m:dPr>
+                        <m:e>
+                          <m:r>
+                            <a:rPr lang="en-GB" b="0" i="1" smtClean="0">
+                              <a:solidFill>
+                                <a:schemeClr val="tx1"/>
+                              </a:solidFill>
+                              <a:latin typeface="Cambria Math" panose="02040503050406030204" pitchFamily="18" charset="0"/>
+                            </a:rPr>
+                            <m:t>𝑇</m:t>
+                          </m:r>
+                        </m:e>
+                      </m:d>
+                      <m:r>
+                        <a:rPr lang="en-GB" b="0" i="1" smtClean="0">
+                          <a:solidFill>
+                            <a:schemeClr val="tx1"/>
+                          </a:solidFill>
+                          <a:latin typeface="Cambria Math" panose="02040503050406030204" pitchFamily="18" charset="0"/>
+                        </a:rPr>
+                        <m:t>=0.525−0.245 ⋅</m:t>
+                      </m:r>
+                      <m:r>
+                        <m:rPr>
+                          <m:sty m:val="p"/>
+                        </m:rPr>
+                        <a:rPr lang="en-GB" b="0" i="0" smtClean="0">
+                          <a:solidFill>
+                            <a:schemeClr val="tx1"/>
+                          </a:solidFill>
+                          <a:latin typeface="Cambria Math" panose="02040503050406030204" pitchFamily="18" charset="0"/>
+                        </a:rPr>
+                        <m:t>tanh</m:t>
+                      </m:r>
+                      <m:r>
+                        <a:rPr lang="en-GB" b="0" i="1" smtClean="0">
+                          <a:solidFill>
+                            <a:schemeClr val="tx1"/>
+                          </a:solidFill>
+                          <a:latin typeface="Cambria Math" panose="02040503050406030204" pitchFamily="18" charset="0"/>
+                        </a:rPr>
+                        <m:t>⁡(0.2 </m:t>
+                      </m:r>
+                      <m:r>
+                        <a:rPr lang="en-GB" b="0" i="1" smtClean="0">
+                          <a:solidFill>
+                            <a:schemeClr val="tx1"/>
+                          </a:solidFill>
+                          <a:latin typeface="Cambria Math" panose="02040503050406030204" pitchFamily="18" charset="0"/>
+                        </a:rPr>
+                        <m:t>𝑇</m:t>
+                      </m:r>
+                      <m:r>
+                        <a:rPr lang="en-GB" b="0" i="1" smtClean="0">
+                          <a:solidFill>
+                            <a:schemeClr val="tx1"/>
+                          </a:solidFill>
+                          <a:latin typeface="Cambria Math" panose="02040503050406030204" pitchFamily="18" charset="0"/>
+                        </a:rPr>
+                        <m:t> −53.6) </m:t>
+                      </m:r>
+                    </m:oMath>
+                  </m:oMathPara>
+                </a14:m>
+                <a:endParaRPr lang="en-GB" dirty="0">
+                  <a:solidFill>
+                    <a:schemeClr val="tx1"/>
+                  </a:solidFill>
+                </a:endParaRPr>
+              </a:p>
+              <a:p>
+                <a:endParaRPr lang="en-GB" dirty="0">
+                  <a:solidFill>
+                    <a:schemeClr val="tx1"/>
+                  </a:solidFill>
+                </a:endParaRPr>
+              </a:p>
+            </p:txBody>
+          </p:sp>
+        </mc:Choice>
+        <mc:Fallback xmlns="">
+          <p:sp>
+            <p:nvSpPr>
+              <p:cNvPr id="2" name="Rectangle: Rounded Corners 1">
+                <a:extLst>
+                  <a:ext uri="{FF2B5EF4-FFF2-40B4-BE49-F238E27FC236}">
+                    <a16:creationId xmlns:a16="http://schemas.microsoft.com/office/drawing/2014/main" id="{005ADAC7-CF9A-F0E3-6E1A-75D2A81B73C5}"/>
+                  </a:ext>
+                </a:extLst>
+              </p:cNvPr>
+              <p:cNvSpPr>
+                <a:spLocks noRot="1" noChangeAspect="1" noMove="1" noResize="1" noEditPoints="1" noAdjustHandles="1" noChangeArrowheads="1" noChangeShapeType="1" noTextEdit="1"/>
+              </p:cNvSpPr>
+              <p:nvPr/>
+            </p:nvSpPr>
+            <p:spPr>
+              <a:xfrm>
+                <a:off x="155272" y="881538"/>
+                <a:ext cx="5167264" cy="1740288"/>
+              </a:xfrm>
+              <a:prstGeom prst="roundRect">
+                <a:avLst>
+                  <a:gd name="adj" fmla="val 9253"/>
+                </a:avLst>
+              </a:prstGeom>
+              <a:blipFill>
+                <a:blip r:embed="rId3"/>
+                <a:stretch>
+                  <a:fillRect/>
+                </a:stretch>
+              </a:blipFill>
+              <a:ln w="28575"/>
+            </p:spPr>
+            <p:txBody>
+              <a:bodyPr/>
+              <a:lstStyle/>
+              <a:p>
+                <a:r>
+                  <a:rPr lang="en-GB">
+                    <a:noFill/>
+                  </a:rPr>
+                  <a:t> </a:t>
+                </a:r>
+              </a:p>
+            </p:txBody>
+          </p:sp>
+        </mc:Fallback>
+      </mc:AlternateContent>
+      <p:sp>
+        <p:nvSpPr>
+          <p:cNvPr id="6" name="Rectangle: Rounded Corners 5">
+            <a:extLst>
+              <a:ext uri="{FF2B5EF4-FFF2-40B4-BE49-F238E27FC236}">
+                <a16:creationId xmlns:a16="http://schemas.microsoft.com/office/drawing/2014/main" id="{749C0B6E-F3DE-88B3-FBCB-B5CB5E4E47F6}"/>
+              </a:ext>
+            </a:extLst>
+          </p:cNvPr>
+          <p:cNvSpPr/>
+          <p:nvPr/>
+        </p:nvSpPr>
+        <p:spPr>
+          <a:xfrm>
+            <a:off x="6418050" y="1007680"/>
+            <a:ext cx="4589256" cy="901146"/>
+          </a:xfrm>
+          <a:prstGeom prst="roundRect">
+            <a:avLst>
+              <a:gd name="adj" fmla="val 9253"/>
+            </a:avLst>
+          </a:prstGeom>
+          <a:noFill/>
+          <a:ln w="28575"/>
+        </p:spPr>
+        <p:style>
+          <a:lnRef idx="2">
+            <a:schemeClr val="accent1">
+              <a:shade val="15000"/>
+            </a:schemeClr>
+          </a:lnRef>
+          <a:fillRef idx="1">
+            <a:schemeClr val="accent1"/>
+          </a:fillRef>
+          <a:effectRef idx="0">
+            <a:schemeClr val="accent1"/>
+          </a:effectRef>
+          <a:fontRef idx="minor">
+            <a:schemeClr val="lt1"/>
+          </a:fontRef>
+        </p:style>
+        <p:txBody>
+          <a:bodyPr rtlCol="0" anchor="t" anchorCtr="0"/>
+          <a:lstStyle/>
+          <a:p>
+            <a:r>
+              <a:rPr lang="en-GB" sz="2000" dirty="0">
+                <a:solidFill>
+                  <a:schemeClr val="tx1"/>
+                </a:solidFill>
+              </a:rPr>
+              <a:t>A(Ice) = 0.7 (</a:t>
+            </a:r>
+            <a:r>
+              <a:rPr lang="en-GB" sz="2000" i="1" dirty="0">
+                <a:solidFill>
+                  <a:schemeClr val="tx1"/>
+                </a:solidFill>
+              </a:rPr>
+              <a:t>high reflectance</a:t>
+            </a:r>
+            <a:r>
+              <a:rPr lang="en-GB" sz="2000" dirty="0">
+                <a:solidFill>
+                  <a:schemeClr val="tx1"/>
+                </a:solidFill>
+              </a:rPr>
+              <a:t>) </a:t>
+            </a:r>
+          </a:p>
+          <a:p>
+            <a:r>
+              <a:rPr lang="en-GB" sz="2000" dirty="0">
+                <a:solidFill>
+                  <a:schemeClr val="tx1"/>
+                </a:solidFill>
+              </a:rPr>
+              <a:t>A(land/ocean) = 0.3 (</a:t>
+            </a:r>
+            <a:r>
+              <a:rPr lang="en-GB" sz="2000" i="1" dirty="0">
+                <a:solidFill>
+                  <a:schemeClr val="tx1"/>
+                </a:solidFill>
+              </a:rPr>
+              <a:t>low reflectance</a:t>
+            </a:r>
+            <a:r>
+              <a:rPr lang="en-GB" sz="2000" dirty="0">
+                <a:solidFill>
+                  <a:schemeClr val="tx1"/>
+                </a:solidFill>
+              </a:rPr>
+              <a:t>)</a:t>
+            </a:r>
+          </a:p>
+        </p:txBody>
+      </p:sp>
+      <p:sp>
+        <p:nvSpPr>
+          <p:cNvPr id="9" name="Rectangle: Rounded Corners 8">
+            <a:extLst>
+              <a:ext uri="{FF2B5EF4-FFF2-40B4-BE49-F238E27FC236}">
+                <a16:creationId xmlns:a16="http://schemas.microsoft.com/office/drawing/2014/main" id="{1E5D7448-FEA0-BFEA-9DBE-6B20B8AA772A}"/>
+              </a:ext>
+            </a:extLst>
+          </p:cNvPr>
+          <p:cNvSpPr/>
+          <p:nvPr/>
+        </p:nvSpPr>
+        <p:spPr>
+          <a:xfrm>
+            <a:off x="388185" y="2955380"/>
+            <a:ext cx="4373596" cy="1080610"/>
+          </a:xfrm>
+          <a:prstGeom prst="roundRect">
+            <a:avLst>
+              <a:gd name="adj" fmla="val 9253"/>
+            </a:avLst>
+          </a:prstGeom>
+          <a:noFill/>
+          <a:ln w="28575">
+            <a:solidFill>
+              <a:schemeClr val="accent4"/>
+            </a:solidFill>
+          </a:ln>
+        </p:spPr>
+        <p:style>
+          <a:lnRef idx="2">
+            <a:schemeClr val="accent1">
+              <a:shade val="15000"/>
+            </a:schemeClr>
+          </a:lnRef>
+          <a:fillRef idx="1">
+            <a:schemeClr val="accent1"/>
+          </a:fillRef>
+          <a:effectRef idx="0">
+            <a:schemeClr val="accent1"/>
+          </a:effectRef>
+          <a:fontRef idx="minor">
+            <a:schemeClr val="lt1"/>
+          </a:fontRef>
+        </p:style>
+        <p:txBody>
+          <a:bodyPr rtlCol="0" anchor="t" anchorCtr="0"/>
+          <a:lstStyle/>
+          <a:p>
+            <a:r>
+              <a:rPr lang="en-GB" i="1" u="sng" dirty="0">
+                <a:solidFill>
+                  <a:schemeClr val="tx1"/>
+                </a:solidFill>
+              </a:rPr>
+              <a:t>Future Work</a:t>
+            </a:r>
+            <a:r>
+              <a:rPr lang="en-GB" dirty="0">
+                <a:solidFill>
+                  <a:schemeClr val="tx1"/>
+                </a:solidFill>
+              </a:rPr>
+              <a:t>: Possible work could be done to include the effect that atmospheric cloud cover has on the albedo of a latitude band</a:t>
+            </a:r>
+            <a:endParaRPr lang="en-GB" u="sng" dirty="0">
+              <a:solidFill>
+                <a:schemeClr val="tx1"/>
+              </a:solidFill>
+            </a:endParaRPr>
+          </a:p>
+        </p:txBody>
+      </p:sp>
+      <p:pic>
+        <p:nvPicPr>
+          <p:cNvPr id="8194" name="Picture 2">
+            <a:extLst>
+              <a:ext uri="{FF2B5EF4-FFF2-40B4-BE49-F238E27FC236}">
+                <a16:creationId xmlns:a16="http://schemas.microsoft.com/office/drawing/2014/main" id="{4A6EA775-509D-AC75-E3B7-BB1C15B9147F}"/>
+              </a:ext>
+            </a:extLst>
+          </p:cNvPr>
+          <p:cNvPicPr>
+            <a:picLocks noChangeAspect="1" noChangeArrowheads="1"/>
+          </p:cNvPicPr>
+          <p:nvPr/>
+        </p:nvPicPr>
+        <p:blipFill>
+          <a:blip r:embed="rId4">
+            <a:extLst>
+              <a:ext uri="{28A0092B-C50C-407E-A947-70E740481C1C}">
+                <a14:useLocalDpi xmlns:a14="http://schemas.microsoft.com/office/drawing/2010/main" val="0"/>
+              </a:ext>
+            </a:extLst>
+          </a:blip>
+          <a:srcRect/>
+          <a:stretch>
+            <a:fillRect/>
+          </a:stretch>
+        </p:blipFill>
+        <p:spPr bwMode="auto">
+          <a:xfrm>
+            <a:off x="2738904" y="4236175"/>
+            <a:ext cx="1981200" cy="1981200"/>
+          </a:xfrm>
+          <a:prstGeom prst="rect">
+            <a:avLst/>
+          </a:prstGeom>
+          <a:noFill/>
+          <a:extLst>
+            <a:ext uri="{909E8E84-426E-40DD-AFC4-6F175D3DCCD1}">
+              <a14:hiddenFill xmlns:a14="http://schemas.microsoft.com/office/drawing/2010/main">
+                <a:solidFill>
+                  <a:srgbClr val="FFFFFF"/>
+                </a:solidFill>
+              </a14:hiddenFill>
+            </a:ext>
+          </a:extLst>
+        </p:spPr>
+      </p:pic>
+      <p:pic>
+        <p:nvPicPr>
+          <p:cNvPr id="8196" name="Picture 4">
+            <a:extLst>
+              <a:ext uri="{FF2B5EF4-FFF2-40B4-BE49-F238E27FC236}">
+                <a16:creationId xmlns:a16="http://schemas.microsoft.com/office/drawing/2014/main" id="{3215B3B2-CF37-B2EC-5B55-5DD859F7612D}"/>
+              </a:ext>
+            </a:extLst>
+          </p:cNvPr>
+          <p:cNvPicPr>
+            <a:picLocks noChangeAspect="1" noChangeArrowheads="1"/>
+          </p:cNvPicPr>
+          <p:nvPr/>
+        </p:nvPicPr>
+        <p:blipFill>
+          <a:blip r:embed="rId5">
+            <a:extLst>
+              <a:ext uri="{28A0092B-C50C-407E-A947-70E740481C1C}">
+                <a14:useLocalDpi xmlns:a14="http://schemas.microsoft.com/office/drawing/2010/main" val="0"/>
+              </a:ext>
+            </a:extLst>
+          </a:blip>
+          <a:srcRect/>
+          <a:stretch>
+            <a:fillRect/>
+          </a:stretch>
+        </p:blipFill>
+        <p:spPr bwMode="auto">
+          <a:xfrm>
+            <a:off x="485955" y="4236175"/>
+            <a:ext cx="1981200" cy="1981200"/>
+          </a:xfrm>
+          <a:prstGeom prst="rect">
+            <a:avLst/>
+          </a:prstGeom>
+          <a:noFill/>
+          <a:extLst>
+            <a:ext uri="{909E8E84-426E-40DD-AFC4-6F175D3DCCD1}">
+              <a14:hiddenFill xmlns:a14="http://schemas.microsoft.com/office/drawing/2010/main">
+                <a:solidFill>
+                  <a:srgbClr val="FFFFFF"/>
+                </a:solidFill>
+              </a14:hiddenFill>
+            </a:ext>
+          </a:extLst>
+        </p:spPr>
+      </p:pic>
+      <p:pic>
+        <p:nvPicPr>
+          <p:cNvPr id="8" name="Picture 7" descr="A graph of a temperature&#10;&#10;Description automatically generated">
+            <a:extLst>
+              <a:ext uri="{FF2B5EF4-FFF2-40B4-BE49-F238E27FC236}">
+                <a16:creationId xmlns:a16="http://schemas.microsoft.com/office/drawing/2014/main" id="{D6770B0C-36D4-9ABE-4792-488CDC858F3E}"/>
+              </a:ext>
+            </a:extLst>
+          </p:cNvPr>
+          <p:cNvPicPr>
+            <a:picLocks noChangeAspect="1"/>
+          </p:cNvPicPr>
+          <p:nvPr/>
+        </p:nvPicPr>
+        <p:blipFill>
+          <a:blip r:embed="rId6">
+            <a:extLst>
+              <a:ext uri="{28A0092B-C50C-407E-A947-70E740481C1C}">
+                <a14:useLocalDpi xmlns:a14="http://schemas.microsoft.com/office/drawing/2010/main" val="0"/>
+              </a:ext>
+            </a:extLst>
+          </a:blip>
+          <a:stretch>
+            <a:fillRect/>
+          </a:stretch>
+        </p:blipFill>
+        <p:spPr>
+          <a:xfrm>
+            <a:off x="5471068" y="2462644"/>
+            <a:ext cx="6333064" cy="4066312"/>
+          </a:xfrm>
+          <a:prstGeom prst="rect">
+            <a:avLst/>
+          </a:prstGeom>
+        </p:spPr>
+      </p:pic>
+    </p:spTree>
+    <p:extLst>
+      <p:ext uri="{BB962C8B-B14F-4D97-AF65-F5344CB8AC3E}">
+        <p14:creationId xmlns:p14="http://schemas.microsoft.com/office/powerpoint/2010/main" val="2091116622"/>
+      </p:ext>
+    </p:extLst>
+  </p:cSld>
+  <p:clrMapOvr>
+    <a:masterClrMapping/>
+  </p:clrMapOvr>
+</p:sld>
+</file>
+
+<file path=ppt/slides/slide9.xml><?xml version="1.0" encoding="utf-8"?>
+<p:sld xmlns:a="http://schemas.openxmlformats.org/drawingml/2006/main" xmlns:r="http://schemas.openxmlformats.org/officeDocument/2006/relationships" xmlns:p="http://schemas.openxmlformats.org/presentationml/2006/main">
+  <p:cSld>
+    <p:spTree>
+      <p:nvGrpSpPr>
+        <p:cNvPr id="1" name=""/>
+        <p:cNvGrpSpPr/>
+        <p:nvPr/>
+      </p:nvGrpSpPr>
+      <p:grpSpPr>
+        <a:xfrm>
+          <a:off x="0" y="0"/>
+          <a:ext cx="0" cy="0"/>
+          <a:chOff x="0" y="0"/>
+          <a:chExt cx="0" cy="0"/>
+        </a:xfrm>
+      </p:grpSpPr>
+      <p:sp>
+        <p:nvSpPr>
+          <p:cNvPr id="4" name="Rectangle 3">
+            <a:extLst>
+              <a:ext uri="{FF2B5EF4-FFF2-40B4-BE49-F238E27FC236}">
+                <a16:creationId xmlns:a16="http://schemas.microsoft.com/office/drawing/2014/main" id="{1ACD40DC-AFBF-76FF-5E79-F5180794D887}"/>
+              </a:ext>
+            </a:extLst>
+          </p:cNvPr>
+          <p:cNvSpPr/>
+          <p:nvPr/>
+        </p:nvSpPr>
+        <p:spPr>
+          <a:xfrm>
+            <a:off x="0" y="0"/>
+            <a:ext cx="12192000" cy="670045"/>
+          </a:xfrm>
+          <a:prstGeom prst="rect">
+            <a:avLst/>
+          </a:prstGeom>
+          <a:solidFill>
+            <a:srgbClr val="702566"/>
+          </a:solidFill>
+        </p:spPr>
+        <p:style>
+          <a:lnRef idx="2">
+            <a:schemeClr val="accent1">
+              <a:shade val="15000"/>
+            </a:schemeClr>
+          </a:lnRef>
+          <a:fillRef idx="1">
+            <a:schemeClr val="accent1"/>
+          </a:fillRef>
+          <a:effectRef idx="0">
+            <a:schemeClr val="accent1"/>
+          </a:effectRef>
+          <a:fontRef idx="minor">
+            <a:schemeClr val="lt1"/>
+          </a:fontRef>
+        </p:style>
+        <p:txBody>
+          <a:bodyPr rtlCol="0" anchor="ctr"/>
+          <a:lstStyle/>
+          <a:p>
+            <a:r>
+              <a:rPr lang="en-GB" sz="1400" dirty="0"/>
+              <a:t>1D EBM | Infrared Cooling Model</a:t>
+            </a:r>
+          </a:p>
+        </p:txBody>
+      </p:sp>
+      <p:pic>
+        <p:nvPicPr>
+          <p:cNvPr id="5" name="Picture 4">
+            <a:extLst>
+              <a:ext uri="{FF2B5EF4-FFF2-40B4-BE49-F238E27FC236}">
+                <a16:creationId xmlns:a16="http://schemas.microsoft.com/office/drawing/2014/main" id="{A5539593-521B-AEDF-7050-F0D3D41795CE}"/>
+              </a:ext>
+            </a:extLst>
+          </p:cNvPr>
+          <p:cNvPicPr>
+            <a:picLocks noChangeAspect="1"/>
+          </p:cNvPicPr>
+          <p:nvPr/>
+        </p:nvPicPr>
+        <p:blipFill>
+          <a:blip r:embed="rId2">
+            <a:extLst>
+              <a:ext uri="{28A0092B-C50C-407E-A947-70E740481C1C}">
+                <a14:useLocalDpi xmlns:a14="http://schemas.microsoft.com/office/drawing/2010/main" val="0"/>
+              </a:ext>
+            </a:extLst>
+          </a:blip>
+          <a:stretch>
+            <a:fillRect/>
+          </a:stretch>
+        </p:blipFill>
+        <p:spPr>
+          <a:xfrm>
+            <a:off x="10351586" y="-161803"/>
+            <a:ext cx="1685141" cy="993648"/>
+          </a:xfrm>
+          <a:prstGeom prst="rect">
+            <a:avLst/>
+          </a:prstGeom>
+        </p:spPr>
+      </p:pic>
+      <p:sp>
+        <p:nvSpPr>
+          <p:cNvPr id="7" name="Rectangle: Rounded Corners 6">
+            <a:extLst>
+              <a:ext uri="{FF2B5EF4-FFF2-40B4-BE49-F238E27FC236}">
+                <a16:creationId xmlns:a16="http://schemas.microsoft.com/office/drawing/2014/main" id="{E0187FE5-348C-30A7-75C8-A65BC548F0E7}"/>
+              </a:ext>
+            </a:extLst>
+          </p:cNvPr>
+          <p:cNvSpPr/>
+          <p:nvPr/>
+        </p:nvSpPr>
+        <p:spPr>
+          <a:xfrm>
+            <a:off x="276042" y="831845"/>
+            <a:ext cx="5167264" cy="990394"/>
+          </a:xfrm>
+          <a:prstGeom prst="roundRect">
+            <a:avLst>
+              <a:gd name="adj" fmla="val 9253"/>
+            </a:avLst>
+          </a:prstGeom>
+          <a:noFill/>
+          <a:ln w="28575"/>
+        </p:spPr>
+        <p:style>
+          <a:lnRef idx="2">
+            <a:schemeClr val="accent1">
+              <a:shade val="15000"/>
+            </a:schemeClr>
+          </a:lnRef>
+          <a:fillRef idx="1">
+            <a:schemeClr val="accent1"/>
+          </a:fillRef>
+          <a:effectRef idx="0">
+            <a:schemeClr val="accent1"/>
+          </a:effectRef>
+          <a:fontRef idx="minor">
+            <a:schemeClr val="lt1"/>
+          </a:fontRef>
+        </p:style>
+        <p:txBody>
+          <a:bodyPr rtlCol="0" anchor="t" anchorCtr="0"/>
+          <a:lstStyle/>
+          <a:p>
+            <a:r>
+              <a:rPr lang="en-GB" dirty="0">
+                <a:solidFill>
+                  <a:schemeClr val="tx1"/>
+                </a:solidFill>
+              </a:rPr>
+              <a:t>The IR Cooling model describes the amount of (IR) radiation, emitted by Earth’s surface, that escapes into outer-space. </a:t>
+            </a:r>
+          </a:p>
+          <a:p>
+            <a:endParaRPr lang="en-GB" dirty="0">
+              <a:solidFill>
+                <a:schemeClr val="tx1"/>
+              </a:solidFill>
+            </a:endParaRPr>
+          </a:p>
+        </p:txBody>
+      </p:sp>
+      <mc:AlternateContent xmlns:mc="http://schemas.openxmlformats.org/markup-compatibility/2006" xmlns:a14="http://schemas.microsoft.com/office/drawing/2010/main">
+        <mc:Choice Requires="a14">
+          <p:sp>
+            <p:nvSpPr>
+              <p:cNvPr id="8" name="Rectangle: Rounded Corners 7">
+                <a:extLst>
+                  <a:ext uri="{FF2B5EF4-FFF2-40B4-BE49-F238E27FC236}">
+                    <a16:creationId xmlns:a16="http://schemas.microsoft.com/office/drawing/2014/main" id="{465AB7C1-D387-6B62-188A-2A513A684577}"/>
+                  </a:ext>
+                </a:extLst>
+              </p:cNvPr>
+              <p:cNvSpPr/>
+              <p:nvPr/>
+            </p:nvSpPr>
+            <p:spPr>
+              <a:xfrm>
+                <a:off x="276042" y="2012311"/>
+                <a:ext cx="5167264" cy="3001701"/>
+              </a:xfrm>
+              <a:prstGeom prst="roundRect">
+                <a:avLst>
+                  <a:gd name="adj" fmla="val 9253"/>
+                </a:avLst>
+              </a:prstGeom>
+              <a:noFill/>
+              <a:ln w="28575"/>
+            </p:spPr>
+            <p:style>
+              <a:lnRef idx="2">
+                <a:schemeClr val="accent1">
+                  <a:shade val="15000"/>
+                </a:schemeClr>
+              </a:lnRef>
+              <a:fillRef idx="1">
+                <a:schemeClr val="accent1"/>
+              </a:fillRef>
+              <a:effectRef idx="0">
+                <a:schemeClr val="accent1"/>
+              </a:effectRef>
+              <a:fontRef idx="minor">
+                <a:schemeClr val="lt1"/>
+              </a:fontRef>
+            </p:style>
+            <p:txBody>
+              <a:bodyPr rtlCol="0" anchor="t" anchorCtr="0"/>
+              <a:lstStyle/>
+              <a:p>
+                <a:r>
+                  <a:rPr lang="en-GB" dirty="0">
+                    <a:solidFill>
+                      <a:schemeClr val="tx1"/>
+                    </a:solidFill>
+                  </a:rPr>
+                  <a:t>Given a latitude band at some temperature (</a:t>
+                </a:r>
+                <a:r>
+                  <a:rPr lang="en-GB" i="1" dirty="0">
+                    <a:solidFill>
+                      <a:schemeClr val="tx1"/>
+                    </a:solidFill>
+                  </a:rPr>
+                  <a:t>T)</a:t>
+                </a:r>
+                <a:r>
+                  <a:rPr lang="en-GB" dirty="0">
+                    <a:solidFill>
+                      <a:schemeClr val="tx1"/>
+                    </a:solidFill>
+                  </a:rPr>
+                  <a:t>, it’s surface will emit as a black-body according to the Steffan-Boltzman law.</a:t>
+                </a:r>
+              </a:p>
+              <a:p>
+                <a:endParaRPr lang="en-GB" dirty="0">
+                  <a:solidFill>
+                    <a:schemeClr val="tx1"/>
+                  </a:solidFill>
+                </a:endParaRPr>
+              </a:p>
+              <a:p>
+                <a:pPr algn="ctr"/>
+                <a:r>
+                  <a:rPr lang="en-GB" dirty="0">
+                    <a:solidFill>
+                      <a:schemeClr val="tx1"/>
+                    </a:solidFill>
+                  </a:rPr>
+                  <a:t>  </a:t>
+                </a:r>
+                <a14:m>
+                  <m:oMath xmlns:m="http://schemas.openxmlformats.org/officeDocument/2006/math">
+                    <m:r>
+                      <a:rPr lang="en-GB" b="0" i="1" smtClean="0">
+                        <a:solidFill>
+                          <a:schemeClr val="tx1"/>
+                        </a:solidFill>
+                        <a:latin typeface="Cambria Math" panose="02040503050406030204" pitchFamily="18" charset="0"/>
+                      </a:rPr>
+                      <m:t>𝐹</m:t>
+                    </m:r>
+                    <m:r>
+                      <a:rPr lang="en-GB" b="0" i="1" smtClean="0">
+                        <a:solidFill>
+                          <a:schemeClr val="tx1"/>
+                        </a:solidFill>
+                        <a:latin typeface="Cambria Math" panose="02040503050406030204" pitchFamily="18" charset="0"/>
+                      </a:rPr>
+                      <m:t>=</m:t>
+                    </m:r>
+                    <m:r>
+                      <a:rPr lang="en-GB" b="0" i="1" smtClean="0">
+                        <a:solidFill>
+                          <a:schemeClr val="tx1"/>
+                        </a:solidFill>
+                        <a:latin typeface="Cambria Math" panose="02040503050406030204" pitchFamily="18" charset="0"/>
+                      </a:rPr>
+                      <m:t>𝜎</m:t>
+                    </m:r>
+                    <m:sSup>
+                      <m:sSupPr>
+                        <m:ctrlPr>
+                          <a:rPr lang="en-GB" b="0" i="1" smtClean="0">
+                            <a:solidFill>
+                              <a:schemeClr val="tx1"/>
+                            </a:solidFill>
+                            <a:latin typeface="Cambria Math" panose="02040503050406030204" pitchFamily="18" charset="0"/>
+                          </a:rPr>
+                        </m:ctrlPr>
+                      </m:sSupPr>
+                      <m:e>
+                        <m:r>
+                          <a:rPr lang="en-GB" b="0" i="1" smtClean="0">
+                            <a:solidFill>
+                              <a:schemeClr val="tx1"/>
+                            </a:solidFill>
+                            <a:latin typeface="Cambria Math" panose="02040503050406030204" pitchFamily="18" charset="0"/>
+                          </a:rPr>
+                          <m:t>𝑇</m:t>
+                        </m:r>
+                      </m:e>
+                      <m:sup>
+                        <m:r>
+                          <a:rPr lang="en-GB" b="0" i="1" smtClean="0">
+                            <a:solidFill>
+                              <a:schemeClr val="tx1"/>
+                            </a:solidFill>
+                            <a:latin typeface="Cambria Math" panose="02040503050406030204" pitchFamily="18" charset="0"/>
+                          </a:rPr>
+                          <m:t>4</m:t>
+                        </m:r>
+                      </m:sup>
+                    </m:sSup>
+                  </m:oMath>
+                </a14:m>
+                <a:endParaRPr lang="en-GB" dirty="0">
+                  <a:solidFill>
+                    <a:schemeClr val="tx1"/>
+                  </a:solidFill>
+                </a:endParaRPr>
+              </a:p>
+              <a:p>
+                <a:pPr algn="ctr"/>
+                <a:endParaRPr lang="en-GB" dirty="0">
+                  <a:solidFill>
+                    <a:schemeClr val="tx1"/>
+                  </a:solidFill>
+                </a:endParaRPr>
+              </a:p>
+              <a:p>
+                <a:r>
+                  <a:rPr lang="en-GB" dirty="0">
+                    <a:solidFill>
+                      <a:schemeClr val="tx1"/>
+                    </a:solidFill>
+                  </a:rPr>
+                  <a:t>This emitted radiation can either pass straight into outer-space, or it can get absorbed by the greenhouse gases (predominantly CO2) present within our atmosphere.</a:t>
+                </a:r>
+              </a:p>
+              <a:p>
+                <a:pPr algn="ctr"/>
+                <a:endParaRPr lang="en-GB" dirty="0">
+                  <a:solidFill>
+                    <a:schemeClr val="tx1"/>
+                  </a:solidFill>
+                </a:endParaRPr>
+              </a:p>
+              <a:p>
+                <a:pPr algn="ctr"/>
+                <a:endParaRPr lang="en-GB" dirty="0">
+                  <a:solidFill>
+                    <a:schemeClr val="tx1"/>
+                  </a:solidFill>
+                </a:endParaRPr>
+              </a:p>
+              <a:p>
+                <a:endParaRPr lang="en-GB" dirty="0">
+                  <a:solidFill>
+                    <a:schemeClr val="tx1"/>
+                  </a:solidFill>
+                </a:endParaRPr>
+              </a:p>
+            </p:txBody>
+          </p:sp>
+        </mc:Choice>
+        <mc:Fallback xmlns="">
+          <p:sp>
+            <p:nvSpPr>
+              <p:cNvPr id="8" name="Rectangle: Rounded Corners 7">
+                <a:extLst>
+                  <a:ext uri="{FF2B5EF4-FFF2-40B4-BE49-F238E27FC236}">
+                    <a16:creationId xmlns:a16="http://schemas.microsoft.com/office/drawing/2014/main" id="{465AB7C1-D387-6B62-188A-2A513A684577}"/>
+                  </a:ext>
+                </a:extLst>
+              </p:cNvPr>
+              <p:cNvSpPr>
+                <a:spLocks noRot="1" noChangeAspect="1" noMove="1" noResize="1" noEditPoints="1" noAdjustHandles="1" noChangeArrowheads="1" noChangeShapeType="1" noTextEdit="1"/>
+              </p:cNvSpPr>
+              <p:nvPr/>
+            </p:nvSpPr>
+            <p:spPr>
+              <a:xfrm>
+                <a:off x="276042" y="2012311"/>
+                <a:ext cx="5167264" cy="3001701"/>
+              </a:xfrm>
+              <a:prstGeom prst="roundRect">
+                <a:avLst>
+                  <a:gd name="adj" fmla="val 9253"/>
+                </a:avLst>
+              </a:prstGeom>
+              <a:blipFill>
+                <a:blip r:embed="rId3"/>
+                <a:stretch>
+                  <a:fillRect/>
+                </a:stretch>
+              </a:blipFill>
+              <a:ln w="28575"/>
+            </p:spPr>
+            <p:txBody>
+              <a:bodyPr/>
+              <a:lstStyle/>
+              <a:p>
+                <a:r>
+                  <a:rPr lang="en-GB">
+                    <a:noFill/>
+                  </a:rPr>
+                  <a:t> </a:t>
+                </a:r>
+              </a:p>
+            </p:txBody>
+          </p:sp>
+        </mc:Fallback>
+      </mc:AlternateContent>
+      <mc:AlternateContent xmlns:mc="http://schemas.openxmlformats.org/markup-compatibility/2006" xmlns:a14="http://schemas.microsoft.com/office/drawing/2010/main">
+        <mc:Choice Requires="a14">
+          <p:sp>
+            <p:nvSpPr>
+              <p:cNvPr id="10" name="Rectangle: Rounded Corners 9">
+                <a:extLst>
+                  <a:ext uri="{FF2B5EF4-FFF2-40B4-BE49-F238E27FC236}">
+                    <a16:creationId xmlns:a16="http://schemas.microsoft.com/office/drawing/2014/main" id="{A7D7C422-034C-E5B2-F78D-A6E997F0A02E}"/>
+                  </a:ext>
+                </a:extLst>
+              </p:cNvPr>
+              <p:cNvSpPr/>
+              <p:nvPr/>
+            </p:nvSpPr>
+            <p:spPr>
+              <a:xfrm>
+                <a:off x="276042" y="5204084"/>
+                <a:ext cx="5167264" cy="1290589"/>
+              </a:xfrm>
+              <a:prstGeom prst="roundRect">
+                <a:avLst>
+                  <a:gd name="adj" fmla="val 9253"/>
+                </a:avLst>
+              </a:prstGeom>
+              <a:noFill/>
+              <a:ln w="28575"/>
+            </p:spPr>
+            <p:style>
+              <a:lnRef idx="2">
+                <a:schemeClr val="accent1">
+                  <a:shade val="15000"/>
+                </a:schemeClr>
+              </a:lnRef>
+              <a:fillRef idx="1">
+                <a:schemeClr val="accent1"/>
+              </a:fillRef>
+              <a:effectRef idx="0">
+                <a:schemeClr val="accent1"/>
+              </a:effectRef>
+              <a:fontRef idx="minor">
+                <a:schemeClr val="lt1"/>
+              </a:fontRef>
+            </p:style>
+            <p:txBody>
+              <a:bodyPr rtlCol="0" anchor="ctr" anchorCtr="1"/>
+              <a:lstStyle/>
+              <a:p>
+                <a:pPr/>
+                <a14:m>
+                  <m:oMathPara xmlns:m="http://schemas.openxmlformats.org/officeDocument/2006/math">
+                    <m:oMathParaPr>
+                      <m:jc m:val="center"/>
+                    </m:oMathParaPr>
+                    <m:oMath xmlns:m="http://schemas.openxmlformats.org/officeDocument/2006/math">
+                      <m:r>
+                        <a:rPr lang="en-GB" b="0" i="1" smtClean="0">
+                          <a:solidFill>
+                            <a:schemeClr val="tx1"/>
+                          </a:solidFill>
+                          <a:latin typeface="Cambria Math" panose="02040503050406030204" pitchFamily="18" charset="0"/>
+                        </a:rPr>
+                        <m:t>𝐼𝑅</m:t>
+                      </m:r>
+                      <m:d>
+                        <m:dPr>
+                          <m:ctrlPr>
+                            <a:rPr lang="en-GB" b="0" i="1" smtClean="0">
+                              <a:solidFill>
+                                <a:schemeClr val="tx1"/>
+                              </a:solidFill>
+                              <a:latin typeface="Cambria Math" panose="02040503050406030204" pitchFamily="18" charset="0"/>
+                            </a:rPr>
+                          </m:ctrlPr>
+                        </m:dPr>
+                        <m:e>
+                          <m:r>
+                            <a:rPr lang="en-GB" b="0" i="1" smtClean="0">
+                              <a:solidFill>
+                                <a:schemeClr val="tx1"/>
+                              </a:solidFill>
+                              <a:latin typeface="Cambria Math" panose="02040503050406030204" pitchFamily="18" charset="0"/>
+                            </a:rPr>
+                            <m:t>𝑇</m:t>
+                          </m:r>
+                          <m:r>
+                            <a:rPr lang="en-GB" b="0" i="1" smtClean="0">
+                              <a:solidFill>
+                                <a:schemeClr val="tx1"/>
+                              </a:solidFill>
+                              <a:latin typeface="Cambria Math" panose="02040503050406030204" pitchFamily="18" charset="0"/>
+                            </a:rPr>
+                            <m:t>, </m:t>
+                          </m:r>
+                          <m:r>
+                            <a:rPr lang="en-GB" b="0" i="1" smtClean="0">
+                              <a:solidFill>
+                                <a:schemeClr val="tx1"/>
+                              </a:solidFill>
+                              <a:latin typeface="Cambria Math" panose="02040503050406030204" pitchFamily="18" charset="0"/>
+                            </a:rPr>
+                            <m:t>𝑡</m:t>
+                          </m:r>
+                        </m:e>
+                      </m:d>
+                      <m:r>
+                        <a:rPr lang="en-GB" b="0" i="1" smtClean="0">
+                          <a:solidFill>
+                            <a:schemeClr val="tx1"/>
+                          </a:solidFill>
+                          <a:latin typeface="Cambria Math" panose="02040503050406030204" pitchFamily="18" charset="0"/>
+                        </a:rPr>
+                        <m:t>=</m:t>
+                      </m:r>
+                      <m:f>
+                        <m:fPr>
+                          <m:ctrlPr>
+                            <a:rPr lang="en-GB" b="0" i="1" smtClean="0">
+                              <a:solidFill>
+                                <a:schemeClr val="tx1"/>
+                              </a:solidFill>
+                              <a:latin typeface="Cambria Math" panose="02040503050406030204" pitchFamily="18" charset="0"/>
+                            </a:rPr>
+                          </m:ctrlPr>
+                        </m:fPr>
+                        <m:num>
+                          <m:r>
+                            <a:rPr lang="en-GB" b="0" i="1" smtClean="0">
+                              <a:solidFill>
+                                <a:schemeClr val="tx1"/>
+                              </a:solidFill>
+                              <a:latin typeface="Cambria Math" panose="02040503050406030204" pitchFamily="18" charset="0"/>
+                            </a:rPr>
+                            <m:t>𝜎</m:t>
+                          </m:r>
+                          <m:sSup>
+                            <m:sSupPr>
+                              <m:ctrlPr>
+                                <a:rPr lang="en-GB" b="0" i="1" smtClean="0">
+                                  <a:solidFill>
+                                    <a:schemeClr val="tx1"/>
+                                  </a:solidFill>
+                                  <a:latin typeface="Cambria Math" panose="02040503050406030204" pitchFamily="18" charset="0"/>
+                                </a:rPr>
+                              </m:ctrlPr>
+                            </m:sSupPr>
+                            <m:e>
+                              <m:r>
+                                <a:rPr lang="en-GB" b="0" i="1" smtClean="0">
+                                  <a:solidFill>
+                                    <a:schemeClr val="tx1"/>
+                                  </a:solidFill>
+                                  <a:latin typeface="Cambria Math" panose="02040503050406030204" pitchFamily="18" charset="0"/>
+                                </a:rPr>
+                                <m:t>𝑇</m:t>
+                              </m:r>
+                            </m:e>
+                            <m:sup>
+                              <m:r>
+                                <a:rPr lang="en-GB" b="0" i="1" smtClean="0">
+                                  <a:solidFill>
+                                    <a:schemeClr val="tx1"/>
+                                  </a:solidFill>
+                                  <a:latin typeface="Cambria Math" panose="02040503050406030204" pitchFamily="18" charset="0"/>
+                                </a:rPr>
+                                <m:t>4</m:t>
+                              </m:r>
+                            </m:sup>
+                          </m:sSup>
+                        </m:num>
+                        <m:den>
+                          <m:d>
+                            <m:dPr>
+                              <m:begChr m:val="["/>
+                              <m:endChr m:val="]"/>
+                              <m:ctrlPr>
+                                <a:rPr lang="en-GB" b="0" i="1" smtClean="0">
+                                  <a:solidFill>
+                                    <a:schemeClr val="tx1"/>
+                                  </a:solidFill>
+                                  <a:latin typeface="Cambria Math" panose="02040503050406030204" pitchFamily="18" charset="0"/>
+                                </a:rPr>
+                              </m:ctrlPr>
+                            </m:dPr>
+                            <m:e>
+                              <m:r>
+                                <a:rPr lang="en-GB" b="0" i="1" smtClean="0">
+                                  <a:solidFill>
+                                    <a:schemeClr val="tx1"/>
+                                  </a:solidFill>
+                                  <a:latin typeface="Cambria Math" panose="02040503050406030204" pitchFamily="18" charset="0"/>
+                                </a:rPr>
+                                <m:t>1+</m:t>
+                              </m:r>
+                              <m:r>
+                                <a:rPr lang="en-GB" b="0" i="1" smtClean="0">
+                                  <a:solidFill>
+                                    <a:schemeClr val="tx1"/>
+                                  </a:solidFill>
+                                  <a:latin typeface="Cambria Math" panose="02040503050406030204" pitchFamily="18" charset="0"/>
+                                </a:rPr>
+                                <m:t>𝛼</m:t>
+                              </m:r>
+                              <m:sSup>
+                                <m:sSupPr>
+                                  <m:ctrlPr>
+                                    <a:rPr lang="en-GB" b="0" i="1" smtClean="0">
+                                      <a:solidFill>
+                                        <a:schemeClr val="tx1"/>
+                                      </a:solidFill>
+                                      <a:latin typeface="Cambria Math" panose="02040503050406030204" pitchFamily="18" charset="0"/>
+                                    </a:rPr>
+                                  </m:ctrlPr>
+                                </m:sSupPr>
+                                <m:e>
+                                  <m:d>
+                                    <m:dPr>
+                                      <m:ctrlPr>
+                                        <a:rPr lang="en-GB" b="0" i="1" smtClean="0">
+                                          <a:solidFill>
+                                            <a:schemeClr val="tx1"/>
+                                          </a:solidFill>
+                                          <a:latin typeface="Cambria Math" panose="02040503050406030204" pitchFamily="18" charset="0"/>
+                                        </a:rPr>
+                                      </m:ctrlPr>
+                                    </m:dPr>
+                                    <m:e>
+                                      <m:f>
+                                        <m:fPr>
+                                          <m:ctrlPr>
+                                            <a:rPr lang="en-GB" b="0" i="1" smtClean="0">
+                                              <a:solidFill>
+                                                <a:schemeClr val="tx1"/>
+                                              </a:solidFill>
+                                              <a:latin typeface="Cambria Math" panose="02040503050406030204" pitchFamily="18" charset="0"/>
+                                            </a:rPr>
+                                          </m:ctrlPr>
+                                        </m:fPr>
+                                        <m:num>
+                                          <m:sSub>
+                                            <m:sSubPr>
+                                              <m:ctrlPr>
+                                                <a:rPr lang="en-GB" b="0" i="1" smtClean="0">
+                                                  <a:solidFill>
+                                                    <a:schemeClr val="tx1"/>
+                                                  </a:solidFill>
+                                                  <a:latin typeface="Cambria Math" panose="02040503050406030204" pitchFamily="18" charset="0"/>
+                                                </a:rPr>
+                                              </m:ctrlPr>
+                                            </m:sSubPr>
+                                            <m:e>
+                                              <m:r>
+                                                <a:rPr lang="en-GB" b="0" i="1" smtClean="0">
+                                                  <a:solidFill>
+                                                    <a:schemeClr val="tx1"/>
+                                                  </a:solidFill>
+                                                  <a:latin typeface="Cambria Math" panose="02040503050406030204" pitchFamily="18" charset="0"/>
+                                                </a:rPr>
+                                                <m:t>𝑝</m:t>
+                                              </m:r>
+                                            </m:e>
+                                            <m:sub>
+                                              <m:r>
+                                                <a:rPr lang="en-GB" b="0" i="1" smtClean="0">
+                                                  <a:solidFill>
+                                                    <a:schemeClr val="tx1"/>
+                                                  </a:solidFill>
+                                                  <a:latin typeface="Cambria Math" panose="02040503050406030204" pitchFamily="18" charset="0"/>
+                                                </a:rPr>
+                                                <m:t>𝑐𝑜</m:t>
+                                              </m:r>
+                                              <m:r>
+                                                <a:rPr lang="en-GB" b="0" i="1" smtClean="0">
+                                                  <a:solidFill>
+                                                    <a:schemeClr val="tx1"/>
+                                                  </a:solidFill>
+                                                  <a:latin typeface="Cambria Math" panose="02040503050406030204" pitchFamily="18" charset="0"/>
+                                                </a:rPr>
+                                                <m:t>2</m:t>
+                                              </m:r>
+                                            </m:sub>
+                                          </m:sSub>
+                                          <m:d>
+                                            <m:dPr>
+                                              <m:ctrlPr>
+                                                <a:rPr lang="en-GB" b="0" i="1" smtClean="0">
+                                                  <a:solidFill>
+                                                    <a:schemeClr val="tx1"/>
+                                                  </a:solidFill>
+                                                  <a:latin typeface="Cambria Math" panose="02040503050406030204" pitchFamily="18" charset="0"/>
+                                                </a:rPr>
+                                              </m:ctrlPr>
+                                            </m:dPr>
+                                            <m:e>
+                                              <m:r>
+                                                <a:rPr lang="en-GB" b="0" i="1" smtClean="0">
+                                                  <a:solidFill>
+                                                    <a:schemeClr val="tx1"/>
+                                                  </a:solidFill>
+                                                  <a:latin typeface="Cambria Math" panose="02040503050406030204" pitchFamily="18" charset="0"/>
+                                                </a:rPr>
+                                                <m:t>𝑡</m:t>
+                                              </m:r>
+                                            </m:e>
+                                          </m:d>
+                                        </m:num>
+                                        <m:den>
+                                          <m:r>
+                                            <a:rPr lang="en-GB" b="0" i="1" smtClean="0">
+                                              <a:solidFill>
+                                                <a:schemeClr val="tx1"/>
+                                              </a:solidFill>
+                                              <a:latin typeface="Cambria Math" panose="02040503050406030204" pitchFamily="18" charset="0"/>
+                                            </a:rPr>
+                                            <m:t>421</m:t>
+                                          </m:r>
+                                        </m:den>
+                                      </m:f>
+                                    </m:e>
+                                  </m:d>
+                                </m:e>
+                                <m:sup>
+                                  <m:r>
+                                    <a:rPr lang="en-GB" b="0" i="1" smtClean="0">
+                                      <a:solidFill>
+                                        <a:schemeClr val="tx1"/>
+                                      </a:solidFill>
+                                      <a:latin typeface="Cambria Math" panose="02040503050406030204" pitchFamily="18" charset="0"/>
+                                    </a:rPr>
+                                    <m:t>𝛽</m:t>
+                                  </m:r>
+                                </m:sup>
+                              </m:sSup>
+                              <m:sSup>
+                                <m:sSupPr>
+                                  <m:ctrlPr>
+                                    <a:rPr lang="en-GB" b="0" i="1" smtClean="0">
+                                      <a:solidFill>
+                                        <a:schemeClr val="tx1"/>
+                                      </a:solidFill>
+                                      <a:latin typeface="Cambria Math" panose="02040503050406030204" pitchFamily="18" charset="0"/>
+                                    </a:rPr>
+                                  </m:ctrlPr>
+                                </m:sSupPr>
+                                <m:e>
+                                  <m:d>
+                                    <m:dPr>
+                                      <m:ctrlPr>
+                                        <a:rPr lang="en-GB" b="0" i="1" smtClean="0">
+                                          <a:solidFill>
+                                            <a:schemeClr val="tx1"/>
+                                          </a:solidFill>
+                                          <a:latin typeface="Cambria Math" panose="02040503050406030204" pitchFamily="18" charset="0"/>
+                                        </a:rPr>
+                                      </m:ctrlPr>
+                                    </m:dPr>
+                                    <m:e>
+                                      <m:f>
+                                        <m:fPr>
+                                          <m:ctrlPr>
+                                            <a:rPr lang="en-GB" b="0" i="1" smtClean="0">
+                                              <a:solidFill>
+                                                <a:schemeClr val="tx1"/>
+                                              </a:solidFill>
+                                              <a:latin typeface="Cambria Math" panose="02040503050406030204" pitchFamily="18" charset="0"/>
+                                            </a:rPr>
+                                          </m:ctrlPr>
+                                        </m:fPr>
+                                        <m:num>
+                                          <m:r>
+                                            <a:rPr lang="en-GB" b="0" i="1" smtClean="0">
+                                              <a:solidFill>
+                                                <a:schemeClr val="tx1"/>
+                                              </a:solidFill>
+                                              <a:latin typeface="Cambria Math" panose="02040503050406030204" pitchFamily="18" charset="0"/>
+                                            </a:rPr>
+                                            <m:t>𝑇</m:t>
+                                          </m:r>
+                                        </m:num>
+                                        <m:den>
+                                          <m:r>
+                                            <a:rPr lang="en-GB" b="0" i="1" smtClean="0">
+                                              <a:solidFill>
+                                                <a:schemeClr val="tx1"/>
+                                              </a:solidFill>
+                                              <a:latin typeface="Cambria Math" panose="02040503050406030204" pitchFamily="18" charset="0"/>
+                                            </a:rPr>
+                                            <m:t>273</m:t>
+                                          </m:r>
+                                        </m:den>
+                                      </m:f>
+                                    </m:e>
+                                  </m:d>
+                                </m:e>
+                                <m:sup>
+                                  <m:r>
+                                    <a:rPr lang="en-GB" b="0" i="1" smtClean="0">
+                                      <a:solidFill>
+                                        <a:schemeClr val="tx1"/>
+                                      </a:solidFill>
+                                      <a:latin typeface="Cambria Math" panose="02040503050406030204" pitchFamily="18" charset="0"/>
+                                    </a:rPr>
+                                    <m:t>3</m:t>
+                                  </m:r>
+                                </m:sup>
+                              </m:sSup>
+                            </m:e>
+                          </m:d>
+                        </m:den>
+                      </m:f>
+                    </m:oMath>
+                  </m:oMathPara>
+                </a14:m>
+                <a:endParaRPr lang="en-GB" dirty="0">
+                  <a:solidFill>
+                    <a:schemeClr val="tx1"/>
+                  </a:solidFill>
+                </a:endParaRPr>
+              </a:p>
+            </p:txBody>
+          </p:sp>
+        </mc:Choice>
+        <mc:Fallback xmlns="">
+          <p:sp>
+            <p:nvSpPr>
+              <p:cNvPr id="10" name="Rectangle: Rounded Corners 9">
+                <a:extLst>
+                  <a:ext uri="{FF2B5EF4-FFF2-40B4-BE49-F238E27FC236}">
+                    <a16:creationId xmlns:a16="http://schemas.microsoft.com/office/drawing/2014/main" id="{A7D7C422-034C-E5B2-F78D-A6E997F0A02E}"/>
+                  </a:ext>
+                </a:extLst>
+              </p:cNvPr>
+              <p:cNvSpPr>
+                <a:spLocks noRot="1" noChangeAspect="1" noMove="1" noResize="1" noEditPoints="1" noAdjustHandles="1" noChangeArrowheads="1" noChangeShapeType="1" noTextEdit="1"/>
+              </p:cNvSpPr>
+              <p:nvPr/>
+            </p:nvSpPr>
+            <p:spPr>
+              <a:xfrm>
+                <a:off x="276042" y="5204084"/>
+                <a:ext cx="5167264" cy="1290589"/>
+              </a:xfrm>
+              <a:prstGeom prst="roundRect">
+                <a:avLst>
+                  <a:gd name="adj" fmla="val 9253"/>
+                </a:avLst>
+              </a:prstGeom>
+              <a:blipFill>
+                <a:blip r:embed="rId4"/>
+                <a:stretch>
+                  <a:fillRect/>
+                </a:stretch>
+              </a:blipFill>
+              <a:ln w="28575"/>
+            </p:spPr>
+            <p:txBody>
+              <a:bodyPr/>
+              <a:lstStyle/>
+              <a:p>
+                <a:r>
+                  <a:rPr lang="en-GB">
+                    <a:noFill/>
+                  </a:rPr>
+                  <a:t> </a:t>
+                </a:r>
+              </a:p>
+            </p:txBody>
+          </p:sp>
+        </mc:Fallback>
+      </mc:AlternateContent>
+      <mc:AlternateContent xmlns:mc="http://schemas.openxmlformats.org/markup-compatibility/2006" xmlns:a14="http://schemas.microsoft.com/office/drawing/2010/main">
+        <mc:Choice Requires="a14">
+          <p:sp>
+            <p:nvSpPr>
+              <p:cNvPr id="11" name="Rectangle: Rounded Corners 10">
+                <a:extLst>
+                  <a:ext uri="{FF2B5EF4-FFF2-40B4-BE49-F238E27FC236}">
+                    <a16:creationId xmlns:a16="http://schemas.microsoft.com/office/drawing/2014/main" id="{15B90F7F-CDF2-864C-7D36-22F5EF7D5E76}"/>
+                  </a:ext>
+                </a:extLst>
+              </p:cNvPr>
+              <p:cNvSpPr/>
+              <p:nvPr/>
+            </p:nvSpPr>
+            <p:spPr>
+              <a:xfrm>
+                <a:off x="6072955" y="831845"/>
+                <a:ext cx="5460562" cy="1904795"/>
+              </a:xfrm>
+              <a:prstGeom prst="roundRect">
+                <a:avLst>
+                  <a:gd name="adj" fmla="val 9253"/>
+                </a:avLst>
+              </a:prstGeom>
+              <a:noFill/>
+              <a:ln w="28575"/>
+            </p:spPr>
+            <p:style>
+              <a:lnRef idx="2">
+                <a:schemeClr val="accent1">
+                  <a:shade val="15000"/>
+                </a:schemeClr>
+              </a:lnRef>
+              <a:fillRef idx="1">
+                <a:schemeClr val="accent1"/>
+              </a:fillRef>
+              <a:effectRef idx="0">
+                <a:schemeClr val="accent1"/>
+              </a:effectRef>
+              <a:fontRef idx="minor">
+                <a:schemeClr val="lt1"/>
+              </a:fontRef>
+            </p:style>
+            <p:txBody>
+              <a:bodyPr rtlCol="0" anchor="t" anchorCtr="0"/>
+              <a:lstStyle/>
+              <a:p>
+                <a:r>
+                  <a:rPr lang="en-GB" dirty="0">
+                    <a:solidFill>
+                      <a:schemeClr val="tx1"/>
+                    </a:solidFill>
+                  </a:rPr>
+                  <a:t>The 1D EBM model was optimised, via gradient descent methods, to best fit to the historic climate temperature record; yielding cooling model parameters of:</a:t>
+                </a:r>
+              </a:p>
+              <a:p>
+                <a:endParaRPr lang="en-GB" dirty="0">
+                  <a:solidFill>
+                    <a:schemeClr val="tx1"/>
+                  </a:solidFill>
+                </a:endParaRPr>
+              </a:p>
+              <a:p>
+                <a:pPr algn="ctr"/>
+                <a14:m>
+                  <m:oMathPara xmlns:m="http://schemas.openxmlformats.org/officeDocument/2006/math">
+                    <m:oMathParaPr>
+                      <m:jc m:val="centerGroup"/>
+                    </m:oMathParaPr>
+                    <m:oMath xmlns:m="http://schemas.openxmlformats.org/officeDocument/2006/math">
+                      <m:r>
+                        <a:rPr lang="en-GB" b="0" i="1" smtClean="0">
+                          <a:solidFill>
+                            <a:schemeClr val="tx1"/>
+                          </a:solidFill>
+                          <a:latin typeface="Cambria Math" panose="02040503050406030204" pitchFamily="18" charset="0"/>
+                        </a:rPr>
+                        <m:t>𝛼</m:t>
+                      </m:r>
+                      <m:r>
+                        <a:rPr lang="en-GB" b="0" i="1" smtClean="0">
+                          <a:solidFill>
+                            <a:schemeClr val="tx1"/>
+                          </a:solidFill>
+                          <a:latin typeface="Cambria Math" panose="02040503050406030204" pitchFamily="18" charset="0"/>
+                        </a:rPr>
+                        <m:t>≡0.68</m:t>
+                      </m:r>
+                    </m:oMath>
+                  </m:oMathPara>
+                </a14:m>
+                <a:endParaRPr lang="en-GB" b="0" dirty="0">
+                  <a:solidFill>
+                    <a:schemeClr val="tx1"/>
+                  </a:solidFill>
+                </a:endParaRPr>
+              </a:p>
+              <a:p>
+                <a:pPr algn="ctr"/>
+                <a14:m>
+                  <m:oMathPara xmlns:m="http://schemas.openxmlformats.org/officeDocument/2006/math">
+                    <m:oMathParaPr>
+                      <m:jc m:val="centerGroup"/>
+                    </m:oMathParaPr>
+                    <m:oMath xmlns:m="http://schemas.openxmlformats.org/officeDocument/2006/math">
+                      <m:r>
+                        <a:rPr lang="en-GB" b="0" i="1" smtClean="0">
+                          <a:solidFill>
+                            <a:schemeClr val="tx1"/>
+                          </a:solidFill>
+                          <a:latin typeface="Cambria Math" panose="02040503050406030204" pitchFamily="18" charset="0"/>
+                        </a:rPr>
+                        <m:t>𝛽</m:t>
+                      </m:r>
+                      <m:r>
+                        <a:rPr lang="en-GB" b="0" i="1" smtClean="0">
+                          <a:solidFill>
+                            <a:schemeClr val="tx1"/>
+                          </a:solidFill>
+                          <a:latin typeface="Cambria Math" panose="02040503050406030204" pitchFamily="18" charset="0"/>
+                        </a:rPr>
+                        <m:t>≡0.05</m:t>
+                      </m:r>
+                    </m:oMath>
+                  </m:oMathPara>
+                </a14:m>
+                <a:endParaRPr lang="en-GB" dirty="0">
+                  <a:solidFill>
+                    <a:schemeClr val="tx1"/>
+                  </a:solidFill>
+                </a:endParaRPr>
+              </a:p>
+            </p:txBody>
+          </p:sp>
+        </mc:Choice>
+        <mc:Fallback xmlns="">
+          <p:sp>
+            <p:nvSpPr>
+              <p:cNvPr id="11" name="Rectangle: Rounded Corners 10">
+                <a:extLst>
+                  <a:ext uri="{FF2B5EF4-FFF2-40B4-BE49-F238E27FC236}">
+                    <a16:creationId xmlns:a16="http://schemas.microsoft.com/office/drawing/2014/main" id="{15B90F7F-CDF2-864C-7D36-22F5EF7D5E76}"/>
+                  </a:ext>
+                </a:extLst>
+              </p:cNvPr>
+              <p:cNvSpPr>
+                <a:spLocks noRot="1" noChangeAspect="1" noMove="1" noResize="1" noEditPoints="1" noAdjustHandles="1" noChangeArrowheads="1" noChangeShapeType="1" noTextEdit="1"/>
+              </p:cNvSpPr>
+              <p:nvPr/>
+            </p:nvSpPr>
+            <p:spPr>
+              <a:xfrm>
+                <a:off x="6072955" y="831845"/>
+                <a:ext cx="5460562" cy="1904795"/>
+              </a:xfrm>
+              <a:prstGeom prst="roundRect">
+                <a:avLst>
+                  <a:gd name="adj" fmla="val 9253"/>
+                </a:avLst>
+              </a:prstGeom>
+              <a:blipFill>
+                <a:blip r:embed="rId5"/>
+                <a:stretch>
+                  <a:fillRect r="-222"/>
+                </a:stretch>
+              </a:blipFill>
+              <a:ln w="28575"/>
+            </p:spPr>
+            <p:txBody>
+              <a:bodyPr/>
+              <a:lstStyle/>
+              <a:p>
+                <a:r>
+                  <a:rPr lang="en-GB">
+                    <a:noFill/>
+                  </a:rPr>
+                  <a:t> </a:t>
+                </a:r>
+              </a:p>
+            </p:txBody>
+          </p:sp>
+        </mc:Fallback>
+      </mc:AlternateContent>
+      <p:pic>
+        <p:nvPicPr>
+          <p:cNvPr id="10242" name="Picture 2" descr="289 &#10;288 &#10;287 &#10;286 &#10;285 &#10;284 &#10;283 &#10;1960 &#10;Optimised Model &#10;Historic Record &#10;19 70 &#10;1980 &#10;1990 &#10;2000 &#10;2010 &#10;2020 ">
+            <a:extLst>
+              <a:ext uri="{FF2B5EF4-FFF2-40B4-BE49-F238E27FC236}">
+                <a16:creationId xmlns:a16="http://schemas.microsoft.com/office/drawing/2014/main" id="{D77534B8-4B53-4E60-864C-C1C4601B6D01}"/>
+              </a:ext>
+            </a:extLst>
+          </p:cNvPr>
+          <p:cNvPicPr>
+            <a:picLocks noChangeAspect="1" noChangeArrowheads="1"/>
+          </p:cNvPicPr>
+          <p:nvPr/>
+        </p:nvPicPr>
+        <p:blipFill rotWithShape="1">
+          <a:blip r:embed="rId6">
+            <a:extLst>
+              <a:ext uri="{28A0092B-C50C-407E-A947-70E740481C1C}">
+                <a14:useLocalDpi xmlns:a14="http://schemas.microsoft.com/office/drawing/2010/main" val="0"/>
+              </a:ext>
+            </a:extLst>
+          </a:blip>
+          <a:srcRect l="7646" t="11280" r="9126" b="6415"/>
+          <a:stretch/>
+        </p:blipFill>
+        <p:spPr bwMode="auto">
+          <a:xfrm>
+            <a:off x="5779658" y="2906952"/>
+            <a:ext cx="5753859" cy="3807284"/>
+          </a:xfrm>
+          <a:prstGeom prst="rect">
+            <a:avLst/>
+          </a:prstGeom>
+          <a:noFill/>
+          <a:extLst>
+            <a:ext uri="{909E8E84-426E-40DD-AFC4-6F175D3DCCD1}">
+              <a14:hiddenFill xmlns:a14="http://schemas.microsoft.com/office/drawing/2010/main">
+                <a:solidFill>
+                  <a:srgbClr val="FFFFFF"/>
+                </a:solidFill>
+              </a14:hiddenFill>
+            </a:ext>
+          </a:extLst>
+        </p:spPr>
+      </p:pic>
+    </p:spTree>
+    <p:extLst>
+      <p:ext uri="{BB962C8B-B14F-4D97-AF65-F5344CB8AC3E}">
+        <p14:creationId xmlns:p14="http://schemas.microsoft.com/office/powerpoint/2010/main" val="1633218006"/>
+      </p:ext>
+    </p:extLst>
+  </p:cSld>
+  <p:clrMapOvr>
+    <a:masterClrMapping/>
+  </p:clrMapOvr>
+</p:sld>
+</file>
+
 <file path=ppt/theme/theme1.xml><?xml version="1.0" encoding="utf-8"?>
 <a:theme xmlns:a="http://schemas.openxmlformats.org/drawingml/2006/main" name="Office Theme">
   <a:themeElements>
